--- a/Teaching_FAIR_Lesson_1.pptx
+++ b/Teaching_FAIR_Lesson_1.pptx
@@ -5,36 +5,35 @@
     <p:sldMasterId id="2147483734" r:id="rId1"/>
   </p:sldMasterIdLst>
   <p:notesMasterIdLst>
-    <p:notesMasterId r:id="rId29"/>
+    <p:notesMasterId r:id="rId28"/>
   </p:notesMasterIdLst>
   <p:sldIdLst>
     <p:sldId id="256" r:id="rId2"/>
     <p:sldId id="257" r:id="rId3"/>
     <p:sldId id="290" r:id="rId4"/>
-    <p:sldId id="280" r:id="rId5"/>
-    <p:sldId id="258" r:id="rId6"/>
-    <p:sldId id="259" r:id="rId7"/>
-    <p:sldId id="260" r:id="rId8"/>
-    <p:sldId id="261" r:id="rId9"/>
-    <p:sldId id="278" r:id="rId10"/>
-    <p:sldId id="265" r:id="rId11"/>
-    <p:sldId id="279" r:id="rId12"/>
-    <p:sldId id="263" r:id="rId13"/>
-    <p:sldId id="281" r:id="rId14"/>
-    <p:sldId id="270" r:id="rId15"/>
-    <p:sldId id="266" r:id="rId16"/>
-    <p:sldId id="284" r:id="rId17"/>
-    <p:sldId id="267" r:id="rId18"/>
-    <p:sldId id="282" r:id="rId19"/>
-    <p:sldId id="283" r:id="rId20"/>
-    <p:sldId id="268" r:id="rId21"/>
-    <p:sldId id="285" r:id="rId22"/>
-    <p:sldId id="289" r:id="rId23"/>
-    <p:sldId id="269" r:id="rId24"/>
-    <p:sldId id="286" r:id="rId25"/>
-    <p:sldId id="272" r:id="rId26"/>
-    <p:sldId id="288" r:id="rId27"/>
-    <p:sldId id="275" r:id="rId28"/>
+    <p:sldId id="258" r:id="rId5"/>
+    <p:sldId id="259" r:id="rId6"/>
+    <p:sldId id="260" r:id="rId7"/>
+    <p:sldId id="261" r:id="rId8"/>
+    <p:sldId id="278" r:id="rId9"/>
+    <p:sldId id="265" r:id="rId10"/>
+    <p:sldId id="279" r:id="rId11"/>
+    <p:sldId id="263" r:id="rId12"/>
+    <p:sldId id="281" r:id="rId13"/>
+    <p:sldId id="270" r:id="rId14"/>
+    <p:sldId id="266" r:id="rId15"/>
+    <p:sldId id="284" r:id="rId16"/>
+    <p:sldId id="267" r:id="rId17"/>
+    <p:sldId id="282" r:id="rId18"/>
+    <p:sldId id="283" r:id="rId19"/>
+    <p:sldId id="268" r:id="rId20"/>
+    <p:sldId id="285" r:id="rId21"/>
+    <p:sldId id="289" r:id="rId22"/>
+    <p:sldId id="269" r:id="rId23"/>
+    <p:sldId id="286" r:id="rId24"/>
+    <p:sldId id="272" r:id="rId25"/>
+    <p:sldId id="288" r:id="rId26"/>
+    <p:sldId id="275" r:id="rId27"/>
   </p:sldIdLst>
   <p:sldSz cx="12192000" cy="6858000"/>
   <p:notesSz cx="6858000" cy="9144000"/>
@@ -145,6 +144,7 @@
 <p1510:revInfo xmlns:a="http://schemas.openxmlformats.org/drawingml/2006/main" xmlns:r="http://schemas.openxmlformats.org/officeDocument/2006/relationships" xmlns:p1510="http://schemas.microsoft.com/office/powerpoint/2015/10/main">
   <p1510:revLst>
     <p1510:client id="{21C8CF0A-F699-EDE0-7E86-CF60A33F2262}" v="52" dt="2025-10-25T22:54:05.770"/>
+    <p1510:client id="{712FDC5C-518B-FBE7-B1D2-15D01F6F3685}" v="1" dt="2025-10-27T17:44:51.013"/>
     <p1510:client id="{DEC2CB8B-082D-5461-AFC1-15153C9139C9}" v="884" dt="2025-10-25T21:20:19.014"/>
   </p1510:revLst>
 </p1510:revInfo>
@@ -5924,12 +5924,9 @@
   <p:cSld>
     <p:bg>
       <p:bgPr>
-        <a:blipFill>
-          <a:blip r:embed="rId3"/>
-          <a:stretch>
-            <a:fillRect/>
-          </a:stretch>
-        </a:blipFill>
+        <a:solidFill>
+          <a:schemeClr val="bg2"/>
+        </a:solidFill>
         <a:effectLst/>
       </p:bgPr>
     </p:bg>
@@ -5947,10 +5944,431 @@
           <a:chExt cx="0" cy="0"/>
         </a:xfrm>
       </p:grpSpPr>
+      <p:cxnSp>
+        <p:nvCxnSpPr>
+          <p:cNvPr id="8" name="Straight Connector 7">
+            <a:extLst>
+              <a:ext uri="{FF2B5EF4-FFF2-40B4-BE49-F238E27FC236}">
+                <a16:creationId xmlns:a16="http://schemas.microsoft.com/office/drawing/2014/main" id="{A240FCEE-B6E2-46D0-9BB0-F45F79545E9D}"/>
+              </a:ext>
+              <a:ext uri="{C183D7F6-B498-43B3-948B-1728B52AA6E4}">
+                <adec:decorative xmlns:adec="http://schemas.microsoft.com/office/drawing/2017/decorative" val="1"/>
+              </a:ext>
+            </a:extLst>
+          </p:cNvPr>
+          <p:cNvCxnSpPr>
+            <a:cxnSpLocks noGrp="1" noRot="1" noChangeAspect="1" noMove="1" noResize="1" noEditPoints="1" noAdjustHandles="1" noChangeArrowheads="1" noChangeShapeType="1"/>
+          </p:cNvCxnSpPr>
+          <p:nvPr>
+            <p:extLst>
+              <p:ext uri="{386F3935-93C4-4BCD-93E2-E3B085C9AB24}">
+                <p16:designElem xmlns:p16="http://schemas.microsoft.com/office/powerpoint/2015/main" val="1"/>
+              </p:ext>
+            </p:extLst>
+          </p:nvPr>
+        </p:nvCxnSpPr>
+        <p:spPr>
+          <a:xfrm flipH="1">
+            <a:off x="571501" y="571500"/>
+            <a:ext cx="11059811" cy="0"/>
+          </a:xfrm>
+          <a:prstGeom prst="line">
+            <a:avLst/>
+          </a:prstGeom>
+          <a:ln>
+            <a:solidFill>
+              <a:schemeClr val="tx1"/>
+            </a:solidFill>
+          </a:ln>
+        </p:spPr>
+        <p:style>
+          <a:lnRef idx="1">
+            <a:schemeClr val="accent1"/>
+          </a:lnRef>
+          <a:fillRef idx="0">
+            <a:schemeClr val="accent1"/>
+          </a:fillRef>
+          <a:effectRef idx="0">
+            <a:schemeClr val="accent1"/>
+          </a:effectRef>
+          <a:fontRef idx="minor">
+            <a:schemeClr val="tx1"/>
+          </a:fontRef>
+        </p:style>
+      </p:cxnSp>
+      <p:cxnSp>
+        <p:nvCxnSpPr>
+          <p:cNvPr id="24" name="Straight Connector 23">
+            <a:extLst>
+              <a:ext uri="{FF2B5EF4-FFF2-40B4-BE49-F238E27FC236}">
+                <a16:creationId xmlns:a16="http://schemas.microsoft.com/office/drawing/2014/main" id="{3BD2FB83-3783-4477-80B5-DA5BF10BAF57}"/>
+              </a:ext>
+              <a:ext uri="{C183D7F6-B498-43B3-948B-1728B52AA6E4}">
+                <adec:decorative xmlns:adec="http://schemas.microsoft.com/office/drawing/2017/decorative" val="1"/>
+              </a:ext>
+            </a:extLst>
+          </p:cNvPr>
+          <p:cNvCxnSpPr>
+            <a:cxnSpLocks noGrp="1" noRot="1" noChangeAspect="1" noMove="1" noResize="1" noEditPoints="1" noAdjustHandles="1" noChangeArrowheads="1" noChangeShapeType="1"/>
+          </p:cNvCxnSpPr>
+          <p:nvPr>
+            <p:extLst>
+              <p:ext uri="{386F3935-93C4-4BCD-93E2-E3B085C9AB24}">
+                <p16:designElem xmlns:p16="http://schemas.microsoft.com/office/powerpoint/2015/main" val="1"/>
+              </p:ext>
+            </p:extLst>
+          </p:nvPr>
+        </p:nvCxnSpPr>
+        <p:spPr>
+          <a:xfrm>
+            <a:off x="7742482" y="571500"/>
+            <a:ext cx="0" cy="5715000"/>
+          </a:xfrm>
+          <a:prstGeom prst="line">
+            <a:avLst/>
+          </a:prstGeom>
+          <a:ln>
+            <a:solidFill>
+              <a:schemeClr val="tx1"/>
+            </a:solidFill>
+          </a:ln>
+        </p:spPr>
+        <p:style>
+          <a:lnRef idx="1">
+            <a:schemeClr val="accent1"/>
+          </a:lnRef>
+          <a:fillRef idx="0">
+            <a:schemeClr val="accent1"/>
+          </a:fillRef>
+          <a:effectRef idx="0">
+            <a:schemeClr val="accent1"/>
+          </a:effectRef>
+          <a:fontRef idx="minor">
+            <a:schemeClr val="tx1"/>
+          </a:fontRef>
+        </p:style>
+      </p:cxnSp>
+      <p:cxnSp>
+        <p:nvCxnSpPr>
+          <p:cNvPr id="25" name="Straight Connector 24">
+            <a:extLst>
+              <a:ext uri="{FF2B5EF4-FFF2-40B4-BE49-F238E27FC236}">
+                <a16:creationId xmlns:a16="http://schemas.microsoft.com/office/drawing/2014/main" id="{E83EA203-71D5-49C0-9626-FFA8E46787B0}"/>
+              </a:ext>
+              <a:ext uri="{C183D7F6-B498-43B3-948B-1728B52AA6E4}">
+                <adec:decorative xmlns:adec="http://schemas.microsoft.com/office/drawing/2017/decorative" val="1"/>
+              </a:ext>
+            </a:extLst>
+          </p:cNvPr>
+          <p:cNvCxnSpPr>
+            <a:cxnSpLocks noGrp="1" noRot="1" noChangeAspect="1" noMove="1" noResize="1" noEditPoints="1" noAdjustHandles="1" noChangeArrowheads="1" noChangeShapeType="1"/>
+          </p:cNvCxnSpPr>
+          <p:nvPr>
+            <p:extLst>
+              <p:ext uri="{386F3935-93C4-4BCD-93E2-E3B085C9AB24}">
+                <p16:designElem xmlns:p16="http://schemas.microsoft.com/office/powerpoint/2015/main" val="1"/>
+              </p:ext>
+            </p:extLst>
+          </p:nvPr>
+        </p:nvCxnSpPr>
+        <p:spPr>
+          <a:xfrm flipH="1">
+            <a:off x="577485" y="6283518"/>
+            <a:ext cx="11059811" cy="0"/>
+          </a:xfrm>
+          <a:prstGeom prst="line">
+            <a:avLst/>
+          </a:prstGeom>
+          <a:ln>
+            <a:solidFill>
+              <a:schemeClr val="tx1"/>
+            </a:solidFill>
+          </a:ln>
+        </p:spPr>
+        <p:style>
+          <a:lnRef idx="1">
+            <a:schemeClr val="accent1"/>
+          </a:lnRef>
+          <a:fillRef idx="0">
+            <a:schemeClr val="accent1"/>
+          </a:fillRef>
+          <a:effectRef idx="0">
+            <a:schemeClr val="accent1"/>
+          </a:effectRef>
+          <a:fontRef idx="minor">
+            <a:schemeClr val="tx1"/>
+          </a:fontRef>
+        </p:style>
+      </p:cxnSp>
+      <p:sp useBgFill="1">
+        <p:nvSpPr>
+          <p:cNvPr id="26" name="Rectangle 25">
+            <a:extLst>
+              <a:ext uri="{FF2B5EF4-FFF2-40B4-BE49-F238E27FC236}">
+                <a16:creationId xmlns:a16="http://schemas.microsoft.com/office/drawing/2014/main" id="{683168C5-529E-4E00-9D4C-9F5E3252EAD8}"/>
+              </a:ext>
+              <a:ext uri="{C183D7F6-B498-43B3-948B-1728B52AA6E4}">
+                <adec:decorative xmlns:adec="http://schemas.microsoft.com/office/drawing/2017/decorative" val="1"/>
+              </a:ext>
+            </a:extLst>
+          </p:cNvPr>
+          <p:cNvSpPr>
+            <a:spLocks noGrp="1" noRot="1" noChangeAspect="1" noMove="1" noResize="1" noEditPoints="1" noAdjustHandles="1" noChangeArrowheads="1" noChangeShapeType="1" noTextEdit="1"/>
+          </p:cNvSpPr>
+          <p:nvPr>
+            <p:extLst>
+              <p:ext uri="{386F3935-93C4-4BCD-93E2-E3B085C9AB24}">
+                <p16:designElem xmlns:p16="http://schemas.microsoft.com/office/powerpoint/2015/main" val="1"/>
+              </p:ext>
+            </p:extLst>
+          </p:nvPr>
+        </p:nvSpPr>
+        <p:spPr>
+          <a:xfrm>
+            <a:off x="0" y="0"/>
+            <a:ext cx="12192000" cy="6858000"/>
+          </a:xfrm>
+          <a:prstGeom prst="rect">
+            <a:avLst/>
+          </a:prstGeom>
+          <a:ln>
+            <a:noFill/>
+          </a:ln>
+        </p:spPr>
+        <p:style>
+          <a:lnRef idx="2">
+            <a:schemeClr val="accent1">
+              <a:shade val="50000"/>
+            </a:schemeClr>
+          </a:lnRef>
+          <a:fillRef idx="1">
+            <a:schemeClr val="accent1"/>
+          </a:fillRef>
+          <a:effectRef idx="0">
+            <a:schemeClr val="accent1"/>
+          </a:effectRef>
+          <a:fontRef idx="minor">
+            <a:schemeClr val="lt1"/>
+          </a:fontRef>
+        </p:style>
+        <p:txBody>
+          <a:bodyPr rtlCol="0" anchor="ctr"/>
+          <a:lstStyle/>
+          <a:p>
+            <a:pPr algn="ctr"/>
+            <a:endParaRPr lang="en-US"/>
+          </a:p>
+        </p:txBody>
+      </p:sp>
+      <p:sp>
+        <p:nvSpPr>
+          <p:cNvPr id="2" name="Title 1">
+            <a:extLst>
+              <a:ext uri="{FF2B5EF4-FFF2-40B4-BE49-F238E27FC236}">
+                <a16:creationId xmlns:a16="http://schemas.microsoft.com/office/drawing/2014/main" id="{16FB33BB-799C-A8F8-55E2-8E16FE609DD1}"/>
+              </a:ext>
+            </a:extLst>
+          </p:cNvPr>
+          <p:cNvSpPr>
+            <a:spLocks noGrp="1"/>
+          </p:cNvSpPr>
+          <p:nvPr>
+            <p:ph type="title"/>
+          </p:nvPr>
+        </p:nvSpPr>
+        <p:spPr>
+          <a:xfrm>
+            <a:off x="577176" y="1990641"/>
+            <a:ext cx="11132522" cy="3980569"/>
+          </a:xfrm>
+        </p:spPr>
+        <p:txBody>
+          <a:bodyPr vert="horz" lIns="91440" tIns="45720" rIns="91440" bIns="45720" rtlCol="0" anchor="b">
+            <a:normAutofit/>
+          </a:bodyPr>
+          <a:lstStyle/>
+          <a:p>
+            <a:pPr algn="r"/>
+            <a:r>
+              <a:rPr lang="en-US" sz="6000" dirty="0">
+                <a:latin typeface="Batang"/>
+                <a:ea typeface="Batang"/>
+              </a:rPr>
+              <a:t>Question</a:t>
+            </a:r>
+          </a:p>
+        </p:txBody>
+      </p:sp>
+      <p:sp>
+        <p:nvSpPr>
+          <p:cNvPr id="3" name="Content Placeholder 2">
+            <a:extLst>
+              <a:ext uri="{FF2B5EF4-FFF2-40B4-BE49-F238E27FC236}">
+                <a16:creationId xmlns:a16="http://schemas.microsoft.com/office/drawing/2014/main" id="{3045DD9C-459D-1B75-87A5-E676320FCCBE}"/>
+              </a:ext>
+            </a:extLst>
+          </p:cNvPr>
+          <p:cNvSpPr>
+            <a:spLocks noGrp="1"/>
+          </p:cNvSpPr>
+          <p:nvPr>
+            <p:ph sz="half" idx="1"/>
+          </p:nvPr>
+        </p:nvSpPr>
+        <p:spPr>
+          <a:xfrm>
+            <a:off x="558081" y="916611"/>
+            <a:ext cx="8842396" cy="3050273"/>
+          </a:xfrm>
+        </p:spPr>
+        <p:txBody>
+          <a:bodyPr vert="horz" lIns="91440" tIns="45720" rIns="91440" bIns="45720" rtlCol="0" anchor="t">
+            <a:normAutofit lnSpcReduction="10000"/>
+          </a:bodyPr>
+          <a:lstStyle/>
+          <a:p>
+            <a:pPr marL="0" indent="0">
+              <a:lnSpc>
+                <a:spcPct val="130000"/>
+              </a:lnSpc>
+              <a:buNone/>
+            </a:pPr>
+            <a:r>
+              <a:rPr lang="en-US" sz="3600" cap="all" spc="300" dirty="0"/>
+              <a:t>Do you think an LLM could solve:</a:t>
+            </a:r>
+          </a:p>
+          <a:p>
+            <a:pPr marL="0" indent="0">
+              <a:lnSpc>
+                <a:spcPct val="130000"/>
+              </a:lnSpc>
+              <a:buNone/>
+            </a:pPr>
+            <a:endParaRPr lang="en-US" sz="3600" cap="all" spc="300" dirty="0"/>
+          </a:p>
+          <a:p>
+            <a:pPr marL="0" indent="0">
+              <a:lnSpc>
+                <a:spcPct val="130000"/>
+              </a:lnSpc>
+              <a:buNone/>
+            </a:pPr>
+            <a:r>
+              <a:rPr lang="en-US" sz="3600" cap="all" spc="300" dirty="0"/>
+              <a:t>(112 + 203) * 6785</a:t>
+            </a:r>
+          </a:p>
+        </p:txBody>
+      </p:sp>
+      <p:cxnSp>
+        <p:nvCxnSpPr>
+          <p:cNvPr id="27" name="Straight Connector 26">
+            <a:extLst>
+              <a:ext uri="{FF2B5EF4-FFF2-40B4-BE49-F238E27FC236}">
+                <a16:creationId xmlns:a16="http://schemas.microsoft.com/office/drawing/2014/main" id="{DEC0903C-FF46-4546-AC00-F18FCD5BF9CD}"/>
+              </a:ext>
+              <a:ext uri="{C183D7F6-B498-43B3-948B-1728B52AA6E4}">
+                <adec:decorative xmlns:adec="http://schemas.microsoft.com/office/drawing/2017/decorative" val="1"/>
+              </a:ext>
+            </a:extLst>
+          </p:cNvPr>
+          <p:cNvCxnSpPr>
+            <a:cxnSpLocks noGrp="1" noRot="1" noChangeAspect="1" noMove="1" noResize="1" noEditPoints="1" noAdjustHandles="1" noChangeArrowheads="1" noChangeShapeType="1"/>
+          </p:cNvCxnSpPr>
+          <p:nvPr>
+            <p:extLst>
+              <p:ext uri="{386F3935-93C4-4BCD-93E2-E3B085C9AB24}">
+                <p16:designElem xmlns:p16="http://schemas.microsoft.com/office/powerpoint/2015/main" val="1"/>
+              </p:ext>
+            </p:extLst>
+          </p:nvPr>
+        </p:nvCxnSpPr>
+        <p:spPr>
+          <a:xfrm flipH="1">
+            <a:off x="577176" y="571500"/>
+            <a:ext cx="11043324" cy="0"/>
+          </a:xfrm>
+          <a:prstGeom prst="line">
+            <a:avLst/>
+          </a:prstGeom>
+          <a:ln>
+            <a:solidFill>
+              <a:schemeClr val="tx1"/>
+            </a:solidFill>
+          </a:ln>
+        </p:spPr>
+        <p:style>
+          <a:lnRef idx="1">
+            <a:schemeClr val="accent1"/>
+          </a:lnRef>
+          <a:fillRef idx="0">
+            <a:schemeClr val="accent1"/>
+          </a:fillRef>
+          <a:effectRef idx="0">
+            <a:schemeClr val="accent1"/>
+          </a:effectRef>
+          <a:fontRef idx="minor">
+            <a:schemeClr val="tx1"/>
+          </a:fontRef>
+        </p:style>
+      </p:cxnSp>
+      <p:cxnSp>
+        <p:nvCxnSpPr>
+          <p:cNvPr id="28" name="Straight Connector 27">
+            <a:extLst>
+              <a:ext uri="{FF2B5EF4-FFF2-40B4-BE49-F238E27FC236}">
+                <a16:creationId xmlns:a16="http://schemas.microsoft.com/office/drawing/2014/main" id="{DB70C4DD-D704-4C63-874C-EA8923E7FABB}"/>
+              </a:ext>
+              <a:ext uri="{C183D7F6-B498-43B3-948B-1728B52AA6E4}">
+                <adec:decorative xmlns:adec="http://schemas.microsoft.com/office/drawing/2017/decorative" val="1"/>
+              </a:ext>
+            </a:extLst>
+          </p:cNvPr>
+          <p:cNvCxnSpPr>
+            <a:cxnSpLocks noGrp="1" noRot="1" noChangeAspect="1" noMove="1" noResize="1" noEditPoints="1" noAdjustHandles="1" noChangeArrowheads="1" noChangeShapeType="1"/>
+          </p:cNvCxnSpPr>
+          <p:nvPr>
+            <p:extLst>
+              <p:ext uri="{386F3935-93C4-4BCD-93E2-E3B085C9AB24}">
+                <p16:designElem xmlns:p16="http://schemas.microsoft.com/office/powerpoint/2015/main" val="1"/>
+              </p:ext>
+            </p:extLst>
+          </p:nvPr>
+        </p:nvCxnSpPr>
+        <p:spPr>
+          <a:xfrm flipH="1">
+            <a:off x="577176" y="6286500"/>
+            <a:ext cx="11043324" cy="0"/>
+          </a:xfrm>
+          <a:prstGeom prst="line">
+            <a:avLst/>
+          </a:prstGeom>
+          <a:ln>
+            <a:solidFill>
+              <a:schemeClr val="tx1"/>
+            </a:solidFill>
+          </a:ln>
+        </p:spPr>
+        <p:style>
+          <a:lnRef idx="1">
+            <a:schemeClr val="accent1"/>
+          </a:lnRef>
+          <a:fillRef idx="0">
+            <a:schemeClr val="accent1"/>
+          </a:fillRef>
+          <a:effectRef idx="0">
+            <a:schemeClr val="accent1"/>
+          </a:effectRef>
+          <a:fontRef idx="minor">
+            <a:schemeClr val="tx1"/>
+          </a:fontRef>
+        </p:style>
+      </p:cxnSp>
     </p:spTree>
     <p:extLst>
       <p:ext uri="{BB962C8B-B14F-4D97-AF65-F5344CB8AC3E}">
-        <p14:creationId xmlns:p14="http://schemas.microsoft.com/office/powerpoint/2010/main" val="343241706"/>
+        <p14:creationId xmlns:p14="http://schemas.microsoft.com/office/powerpoint/2010/main" val="133855080"/>
       </p:ext>
     </p:extLst>
   </p:cSld>
@@ -5985,465 +6403,6 @@
           <a:chExt cx="0" cy="0"/>
         </a:xfrm>
       </p:grpSpPr>
-      <p:cxnSp>
-        <p:nvCxnSpPr>
-          <p:cNvPr id="8" name="Straight Connector 7">
-            <a:extLst>
-              <a:ext uri="{FF2B5EF4-FFF2-40B4-BE49-F238E27FC236}">
-                <a16:creationId xmlns:a16="http://schemas.microsoft.com/office/drawing/2014/main" id="{A240FCEE-B6E2-46D0-9BB0-F45F79545E9D}"/>
-              </a:ext>
-              <a:ext uri="{C183D7F6-B498-43B3-948B-1728B52AA6E4}">
-                <adec:decorative xmlns:adec="http://schemas.microsoft.com/office/drawing/2017/decorative" val="1"/>
-              </a:ext>
-            </a:extLst>
-          </p:cNvPr>
-          <p:cNvCxnSpPr>
-            <a:cxnSpLocks noGrp="1" noRot="1" noChangeAspect="1" noMove="1" noResize="1" noEditPoints="1" noAdjustHandles="1" noChangeArrowheads="1" noChangeShapeType="1"/>
-          </p:cNvCxnSpPr>
-          <p:nvPr>
-            <p:extLst>
-              <p:ext uri="{386F3935-93C4-4BCD-93E2-E3B085C9AB24}">
-                <p16:designElem xmlns:p16="http://schemas.microsoft.com/office/powerpoint/2015/main" val="1"/>
-              </p:ext>
-            </p:extLst>
-          </p:nvPr>
-        </p:nvCxnSpPr>
-        <p:spPr>
-          <a:xfrm flipH="1">
-            <a:off x="571501" y="571500"/>
-            <a:ext cx="11059811" cy="0"/>
-          </a:xfrm>
-          <a:prstGeom prst="line">
-            <a:avLst/>
-          </a:prstGeom>
-          <a:ln>
-            <a:solidFill>
-              <a:schemeClr val="tx1"/>
-            </a:solidFill>
-          </a:ln>
-        </p:spPr>
-        <p:style>
-          <a:lnRef idx="1">
-            <a:schemeClr val="accent1"/>
-          </a:lnRef>
-          <a:fillRef idx="0">
-            <a:schemeClr val="accent1"/>
-          </a:fillRef>
-          <a:effectRef idx="0">
-            <a:schemeClr val="accent1"/>
-          </a:effectRef>
-          <a:fontRef idx="minor">
-            <a:schemeClr val="tx1"/>
-          </a:fontRef>
-        </p:style>
-      </p:cxnSp>
-      <p:cxnSp>
-        <p:nvCxnSpPr>
-          <p:cNvPr id="24" name="Straight Connector 23">
-            <a:extLst>
-              <a:ext uri="{FF2B5EF4-FFF2-40B4-BE49-F238E27FC236}">
-                <a16:creationId xmlns:a16="http://schemas.microsoft.com/office/drawing/2014/main" id="{3BD2FB83-3783-4477-80B5-DA5BF10BAF57}"/>
-              </a:ext>
-              <a:ext uri="{C183D7F6-B498-43B3-948B-1728B52AA6E4}">
-                <adec:decorative xmlns:adec="http://schemas.microsoft.com/office/drawing/2017/decorative" val="1"/>
-              </a:ext>
-            </a:extLst>
-          </p:cNvPr>
-          <p:cNvCxnSpPr>
-            <a:cxnSpLocks noGrp="1" noRot="1" noChangeAspect="1" noMove="1" noResize="1" noEditPoints="1" noAdjustHandles="1" noChangeArrowheads="1" noChangeShapeType="1"/>
-          </p:cNvCxnSpPr>
-          <p:nvPr>
-            <p:extLst>
-              <p:ext uri="{386F3935-93C4-4BCD-93E2-E3B085C9AB24}">
-                <p16:designElem xmlns:p16="http://schemas.microsoft.com/office/powerpoint/2015/main" val="1"/>
-              </p:ext>
-            </p:extLst>
-          </p:nvPr>
-        </p:nvCxnSpPr>
-        <p:spPr>
-          <a:xfrm>
-            <a:off x="7742482" y="571500"/>
-            <a:ext cx="0" cy="5715000"/>
-          </a:xfrm>
-          <a:prstGeom prst="line">
-            <a:avLst/>
-          </a:prstGeom>
-          <a:ln>
-            <a:solidFill>
-              <a:schemeClr val="tx1"/>
-            </a:solidFill>
-          </a:ln>
-        </p:spPr>
-        <p:style>
-          <a:lnRef idx="1">
-            <a:schemeClr val="accent1"/>
-          </a:lnRef>
-          <a:fillRef idx="0">
-            <a:schemeClr val="accent1"/>
-          </a:fillRef>
-          <a:effectRef idx="0">
-            <a:schemeClr val="accent1"/>
-          </a:effectRef>
-          <a:fontRef idx="minor">
-            <a:schemeClr val="tx1"/>
-          </a:fontRef>
-        </p:style>
-      </p:cxnSp>
-      <p:cxnSp>
-        <p:nvCxnSpPr>
-          <p:cNvPr id="25" name="Straight Connector 24">
-            <a:extLst>
-              <a:ext uri="{FF2B5EF4-FFF2-40B4-BE49-F238E27FC236}">
-                <a16:creationId xmlns:a16="http://schemas.microsoft.com/office/drawing/2014/main" id="{E83EA203-71D5-49C0-9626-FFA8E46787B0}"/>
-              </a:ext>
-              <a:ext uri="{C183D7F6-B498-43B3-948B-1728B52AA6E4}">
-                <adec:decorative xmlns:adec="http://schemas.microsoft.com/office/drawing/2017/decorative" val="1"/>
-              </a:ext>
-            </a:extLst>
-          </p:cNvPr>
-          <p:cNvCxnSpPr>
-            <a:cxnSpLocks noGrp="1" noRot="1" noChangeAspect="1" noMove="1" noResize="1" noEditPoints="1" noAdjustHandles="1" noChangeArrowheads="1" noChangeShapeType="1"/>
-          </p:cNvCxnSpPr>
-          <p:nvPr>
-            <p:extLst>
-              <p:ext uri="{386F3935-93C4-4BCD-93E2-E3B085C9AB24}">
-                <p16:designElem xmlns:p16="http://schemas.microsoft.com/office/powerpoint/2015/main" val="1"/>
-              </p:ext>
-            </p:extLst>
-          </p:nvPr>
-        </p:nvCxnSpPr>
-        <p:spPr>
-          <a:xfrm flipH="1">
-            <a:off x="577485" y="6283518"/>
-            <a:ext cx="11059811" cy="0"/>
-          </a:xfrm>
-          <a:prstGeom prst="line">
-            <a:avLst/>
-          </a:prstGeom>
-          <a:ln>
-            <a:solidFill>
-              <a:schemeClr val="tx1"/>
-            </a:solidFill>
-          </a:ln>
-        </p:spPr>
-        <p:style>
-          <a:lnRef idx="1">
-            <a:schemeClr val="accent1"/>
-          </a:lnRef>
-          <a:fillRef idx="0">
-            <a:schemeClr val="accent1"/>
-          </a:fillRef>
-          <a:effectRef idx="0">
-            <a:schemeClr val="accent1"/>
-          </a:effectRef>
-          <a:fontRef idx="minor">
-            <a:schemeClr val="tx1"/>
-          </a:fontRef>
-        </p:style>
-      </p:cxnSp>
-      <p:sp useBgFill="1">
-        <p:nvSpPr>
-          <p:cNvPr id="26" name="Rectangle 25">
-            <a:extLst>
-              <a:ext uri="{FF2B5EF4-FFF2-40B4-BE49-F238E27FC236}">
-                <a16:creationId xmlns:a16="http://schemas.microsoft.com/office/drawing/2014/main" id="{683168C5-529E-4E00-9D4C-9F5E3252EAD8}"/>
-              </a:ext>
-              <a:ext uri="{C183D7F6-B498-43B3-948B-1728B52AA6E4}">
-                <adec:decorative xmlns:adec="http://schemas.microsoft.com/office/drawing/2017/decorative" val="1"/>
-              </a:ext>
-            </a:extLst>
-          </p:cNvPr>
-          <p:cNvSpPr>
-            <a:spLocks noGrp="1" noRot="1" noChangeAspect="1" noMove="1" noResize="1" noEditPoints="1" noAdjustHandles="1" noChangeArrowheads="1" noChangeShapeType="1" noTextEdit="1"/>
-          </p:cNvSpPr>
-          <p:nvPr>
-            <p:extLst>
-              <p:ext uri="{386F3935-93C4-4BCD-93E2-E3B085C9AB24}">
-                <p16:designElem xmlns:p16="http://schemas.microsoft.com/office/powerpoint/2015/main" val="1"/>
-              </p:ext>
-            </p:extLst>
-          </p:nvPr>
-        </p:nvSpPr>
-        <p:spPr>
-          <a:xfrm>
-            <a:off x="0" y="0"/>
-            <a:ext cx="12192000" cy="6858000"/>
-          </a:xfrm>
-          <a:prstGeom prst="rect">
-            <a:avLst/>
-          </a:prstGeom>
-          <a:ln>
-            <a:noFill/>
-          </a:ln>
-        </p:spPr>
-        <p:style>
-          <a:lnRef idx="2">
-            <a:schemeClr val="accent1">
-              <a:shade val="50000"/>
-            </a:schemeClr>
-          </a:lnRef>
-          <a:fillRef idx="1">
-            <a:schemeClr val="accent1"/>
-          </a:fillRef>
-          <a:effectRef idx="0">
-            <a:schemeClr val="accent1"/>
-          </a:effectRef>
-          <a:fontRef idx="minor">
-            <a:schemeClr val="lt1"/>
-          </a:fontRef>
-        </p:style>
-        <p:txBody>
-          <a:bodyPr rtlCol="0" anchor="ctr"/>
-          <a:lstStyle/>
-          <a:p>
-            <a:pPr algn="ctr"/>
-            <a:endParaRPr lang="en-US"/>
-          </a:p>
-        </p:txBody>
-      </p:sp>
-      <p:sp>
-        <p:nvSpPr>
-          <p:cNvPr id="2" name="Title 1">
-            <a:extLst>
-              <a:ext uri="{FF2B5EF4-FFF2-40B4-BE49-F238E27FC236}">
-                <a16:creationId xmlns:a16="http://schemas.microsoft.com/office/drawing/2014/main" id="{16FB33BB-799C-A8F8-55E2-8E16FE609DD1}"/>
-              </a:ext>
-            </a:extLst>
-          </p:cNvPr>
-          <p:cNvSpPr>
-            <a:spLocks noGrp="1"/>
-          </p:cNvSpPr>
-          <p:nvPr>
-            <p:ph type="title"/>
-          </p:nvPr>
-        </p:nvSpPr>
-        <p:spPr>
-          <a:xfrm>
-            <a:off x="577176" y="1990641"/>
-            <a:ext cx="11132522" cy="3980569"/>
-          </a:xfrm>
-        </p:spPr>
-        <p:txBody>
-          <a:bodyPr vert="horz" lIns="91440" tIns="45720" rIns="91440" bIns="45720" rtlCol="0" anchor="b">
-            <a:normAutofit/>
-          </a:bodyPr>
-          <a:lstStyle/>
-          <a:p>
-            <a:pPr algn="r"/>
-            <a:r>
-              <a:rPr lang="en-US" sz="6000" dirty="0">
-                <a:latin typeface="Batang"/>
-                <a:ea typeface="Batang"/>
-              </a:rPr>
-              <a:t>Question</a:t>
-            </a:r>
-          </a:p>
-        </p:txBody>
-      </p:sp>
-      <p:sp>
-        <p:nvSpPr>
-          <p:cNvPr id="3" name="Content Placeholder 2">
-            <a:extLst>
-              <a:ext uri="{FF2B5EF4-FFF2-40B4-BE49-F238E27FC236}">
-                <a16:creationId xmlns:a16="http://schemas.microsoft.com/office/drawing/2014/main" id="{3045DD9C-459D-1B75-87A5-E676320FCCBE}"/>
-              </a:ext>
-            </a:extLst>
-          </p:cNvPr>
-          <p:cNvSpPr>
-            <a:spLocks noGrp="1"/>
-          </p:cNvSpPr>
-          <p:nvPr>
-            <p:ph sz="half" idx="1"/>
-          </p:nvPr>
-        </p:nvSpPr>
-        <p:spPr>
-          <a:xfrm>
-            <a:off x="558081" y="916611"/>
-            <a:ext cx="8842396" cy="3050273"/>
-          </a:xfrm>
-        </p:spPr>
-        <p:txBody>
-          <a:bodyPr vert="horz" lIns="91440" tIns="45720" rIns="91440" bIns="45720" rtlCol="0" anchor="t">
-            <a:normAutofit lnSpcReduction="10000"/>
-          </a:bodyPr>
-          <a:lstStyle/>
-          <a:p>
-            <a:pPr marL="0" indent="0">
-              <a:lnSpc>
-                <a:spcPct val="130000"/>
-              </a:lnSpc>
-              <a:buNone/>
-            </a:pPr>
-            <a:r>
-              <a:rPr lang="en-US" sz="3600" cap="all" spc="300" dirty="0"/>
-              <a:t>Do you think an LLM could solve:</a:t>
-            </a:r>
-          </a:p>
-          <a:p>
-            <a:pPr marL="0" indent="0">
-              <a:lnSpc>
-                <a:spcPct val="130000"/>
-              </a:lnSpc>
-              <a:buNone/>
-            </a:pPr>
-            <a:endParaRPr lang="en-US" sz="3600" cap="all" spc="300" dirty="0"/>
-          </a:p>
-          <a:p>
-            <a:pPr marL="0" indent="0">
-              <a:lnSpc>
-                <a:spcPct val="130000"/>
-              </a:lnSpc>
-              <a:buNone/>
-            </a:pPr>
-            <a:r>
-              <a:rPr lang="en-US" sz="3600" cap="all" spc="300" dirty="0"/>
-              <a:t>(112 + 203) * 6785</a:t>
-            </a:r>
-          </a:p>
-        </p:txBody>
-      </p:sp>
-      <p:cxnSp>
-        <p:nvCxnSpPr>
-          <p:cNvPr id="27" name="Straight Connector 26">
-            <a:extLst>
-              <a:ext uri="{FF2B5EF4-FFF2-40B4-BE49-F238E27FC236}">
-                <a16:creationId xmlns:a16="http://schemas.microsoft.com/office/drawing/2014/main" id="{DEC0903C-FF46-4546-AC00-F18FCD5BF9CD}"/>
-              </a:ext>
-              <a:ext uri="{C183D7F6-B498-43B3-948B-1728B52AA6E4}">
-                <adec:decorative xmlns:adec="http://schemas.microsoft.com/office/drawing/2017/decorative" val="1"/>
-              </a:ext>
-            </a:extLst>
-          </p:cNvPr>
-          <p:cNvCxnSpPr>
-            <a:cxnSpLocks noGrp="1" noRot="1" noChangeAspect="1" noMove="1" noResize="1" noEditPoints="1" noAdjustHandles="1" noChangeArrowheads="1" noChangeShapeType="1"/>
-          </p:cNvCxnSpPr>
-          <p:nvPr>
-            <p:extLst>
-              <p:ext uri="{386F3935-93C4-4BCD-93E2-E3B085C9AB24}">
-                <p16:designElem xmlns:p16="http://schemas.microsoft.com/office/powerpoint/2015/main" val="1"/>
-              </p:ext>
-            </p:extLst>
-          </p:nvPr>
-        </p:nvCxnSpPr>
-        <p:spPr>
-          <a:xfrm flipH="1">
-            <a:off x="577176" y="571500"/>
-            <a:ext cx="11043324" cy="0"/>
-          </a:xfrm>
-          <a:prstGeom prst="line">
-            <a:avLst/>
-          </a:prstGeom>
-          <a:ln>
-            <a:solidFill>
-              <a:schemeClr val="tx1"/>
-            </a:solidFill>
-          </a:ln>
-        </p:spPr>
-        <p:style>
-          <a:lnRef idx="1">
-            <a:schemeClr val="accent1"/>
-          </a:lnRef>
-          <a:fillRef idx="0">
-            <a:schemeClr val="accent1"/>
-          </a:fillRef>
-          <a:effectRef idx="0">
-            <a:schemeClr val="accent1"/>
-          </a:effectRef>
-          <a:fontRef idx="minor">
-            <a:schemeClr val="tx1"/>
-          </a:fontRef>
-        </p:style>
-      </p:cxnSp>
-      <p:cxnSp>
-        <p:nvCxnSpPr>
-          <p:cNvPr id="28" name="Straight Connector 27">
-            <a:extLst>
-              <a:ext uri="{FF2B5EF4-FFF2-40B4-BE49-F238E27FC236}">
-                <a16:creationId xmlns:a16="http://schemas.microsoft.com/office/drawing/2014/main" id="{DB70C4DD-D704-4C63-874C-EA8923E7FABB}"/>
-              </a:ext>
-              <a:ext uri="{C183D7F6-B498-43B3-948B-1728B52AA6E4}">
-                <adec:decorative xmlns:adec="http://schemas.microsoft.com/office/drawing/2017/decorative" val="1"/>
-              </a:ext>
-            </a:extLst>
-          </p:cNvPr>
-          <p:cNvCxnSpPr>
-            <a:cxnSpLocks noGrp="1" noRot="1" noChangeAspect="1" noMove="1" noResize="1" noEditPoints="1" noAdjustHandles="1" noChangeArrowheads="1" noChangeShapeType="1"/>
-          </p:cNvCxnSpPr>
-          <p:nvPr>
-            <p:extLst>
-              <p:ext uri="{386F3935-93C4-4BCD-93E2-E3B085C9AB24}">
-                <p16:designElem xmlns:p16="http://schemas.microsoft.com/office/powerpoint/2015/main" val="1"/>
-              </p:ext>
-            </p:extLst>
-          </p:nvPr>
-        </p:nvCxnSpPr>
-        <p:spPr>
-          <a:xfrm flipH="1">
-            <a:off x="577176" y="6286500"/>
-            <a:ext cx="11043324" cy="0"/>
-          </a:xfrm>
-          <a:prstGeom prst="line">
-            <a:avLst/>
-          </a:prstGeom>
-          <a:ln>
-            <a:solidFill>
-              <a:schemeClr val="tx1"/>
-            </a:solidFill>
-          </a:ln>
-        </p:spPr>
-        <p:style>
-          <a:lnRef idx="1">
-            <a:schemeClr val="accent1"/>
-          </a:lnRef>
-          <a:fillRef idx="0">
-            <a:schemeClr val="accent1"/>
-          </a:fillRef>
-          <a:effectRef idx="0">
-            <a:schemeClr val="accent1"/>
-          </a:effectRef>
-          <a:fontRef idx="minor">
-            <a:schemeClr val="tx1"/>
-          </a:fontRef>
-        </p:style>
-      </p:cxnSp>
-    </p:spTree>
-    <p:extLst>
-      <p:ext uri="{BB962C8B-B14F-4D97-AF65-F5344CB8AC3E}">
-        <p14:creationId xmlns:p14="http://schemas.microsoft.com/office/powerpoint/2010/main" val="133855080"/>
-      </p:ext>
-    </p:extLst>
-  </p:cSld>
-  <p:clrMapOvr>
-    <a:masterClrMapping/>
-  </p:clrMapOvr>
-</p:sld>
-</file>
-
-<file path=ppt/slides/slide12.xml><?xml version="1.0" encoding="utf-8"?>
-<p:sld xmlns:a="http://schemas.openxmlformats.org/drawingml/2006/main" xmlns:r="http://schemas.openxmlformats.org/officeDocument/2006/relationships" xmlns:p="http://schemas.openxmlformats.org/presentationml/2006/main">
-  <p:cSld>
-    <p:bg>
-      <p:bgPr>
-        <a:solidFill>
-          <a:schemeClr val="bg2"/>
-        </a:solidFill>
-        <a:effectLst/>
-      </p:bgPr>
-    </p:bg>
-    <p:spTree>
-      <p:nvGrpSpPr>
-        <p:cNvPr id="1" name=""/>
-        <p:cNvGrpSpPr/>
-        <p:nvPr/>
-      </p:nvGrpSpPr>
-      <p:grpSpPr>
-        <a:xfrm>
-          <a:off x="0" y="0"/>
-          <a:ext cx="0" cy="0"/>
-          <a:chOff x="0" y="0"/>
-          <a:chExt cx="0" cy="0"/>
-        </a:xfrm>
-      </p:grpSpPr>
       <p:sp useBgFill="1">
         <p:nvSpPr>
           <p:cNvPr id="29" name="Rectangle 28">
@@ -6818,7 +6777,7 @@
 </p:sld>
 </file>
 
-<file path=ppt/slides/slide13.xml><?xml version="1.0" encoding="utf-8"?>
+<file path=ppt/slides/slide12.xml><?xml version="1.0" encoding="utf-8"?>
 <p:sld xmlns:a="http://schemas.openxmlformats.org/drawingml/2006/main" xmlns:r="http://schemas.openxmlformats.org/officeDocument/2006/relationships" xmlns:p="http://schemas.openxmlformats.org/presentationml/2006/main">
   <p:cSld>
     <p:spTree>
@@ -7207,7 +7166,7 @@
 </p:sld>
 </file>
 
-<file path=ppt/slides/slide14.xml><?xml version="1.0" encoding="utf-8"?>
+<file path=ppt/slides/slide13.xml><?xml version="1.0" encoding="utf-8"?>
 <p:sld xmlns:a="http://schemas.openxmlformats.org/drawingml/2006/main" xmlns:r="http://schemas.openxmlformats.org/officeDocument/2006/relationships" xmlns:p="http://schemas.openxmlformats.org/presentationml/2006/main">
   <p:cSld>
     <p:bg>
@@ -7742,6 +7701,191 @@
 </p:sld>
 </file>
 
+<file path=ppt/slides/slide14.xml><?xml version="1.0" encoding="utf-8"?>
+<p:sld xmlns:a="http://schemas.openxmlformats.org/drawingml/2006/main" xmlns:r="http://schemas.openxmlformats.org/officeDocument/2006/relationships" xmlns:p="http://schemas.openxmlformats.org/presentationml/2006/main">
+  <p:cSld>
+    <p:spTree>
+      <p:nvGrpSpPr>
+        <p:cNvPr id="1" name=""/>
+        <p:cNvGrpSpPr/>
+        <p:nvPr/>
+      </p:nvGrpSpPr>
+      <p:grpSpPr>
+        <a:xfrm>
+          <a:off x="0" y="0"/>
+          <a:ext cx="0" cy="0"/>
+          <a:chOff x="0" y="0"/>
+          <a:chExt cx="0" cy="0"/>
+        </a:xfrm>
+      </p:grpSpPr>
+      <p:sp>
+        <p:nvSpPr>
+          <p:cNvPr id="2" name="Title 1">
+            <a:extLst>
+              <a:ext uri="{FF2B5EF4-FFF2-40B4-BE49-F238E27FC236}">
+                <a16:creationId xmlns:a16="http://schemas.microsoft.com/office/drawing/2014/main" id="{8CB9895E-858C-93D0-888C-CEE0665CC113}"/>
+              </a:ext>
+            </a:extLst>
+          </p:cNvPr>
+          <p:cNvSpPr>
+            <a:spLocks noGrp="1"/>
+          </p:cNvSpPr>
+          <p:nvPr>
+            <p:ph type="title"/>
+          </p:nvPr>
+        </p:nvSpPr>
+        <p:spPr/>
+        <p:txBody>
+          <a:bodyPr/>
+          <a:lstStyle/>
+          <a:p>
+            <a:r>
+              <a:rPr lang="en-US" dirty="0">
+                <a:latin typeface="Batang"/>
+                <a:ea typeface="Batang"/>
+              </a:rPr>
+              <a:t>Agent Component 1 – The Brain</a:t>
+            </a:r>
+            <a:endParaRPr lang="en-US" dirty="0"/>
+          </a:p>
+        </p:txBody>
+      </p:sp>
+      <p:sp>
+        <p:nvSpPr>
+          <p:cNvPr id="3" name="Content Placeholder 2">
+            <a:extLst>
+              <a:ext uri="{FF2B5EF4-FFF2-40B4-BE49-F238E27FC236}">
+                <a16:creationId xmlns:a16="http://schemas.microsoft.com/office/drawing/2014/main" id="{6E130017-DBDC-F35E-A75F-58B91B966584}"/>
+              </a:ext>
+            </a:extLst>
+          </p:cNvPr>
+          <p:cNvSpPr>
+            <a:spLocks noGrp="1"/>
+          </p:cNvSpPr>
+          <p:nvPr>
+            <p:ph idx="1"/>
+          </p:nvPr>
+        </p:nvSpPr>
+        <p:spPr/>
+        <p:txBody>
+          <a:bodyPr vert="horz" lIns="91440" tIns="45720" rIns="91440" bIns="45720" rtlCol="0" anchor="t">
+            <a:normAutofit/>
+          </a:bodyPr>
+          <a:lstStyle/>
+          <a:p>
+            <a:pPr marL="0" indent="0">
+              <a:buNone/>
+            </a:pPr>
+            <a:r>
+              <a:rPr lang="en-US" b="1" dirty="0">
+                <a:ea typeface="+mn-lt"/>
+                <a:cs typeface="+mn-lt"/>
+              </a:rPr>
+              <a:t>The LLM Brain Provides</a:t>
+            </a:r>
+            <a:endParaRPr lang="en-US" dirty="0">
+              <a:ea typeface="+mn-lt"/>
+              <a:cs typeface="+mn-lt"/>
+            </a:endParaRPr>
+          </a:p>
+          <a:p>
+            <a:r>
+              <a:rPr lang="en-US" i="1" dirty="0">
+                <a:ea typeface="+mn-lt"/>
+                <a:cs typeface="+mn-lt"/>
+              </a:rPr>
+              <a:t>Language Understanding</a:t>
+            </a:r>
+            <a:r>
+              <a:rPr lang="en-US" dirty="0">
+                <a:ea typeface="+mn-lt"/>
+                <a:cs typeface="+mn-lt"/>
+              </a:rPr>
+              <a:t> - Comprehends user requests </a:t>
+            </a:r>
+          </a:p>
+          <a:p>
+            <a:r>
+              <a:rPr lang="en-US" i="1" dirty="0">
+                <a:ea typeface="+mn-lt"/>
+                <a:cs typeface="+mn-lt"/>
+              </a:rPr>
+              <a:t>Reasoning </a:t>
+            </a:r>
+            <a:r>
+              <a:rPr lang="en-US" dirty="0">
+                <a:ea typeface="+mn-lt"/>
+                <a:cs typeface="+mn-lt"/>
+              </a:rPr>
+              <a:t>- Thinks through problems step-by-step </a:t>
+            </a:r>
+          </a:p>
+          <a:p>
+            <a:r>
+              <a:rPr lang="en-US" i="1" dirty="0">
+                <a:ea typeface="+mn-lt"/>
+                <a:cs typeface="+mn-lt"/>
+              </a:rPr>
+              <a:t>Planning </a:t>
+            </a:r>
+            <a:r>
+              <a:rPr lang="en-US" dirty="0">
+                <a:ea typeface="+mn-lt"/>
+                <a:cs typeface="+mn-lt"/>
+              </a:rPr>
+              <a:t>- Breaks complex tasks into steps</a:t>
+            </a:r>
+          </a:p>
+          <a:p>
+            <a:r>
+              <a:rPr lang="en-US" i="1" dirty="0">
+                <a:ea typeface="+mn-lt"/>
+                <a:cs typeface="+mn-lt"/>
+              </a:rPr>
+              <a:t>Decision Making</a:t>
+            </a:r>
+            <a:r>
+              <a:rPr lang="en-US" dirty="0">
+                <a:ea typeface="+mn-lt"/>
+                <a:cs typeface="+mn-lt"/>
+              </a:rPr>
+              <a:t> - Chooses which tools to use and when </a:t>
+            </a:r>
+          </a:p>
+          <a:p>
+            <a:r>
+              <a:rPr lang="en-US" i="1" dirty="0">
+                <a:ea typeface="+mn-lt"/>
+                <a:cs typeface="+mn-lt"/>
+              </a:rPr>
+              <a:t>Communication </a:t>
+            </a:r>
+            <a:r>
+              <a:rPr lang="en-US" dirty="0">
+                <a:ea typeface="+mn-lt"/>
+                <a:cs typeface="+mn-lt"/>
+              </a:rPr>
+              <a:t>- Generates natural responses </a:t>
+            </a:r>
+          </a:p>
+          <a:p>
+            <a:endParaRPr lang="en-US" dirty="0"/>
+          </a:p>
+        </p:txBody>
+      </p:sp>
+    </p:spTree>
+    <p:extLst>
+      <p:ext uri="{BB962C8B-B14F-4D97-AF65-F5344CB8AC3E}">
+        <p14:creationId xmlns:p14="http://schemas.microsoft.com/office/powerpoint/2010/main" val="2224943309"/>
+      </p:ext>
+    </p:extLst>
+  </p:cSld>
+  <p:clrMapOvr>
+    <a:masterClrMapping/>
+  </p:clrMapOvr>
+</p:sld>
+</file>
+
 <file path=ppt/slides/slide15.xml><?xml version="1.0" encoding="utf-8"?>
 <p:sld xmlns:a="http://schemas.openxmlformats.org/drawingml/2006/main" xmlns:r="http://schemas.openxmlformats.org/officeDocument/2006/relationships" xmlns:p="http://schemas.openxmlformats.org/presentationml/2006/main">
   <p:cSld>
@@ -7764,7 +7908,7 @@
           <p:cNvPr id="2" name="Title 1">
             <a:extLst>
               <a:ext uri="{FF2B5EF4-FFF2-40B4-BE49-F238E27FC236}">
-                <a16:creationId xmlns:a16="http://schemas.microsoft.com/office/drawing/2014/main" id="{8CB9895E-858C-93D0-888C-CEE0665CC113}"/>
+                <a16:creationId xmlns:a16="http://schemas.microsoft.com/office/drawing/2014/main" id="{C110C15B-B4B6-F981-48CA-2ABC5037C6C0}"/>
               </a:ext>
             </a:extLst>
           </p:cNvPr>
@@ -7785,7 +7929,7 @@
                 <a:latin typeface="Batang"/>
                 <a:ea typeface="Batang"/>
               </a:rPr>
-              <a:t>Agent Component 1 – The Brain</a:t>
+              <a:t>Fair LLM – Model Abstraction Layer</a:t>
             </a:r>
             <a:endParaRPr lang="en-US" dirty="0"/>
           </a:p>
@@ -7796,7 +7940,7 @@
           <p:cNvPr id="3" name="Content Placeholder 2">
             <a:extLst>
               <a:ext uri="{FF2B5EF4-FFF2-40B4-BE49-F238E27FC236}">
-                <a16:creationId xmlns:a16="http://schemas.microsoft.com/office/drawing/2014/main" id="{6E130017-DBDC-F35E-A75F-58B91B966584}"/>
+                <a16:creationId xmlns:a16="http://schemas.microsoft.com/office/drawing/2014/main" id="{2FFFFD9B-E57C-561E-E2A1-91797FA8F08E}"/>
               </a:ext>
             </a:extLst>
           </p:cNvPr>
@@ -7814,110 +7958,143 @@
           </a:bodyPr>
           <a:lstStyle/>
           <a:p>
-            <a:pPr marL="0" indent="0">
+            <a:r>
+              <a:rPr lang="en-US" dirty="0"/>
+              <a:t>Fair LLM Provides three abstractions to invoke language models from the following providers</a:t>
+            </a:r>
+          </a:p>
+          <a:p>
+            <a:pPr lvl="1">
+              <a:buFont typeface="Courier New" panose="020B0604020202020204" pitchFamily="34" charset="0"/>
+              <a:buChar char="o"/>
+            </a:pPr>
+            <a:r>
+              <a:rPr lang="en-US" dirty="0"/>
+              <a:t>Hugging Face</a:t>
+            </a:r>
+          </a:p>
+          <a:p>
+            <a:pPr lvl="1">
+              <a:buFont typeface="Courier New" panose="020B0604020202020204" pitchFamily="34" charset="0"/>
+              <a:buChar char="o"/>
+            </a:pPr>
+            <a:r>
+              <a:rPr lang="en-US" dirty="0"/>
+              <a:t>OpenAI</a:t>
+            </a:r>
+          </a:p>
+          <a:p>
+            <a:pPr lvl="1">
+              <a:buFont typeface="Courier New" panose="020B0604020202020204" pitchFamily="34" charset="0"/>
+              <a:buChar char="o"/>
+            </a:pPr>
+            <a:r>
+              <a:rPr lang="en-US" dirty="0"/>
+              <a:t>Anthropic</a:t>
+            </a:r>
+          </a:p>
+          <a:p>
+            <a:pPr lvl="1">
+              <a:buFont typeface="Courier New" panose="020B0604020202020204" pitchFamily="34" charset="0"/>
+              <a:buChar char="o"/>
+            </a:pPr>
+            <a:endParaRPr lang="en-US" dirty="0"/>
+          </a:p>
+          <a:p>
+            <a:r>
+              <a:rPr lang="en-US" dirty="0"/>
+              <a:t>Usage:</a:t>
+            </a:r>
+          </a:p>
+          <a:p>
+            <a:endParaRPr lang="en-US" dirty="0"/>
+          </a:p>
+          <a:p>
+            <a:pPr marL="228600" lvl="1" indent="0" algn="ctr">
               <a:buNone/>
             </a:pPr>
             <a:r>
               <a:rPr lang="en-US" b="1" dirty="0">
-                <a:ea typeface="+mn-lt"/>
-                <a:cs typeface="+mn-lt"/>
+                <a:latin typeface="Consolas"/>
               </a:rPr>
-              <a:t>The LLM Brain Provides</a:t>
-            </a:r>
-            <a:endParaRPr lang="en-US" dirty="0">
-              <a:ea typeface="+mn-lt"/>
-              <a:cs typeface="+mn-lt"/>
-            </a:endParaRPr>
-          </a:p>
-          <a:p>
-            <a:r>
-              <a:rPr lang="en-US" i="1" dirty="0">
-                <a:ea typeface="+mn-lt"/>
-                <a:cs typeface="+mn-lt"/>
+              <a:t> </a:t>
+            </a:r>
+            <a:r>
+              <a:rPr lang="en-US" b="1" err="1">
+                <a:latin typeface="Consolas"/>
               </a:rPr>
-              <a:t>Language Understanding</a:t>
+              <a:t>llm</a:t>
+            </a:r>
+            <a:r>
+              <a:rPr lang="en-US" b="1" dirty="0">
+                <a:latin typeface="Consolas"/>
+              </a:rPr>
+              <a:t> = </a:t>
+            </a:r>
+            <a:r>
+              <a:rPr lang="en-US" b="1" err="1">
+                <a:latin typeface="Consolas"/>
+              </a:rPr>
+              <a:t>HuggingFaceAdapter</a:t>
+            </a:r>
+            <a:r>
+              <a:rPr lang="en-US" b="1" dirty="0">
+                <a:latin typeface="Consolas"/>
+              </a:rPr>
+              <a:t>(</a:t>
+            </a:r>
+            <a:r>
+              <a:rPr lang="en-US" b="1" err="1">
+                <a:latin typeface="Consolas"/>
+              </a:rPr>
+              <a:t>model_name</a:t>
+            </a:r>
+            <a:r>
+              <a:rPr lang="en-US" b="1" dirty="0">
+                <a:latin typeface="Consolas"/>
+              </a:rPr>
+              <a:t>=</a:t>
+            </a:r>
+            <a:r>
+              <a:rPr lang="en-US" b="1" dirty="0">
+                <a:solidFill>
+                  <a:srgbClr val="00B050"/>
+                </a:solidFill>
+                <a:latin typeface="Consolas"/>
+              </a:rPr>
+              <a:t>"dolphin3-qwen25-3b"</a:t>
+            </a:r>
+            <a:r>
+              <a:rPr lang="en-US" b="1" dirty="0">
+                <a:latin typeface="Consolas"/>
+              </a:rPr>
+              <a:t>, </a:t>
+            </a:r>
+            <a:r>
+              <a:rPr lang="en-US" b="1" err="1">
+                <a:latin typeface="Consolas"/>
+              </a:rPr>
+              <a:t>auth_token</a:t>
+            </a:r>
+            <a:r>
+              <a:rPr lang="en-US" b="1" dirty="0">
+                <a:latin typeface="Consolas"/>
+              </a:rPr>
+              <a:t>=token)</a:t>
             </a:r>
             <a:r>
               <a:rPr lang="en-US" dirty="0">
-                <a:ea typeface="+mn-lt"/>
-                <a:cs typeface="+mn-lt"/>
+                <a:latin typeface="Consolas"/>
               </a:rPr>
-              <a:t> - Comprehends user requests </a:t>
-            </a:r>
-          </a:p>
-          <a:p>
-            <a:r>
-              <a:rPr lang="en-US" i="1" dirty="0">
-                <a:ea typeface="+mn-lt"/>
-                <a:cs typeface="+mn-lt"/>
-              </a:rPr>
-              <a:t>Reasoning </a:t>
-            </a:r>
-            <a:r>
-              <a:rPr lang="en-US" dirty="0">
-                <a:ea typeface="+mn-lt"/>
-                <a:cs typeface="+mn-lt"/>
-              </a:rPr>
-              <a:t>- Thinks through problems step-by-step </a:t>
-            </a:r>
-          </a:p>
-          <a:p>
-            <a:r>
-              <a:rPr lang="en-US" i="1" dirty="0">
-                <a:ea typeface="+mn-lt"/>
-                <a:cs typeface="+mn-lt"/>
-              </a:rPr>
-              <a:t>Planning </a:t>
-            </a:r>
-            <a:r>
-              <a:rPr lang="en-US" dirty="0">
-                <a:ea typeface="+mn-lt"/>
-                <a:cs typeface="+mn-lt"/>
-              </a:rPr>
-              <a:t>- Breaks complex tasks into steps</a:t>
-            </a:r>
-          </a:p>
-          <a:p>
-            <a:r>
-              <a:rPr lang="en-US" i="1" dirty="0">
-                <a:ea typeface="+mn-lt"/>
-                <a:cs typeface="+mn-lt"/>
-              </a:rPr>
-              <a:t>Decision Making</a:t>
-            </a:r>
-            <a:r>
-              <a:rPr lang="en-US" dirty="0">
-                <a:ea typeface="+mn-lt"/>
-                <a:cs typeface="+mn-lt"/>
-              </a:rPr>
-              <a:t> - Chooses which tools to use and when </a:t>
-            </a:r>
-          </a:p>
-          <a:p>
-            <a:r>
-              <a:rPr lang="en-US" i="1" dirty="0">
-                <a:ea typeface="+mn-lt"/>
-                <a:cs typeface="+mn-lt"/>
-              </a:rPr>
-              <a:t>Communication </a:t>
-            </a:r>
-            <a:r>
-              <a:rPr lang="en-US" dirty="0">
-                <a:ea typeface="+mn-lt"/>
-                <a:cs typeface="+mn-lt"/>
-              </a:rPr>
-              <a:t>- Generates natural responses </a:t>
-            </a:r>
-          </a:p>
-          <a:p>
-            <a:endParaRPr lang="en-US" dirty="0"/>
+              <a:t> </a:t>
+            </a:r>
           </a:p>
         </p:txBody>
       </p:sp>
     </p:spTree>
     <p:extLst>
       <p:ext uri="{BB962C8B-B14F-4D97-AF65-F5344CB8AC3E}">
-        <p14:creationId xmlns:p14="http://schemas.microsoft.com/office/powerpoint/2010/main" val="2224943309"/>
+        <p14:creationId xmlns:p14="http://schemas.microsoft.com/office/powerpoint/2010/main" val="571376180"/>
       </p:ext>
     </p:extLst>
   </p:cSld>
@@ -7949,7 +8126,7 @@
           <p:cNvPr id="2" name="Title 1">
             <a:extLst>
               <a:ext uri="{FF2B5EF4-FFF2-40B4-BE49-F238E27FC236}">
-                <a16:creationId xmlns:a16="http://schemas.microsoft.com/office/drawing/2014/main" id="{C110C15B-B4B6-F981-48CA-2ABC5037C6C0}"/>
+                <a16:creationId xmlns:a16="http://schemas.microsoft.com/office/drawing/2014/main" id="{3010E0D0-41A3-853F-0F89-3B89C10E3D96}"/>
               </a:ext>
             </a:extLst>
           </p:cNvPr>
@@ -7970,7 +8147,7 @@
                 <a:latin typeface="Batang"/>
                 <a:ea typeface="Batang"/>
               </a:rPr>
-              <a:t>Fair LLM – Model Abstraction Layer</a:t>
+              <a:t>Agent Component 2 - Tools</a:t>
             </a:r>
             <a:endParaRPr lang="en-US" dirty="0"/>
           </a:p>
@@ -7981,7 +8158,7 @@
           <p:cNvPr id="3" name="Content Placeholder 2">
             <a:extLst>
               <a:ext uri="{FF2B5EF4-FFF2-40B4-BE49-F238E27FC236}">
-                <a16:creationId xmlns:a16="http://schemas.microsoft.com/office/drawing/2014/main" id="{2FFFFD9B-E57C-561E-E2A1-91797FA8F08E}"/>
+                <a16:creationId xmlns:a16="http://schemas.microsoft.com/office/drawing/2014/main" id="{D316E2E4-4746-05F3-1387-DE1F7AEC44B3}"/>
               </a:ext>
             </a:extLst>
           </p:cNvPr>
@@ -8000,142 +8177,114 @@
           <a:lstStyle/>
           <a:p>
             <a:r>
+              <a:rPr lang="en-US" b="1" dirty="0"/>
+              <a:t>Tools are functions that agents can call to interact with the world</a:t>
+            </a:r>
+            <a:endParaRPr lang="en-US" dirty="0"/>
+          </a:p>
+          <a:p>
+            <a:endParaRPr lang="en-US" dirty="0"/>
+          </a:p>
+          <a:p>
+            <a:r>
               <a:rPr lang="en-US" dirty="0"/>
-              <a:t>Fair LLM Provides three abstractions to invoke language models from the following providers</a:t>
-            </a:r>
+              <a:t>Tools give agents </a:t>
+            </a:r>
+            <a:r>
+              <a:rPr lang="en-US" b="1" dirty="0"/>
+              <a:t>hands</a:t>
+            </a:r>
+            <a:r>
+              <a:rPr lang="en-US" dirty="0"/>
+              <a:t> to do things the LLM brain cannot:</a:t>
+            </a:r>
+            <a:endParaRPr lang="en-US"/>
           </a:p>
           <a:p>
             <a:pPr lvl="1">
-              <a:buFont typeface="Courier New" panose="020B0604020202020204" pitchFamily="34" charset="0"/>
+              <a:buFont typeface="Courier New,monospace" panose="020B0604020202020204" pitchFamily="34" charset="0"/>
               <a:buChar char="o"/>
             </a:pPr>
             <a:r>
               <a:rPr lang="en-US" dirty="0"/>
-              <a:t>Hugging Face</a:t>
-            </a:r>
+              <a:t>Calculate precisely</a:t>
+            </a:r>
+            <a:endParaRPr lang="en-US"/>
           </a:p>
           <a:p>
             <a:pPr lvl="1">
-              <a:buFont typeface="Courier New" panose="020B0604020202020204" pitchFamily="34" charset="0"/>
+              <a:buFont typeface="Courier New,monospace" panose="020B0604020202020204" pitchFamily="34" charset="0"/>
               <a:buChar char="o"/>
             </a:pPr>
             <a:r>
               <a:rPr lang="en-US" dirty="0"/>
-              <a:t>OpenAI</a:t>
-            </a:r>
+              <a:t>Access real-time information</a:t>
+            </a:r>
+            <a:endParaRPr lang="en-US"/>
           </a:p>
           <a:p>
             <a:pPr lvl="1">
-              <a:buFont typeface="Courier New" panose="020B0604020202020204" pitchFamily="34" charset="0"/>
+              <a:buFont typeface="Courier New,monospace" panose="020B0604020202020204" pitchFamily="34" charset="0"/>
               <a:buChar char="o"/>
             </a:pPr>
             <a:r>
               <a:rPr lang="en-US" dirty="0"/>
-              <a:t>Anthropic</a:t>
-            </a:r>
+              <a:t>Take actions</a:t>
+            </a:r>
+            <a:endParaRPr lang="en-US"/>
           </a:p>
           <a:p>
             <a:pPr lvl="1">
-              <a:buFont typeface="Courier New" panose="020B0604020202020204" pitchFamily="34" charset="0"/>
+              <a:buFont typeface="Courier New,monospace" panose="020B0604020202020204" pitchFamily="34" charset="0"/>
               <a:buChar char="o"/>
             </a:pPr>
+            <a:r>
+              <a:rPr lang="en-US" dirty="0"/>
+              <a:t>Process data</a:t>
+            </a:r>
+            <a:endParaRPr lang="en-US"/>
+          </a:p>
+          <a:p>
+            <a:pPr lvl="1">
+              <a:buFont typeface="Courier New,monospace" panose="020B0604020202020204" pitchFamily="34" charset="0"/>
+              <a:buChar char="o"/>
+            </a:pPr>
+            <a:r>
+              <a:rPr lang="en-US" dirty="0"/>
+              <a:t>Interact with systems</a:t>
+            </a:r>
+            <a:endParaRPr lang="en-US"/>
+          </a:p>
+          <a:p>
+            <a:pPr marL="457200">
+              <a:buFont typeface="Avenir Next LT Pro Light" panose="020B0604020202020204" pitchFamily="34" charset="0"/>
+              <a:buChar char="–"/>
+            </a:pPr>
             <a:endParaRPr lang="en-US" dirty="0"/>
           </a:p>
           <a:p>
-            <a:r>
-              <a:rPr lang="en-US" dirty="0"/>
-              <a:t>Usage:</a:t>
-            </a:r>
-          </a:p>
-          <a:p>
+            <a:pPr marL="457200">
+              <a:buFont typeface="Avenir Next LT Pro Light" panose="020B0604020202020204" pitchFamily="34" charset="0"/>
+              <a:buChar char="–"/>
+            </a:pPr>
             <a:endParaRPr lang="en-US" dirty="0"/>
           </a:p>
           <a:p>
-            <a:pPr marL="228600" lvl="1" indent="0" algn="ctr">
-              <a:buNone/>
+            <a:pPr marL="457200">
+              <a:buFont typeface="Avenir Next LT Pro Light" panose="020B0604020202020204" pitchFamily="34" charset="0"/>
+              <a:buChar char="–"/>
             </a:pPr>
-            <a:r>
-              <a:rPr lang="en-US" b="1" dirty="0">
-                <a:latin typeface="Consolas"/>
-              </a:rPr>
-              <a:t> </a:t>
-            </a:r>
-            <a:r>
-              <a:rPr lang="en-US" b="1" err="1">
-                <a:latin typeface="Consolas"/>
-              </a:rPr>
-              <a:t>llm</a:t>
-            </a:r>
-            <a:r>
-              <a:rPr lang="en-US" b="1" dirty="0">
-                <a:latin typeface="Consolas"/>
-              </a:rPr>
-              <a:t> = </a:t>
-            </a:r>
-            <a:r>
-              <a:rPr lang="en-US" b="1" err="1">
-                <a:latin typeface="Consolas"/>
-              </a:rPr>
-              <a:t>HuggingFaceAdapter</a:t>
-            </a:r>
-            <a:r>
-              <a:rPr lang="en-US" b="1" dirty="0">
-                <a:latin typeface="Consolas"/>
-              </a:rPr>
-              <a:t>(</a:t>
-            </a:r>
-            <a:r>
-              <a:rPr lang="en-US" b="1" err="1">
-                <a:latin typeface="Consolas"/>
-              </a:rPr>
-              <a:t>model_name</a:t>
-            </a:r>
-            <a:r>
-              <a:rPr lang="en-US" b="1" dirty="0">
-                <a:latin typeface="Consolas"/>
-              </a:rPr>
-              <a:t>=</a:t>
-            </a:r>
-            <a:r>
-              <a:rPr lang="en-US" b="1" dirty="0">
-                <a:solidFill>
-                  <a:srgbClr val="00B050"/>
-                </a:solidFill>
-                <a:latin typeface="Consolas"/>
-              </a:rPr>
-              <a:t>"dolphin3-qwen25-3b"</a:t>
-            </a:r>
-            <a:r>
-              <a:rPr lang="en-US" b="1" dirty="0">
-                <a:latin typeface="Consolas"/>
-              </a:rPr>
-              <a:t>, </a:t>
-            </a:r>
-            <a:r>
-              <a:rPr lang="en-US" b="1" err="1">
-                <a:latin typeface="Consolas"/>
-              </a:rPr>
-              <a:t>auth_token</a:t>
-            </a:r>
-            <a:r>
-              <a:rPr lang="en-US" b="1" dirty="0">
-                <a:latin typeface="Consolas"/>
-              </a:rPr>
-              <a:t>=token)</a:t>
-            </a:r>
-            <a:r>
-              <a:rPr lang="en-US" dirty="0">
-                <a:latin typeface="Consolas"/>
-              </a:rPr>
-              <a:t> </a:t>
-            </a:r>
+            <a:endParaRPr lang="en-US" dirty="0"/>
+          </a:p>
+          <a:p>
+            <a:endParaRPr lang="en-US" dirty="0"/>
           </a:p>
         </p:txBody>
       </p:sp>
     </p:spTree>
     <p:extLst>
       <p:ext uri="{BB962C8B-B14F-4D97-AF65-F5344CB8AC3E}">
-        <p14:creationId xmlns:p14="http://schemas.microsoft.com/office/powerpoint/2010/main" val="571376180"/>
+        <p14:creationId xmlns:p14="http://schemas.microsoft.com/office/powerpoint/2010/main" val="3368090154"/>
       </p:ext>
     </p:extLst>
   </p:cSld>
@@ -8167,7 +8316,7 @@
           <p:cNvPr id="2" name="Title 1">
             <a:extLst>
               <a:ext uri="{FF2B5EF4-FFF2-40B4-BE49-F238E27FC236}">
-                <a16:creationId xmlns:a16="http://schemas.microsoft.com/office/drawing/2014/main" id="{3010E0D0-41A3-853F-0F89-3B89C10E3D96}"/>
+                <a16:creationId xmlns:a16="http://schemas.microsoft.com/office/drawing/2014/main" id="{A5D75B5D-9322-01B2-56E5-DEACE0CE718A}"/>
               </a:ext>
             </a:extLst>
           </p:cNvPr>
@@ -8180,7 +8329,9 @@
         </p:nvSpPr>
         <p:spPr/>
         <p:txBody>
-          <a:bodyPr/>
+          <a:bodyPr>
+            <a:normAutofit/>
+          </a:bodyPr>
           <a:lstStyle/>
           <a:p>
             <a:r>
@@ -8188,9 +8339,9 @@
                 <a:latin typeface="Batang"/>
                 <a:ea typeface="Batang"/>
               </a:rPr>
-              <a:t>Agent Component 2 - Tools</a:t>
-            </a:r>
-            <a:endParaRPr lang="en-US" dirty="0"/>
+              <a:t>Fair LLM – Tool Anatomy</a:t>
+            </a:r>
+            <a:endParaRPr lang="en-US"/>
           </a:p>
         </p:txBody>
       </p:sp>
@@ -8199,7 +8350,7 @@
           <p:cNvPr id="3" name="Content Placeholder 2">
             <a:extLst>
               <a:ext uri="{FF2B5EF4-FFF2-40B4-BE49-F238E27FC236}">
-                <a16:creationId xmlns:a16="http://schemas.microsoft.com/office/drawing/2014/main" id="{D316E2E4-4746-05F3-1387-DE1F7AEC44B3}"/>
+                <a16:creationId xmlns:a16="http://schemas.microsoft.com/office/drawing/2014/main" id="{5631C4FA-CA32-CA29-F6B0-67F68F220A50}"/>
               </a:ext>
             </a:extLst>
           </p:cNvPr>
@@ -8217,107 +8368,91 @@
           </a:bodyPr>
           <a:lstStyle/>
           <a:p>
-            <a:r>
-              <a:rPr lang="en-US" b="1" dirty="0"/>
-              <a:t>Tools are functions that agents can call to interact with the world</a:t>
+            <a:pPr marL="0" indent="0">
+              <a:buNone/>
+            </a:pPr>
+            <a:endParaRPr lang="en-US" sz="2800" dirty="0"/>
+          </a:p>
+          <a:p>
+            <a:pPr marL="0" indent="0">
+              <a:lnSpc>
+                <a:spcPct val="100000"/>
+              </a:lnSpc>
+              <a:buNone/>
+            </a:pPr>
+            <a:r>
+              <a:rPr lang="en-US" sz="2800" dirty="0"/>
+              <a:t>Each Tool in Fair LLM has three key components</a:t>
             </a:r>
             <a:endParaRPr lang="en-US" dirty="0"/>
           </a:p>
           <a:p>
-            <a:endParaRPr lang="en-US" dirty="0"/>
-          </a:p>
-          <a:p>
-            <a:r>
+            <a:pPr marL="0" indent="0">
+              <a:lnSpc>
+                <a:spcPct val="100000"/>
+              </a:lnSpc>
+              <a:buNone/>
+            </a:pPr>
+            <a:endParaRPr lang="en-US" sz="2800" dirty="0"/>
+          </a:p>
+          <a:p>
+            <a:pPr marL="571500" lvl="1" indent="-342900">
+              <a:lnSpc>
+                <a:spcPct val="100000"/>
+              </a:lnSpc>
+              <a:buAutoNum type="arabicPeriod"/>
+            </a:pPr>
+            <a:r>
+              <a:rPr lang="en-US" sz="2400" i="1" dirty="0"/>
+              <a:t>Name</a:t>
+            </a:r>
+            <a:r>
+              <a:rPr lang="en-US" sz="2400" dirty="0"/>
+              <a:t>: str</a:t>
+            </a:r>
+          </a:p>
+          <a:p>
+            <a:pPr marL="571500" lvl="1" indent="-342900">
+              <a:lnSpc>
+                <a:spcPct val="100000"/>
+              </a:lnSpc>
+              <a:buAutoNum type="arabicPeriod"/>
+            </a:pPr>
+            <a:r>
+              <a:rPr lang="en-US" sz="2400" i="1" dirty="0"/>
+              <a:t>Description</a:t>
+            </a:r>
+            <a:r>
+              <a:rPr lang="en-US" sz="2400" dirty="0"/>
+              <a:t>: str</a:t>
+            </a:r>
+          </a:p>
+          <a:p>
+            <a:pPr marL="571500" lvl="1" indent="-342900">
+              <a:lnSpc>
+                <a:spcPct val="100000"/>
+              </a:lnSpc>
+              <a:buAutoNum type="arabicPeriod"/>
+            </a:pPr>
+            <a:r>
+              <a:rPr lang="en-US" sz="2400" i="1" dirty="0"/>
+              <a:t>Use(</a:t>
+            </a:r>
+            <a:r>
+              <a:rPr lang="en-US" sz="2400" i="1" dirty="0" err="1"/>
+              <a:t>tool_input</a:t>
+            </a:r>
+            <a:r>
+              <a:rPr lang="en-US" sz="2400" i="1" dirty="0"/>
+              <a:t>: str)</a:t>
+            </a:r>
+            <a:r>
+              <a:rPr lang="en-US" sz="2400" dirty="0"/>
+              <a:t> -&gt; str </a:t>
+            </a:r>
+            <a:br>
               <a:rPr lang="en-US" dirty="0"/>
-              <a:t>Tools give agents </a:t>
-            </a:r>
-            <a:r>
-              <a:rPr lang="en-US" b="1" dirty="0"/>
-              <a:t>hands</a:t>
-            </a:r>
-            <a:r>
-              <a:rPr lang="en-US" dirty="0"/>
-              <a:t> to do things the LLM brain cannot:</a:t>
-            </a:r>
-            <a:endParaRPr lang="en-US"/>
-          </a:p>
-          <a:p>
-            <a:pPr lvl="1">
-              <a:buFont typeface="Courier New,monospace" panose="020B0604020202020204" pitchFamily="34" charset="0"/>
-              <a:buChar char="o"/>
-            </a:pPr>
-            <a:r>
-              <a:rPr lang="en-US" dirty="0"/>
-              <a:t>Calculate precisely</a:t>
-            </a:r>
-            <a:endParaRPr lang="en-US"/>
-          </a:p>
-          <a:p>
-            <a:pPr lvl="1">
-              <a:buFont typeface="Courier New,monospace" panose="020B0604020202020204" pitchFamily="34" charset="0"/>
-              <a:buChar char="o"/>
-            </a:pPr>
-            <a:r>
-              <a:rPr lang="en-US" dirty="0"/>
-              <a:t>Access real-time information</a:t>
-            </a:r>
-            <a:endParaRPr lang="en-US"/>
-          </a:p>
-          <a:p>
-            <a:pPr lvl="1">
-              <a:buFont typeface="Courier New,monospace" panose="020B0604020202020204" pitchFamily="34" charset="0"/>
-              <a:buChar char="o"/>
-            </a:pPr>
-            <a:r>
-              <a:rPr lang="en-US" dirty="0"/>
-              <a:t>Take actions</a:t>
-            </a:r>
-            <a:endParaRPr lang="en-US"/>
-          </a:p>
-          <a:p>
-            <a:pPr lvl="1">
-              <a:buFont typeface="Courier New,monospace" panose="020B0604020202020204" pitchFamily="34" charset="0"/>
-              <a:buChar char="o"/>
-            </a:pPr>
-            <a:r>
-              <a:rPr lang="en-US" dirty="0"/>
-              <a:t>Process data</a:t>
-            </a:r>
-            <a:endParaRPr lang="en-US"/>
-          </a:p>
-          <a:p>
-            <a:pPr lvl="1">
-              <a:buFont typeface="Courier New,monospace" panose="020B0604020202020204" pitchFamily="34" charset="0"/>
-              <a:buChar char="o"/>
-            </a:pPr>
-            <a:r>
-              <a:rPr lang="en-US" dirty="0"/>
-              <a:t>Interact with systems</a:t>
-            </a:r>
-            <a:endParaRPr lang="en-US"/>
-          </a:p>
-          <a:p>
-            <a:pPr marL="457200">
-              <a:buFont typeface="Avenir Next LT Pro Light" panose="020B0604020202020204" pitchFamily="34" charset="0"/>
-              <a:buChar char="–"/>
-            </a:pPr>
-            <a:endParaRPr lang="en-US" dirty="0"/>
-          </a:p>
-          <a:p>
-            <a:pPr marL="457200">
-              <a:buFont typeface="Avenir Next LT Pro Light" panose="020B0604020202020204" pitchFamily="34" charset="0"/>
-              <a:buChar char="–"/>
-            </a:pPr>
-            <a:endParaRPr lang="en-US" dirty="0"/>
-          </a:p>
-          <a:p>
-            <a:pPr marL="457200">
-              <a:buFont typeface="Avenir Next LT Pro Light" panose="020B0604020202020204" pitchFamily="34" charset="0"/>
-              <a:buChar char="–"/>
-            </a:pPr>
-            <a:endParaRPr lang="en-US" dirty="0"/>
-          </a:p>
-          <a:p>
+            </a:br>
             <a:endParaRPr lang="en-US" dirty="0"/>
           </a:p>
         </p:txBody>
@@ -8325,7 +8460,7 @@
     </p:spTree>
     <p:extLst>
       <p:ext uri="{BB962C8B-B14F-4D97-AF65-F5344CB8AC3E}">
-        <p14:creationId xmlns:p14="http://schemas.microsoft.com/office/powerpoint/2010/main" val="3368090154"/>
+        <p14:creationId xmlns:p14="http://schemas.microsoft.com/office/powerpoint/2010/main" val="2580919989"/>
       </p:ext>
     </p:extLst>
   </p:cSld>
@@ -8357,7 +8492,7 @@
           <p:cNvPr id="2" name="Title 1">
             <a:extLst>
               <a:ext uri="{FF2B5EF4-FFF2-40B4-BE49-F238E27FC236}">
-                <a16:creationId xmlns:a16="http://schemas.microsoft.com/office/drawing/2014/main" id="{A5D75B5D-9322-01B2-56E5-DEACE0CE718A}"/>
+                <a16:creationId xmlns:a16="http://schemas.microsoft.com/office/drawing/2014/main" id="{AD612D88-7B73-A91A-3D56-5DE6310E6C77}"/>
               </a:ext>
             </a:extLst>
           </p:cNvPr>
@@ -8370,9 +8505,7 @@
         </p:nvSpPr>
         <p:spPr/>
         <p:txBody>
-          <a:bodyPr>
-            <a:normAutofit/>
-          </a:bodyPr>
+          <a:bodyPr/>
           <a:lstStyle/>
           <a:p>
             <a:r>
@@ -8380,9 +8513,9 @@
                 <a:latin typeface="Batang"/>
                 <a:ea typeface="Batang"/>
               </a:rPr>
-              <a:t>Fair LLM – Tool Anatomy</a:t>
-            </a:r>
-            <a:endParaRPr lang="en-US"/>
+              <a:t>Defining a tool in Fair LLM</a:t>
+            </a:r>
+            <a:endParaRPr lang="en-US" dirty="0"/>
           </a:p>
         </p:txBody>
       </p:sp>
@@ -8391,7 +8524,7 @@
           <p:cNvPr id="3" name="Content Placeholder 2">
             <a:extLst>
               <a:ext uri="{FF2B5EF4-FFF2-40B4-BE49-F238E27FC236}">
-                <a16:creationId xmlns:a16="http://schemas.microsoft.com/office/drawing/2014/main" id="{5631C4FA-CA32-CA29-F6B0-67F68F220A50}"/>
+                <a16:creationId xmlns:a16="http://schemas.microsoft.com/office/drawing/2014/main" id="{70808AED-5327-FC17-A848-167DF15EDD65}"/>
               </a:ext>
             </a:extLst>
           </p:cNvPr>
@@ -8402,106 +8535,425 @@
             <p:ph idx="1"/>
           </p:nvPr>
         </p:nvSpPr>
-        <p:spPr/>
+        <p:spPr>
+          <a:solidFill>
+            <a:schemeClr val="bg2">
+              <a:lumMod val="90000"/>
+            </a:schemeClr>
+          </a:solidFill>
+        </p:spPr>
         <p:txBody>
           <a:bodyPr vert="horz" lIns="91440" tIns="45720" rIns="91440" bIns="45720" rtlCol="0" anchor="t">
-            <a:normAutofit/>
+            <a:normAutofit fontScale="85000" lnSpcReduction="20000"/>
           </a:bodyPr>
           <a:lstStyle/>
           <a:p>
             <a:pPr marL="0" indent="0">
               <a:buNone/>
             </a:pPr>
-            <a:endParaRPr lang="en-US" sz="2800" dirty="0"/>
+            <a:r>
+              <a:rPr lang="en-US" dirty="0">
+                <a:solidFill>
+                  <a:srgbClr val="7030A0"/>
+                </a:solidFill>
+                <a:latin typeface="Consolas"/>
+                <a:ea typeface="+mn-lt"/>
+                <a:cs typeface="+mn-lt"/>
+              </a:rPr>
+              <a:t>from </a:t>
+            </a:r>
+            <a:r>
+              <a:rPr lang="en-US" err="1">
+                <a:latin typeface="Consolas"/>
+                <a:ea typeface="+mn-lt"/>
+                <a:cs typeface="+mn-lt"/>
+              </a:rPr>
+              <a:t>fairlib</a:t>
+            </a:r>
+            <a:r>
+              <a:rPr lang="en-US" dirty="0">
+                <a:latin typeface="Consolas"/>
+                <a:ea typeface="+mn-lt"/>
+                <a:cs typeface="+mn-lt"/>
+              </a:rPr>
+              <a:t> </a:t>
+            </a:r>
+            <a:r>
+              <a:rPr lang="en-US" dirty="0">
+                <a:solidFill>
+                  <a:srgbClr val="7030A0"/>
+                </a:solidFill>
+                <a:latin typeface="Consolas"/>
+                <a:ea typeface="+mn-lt"/>
+                <a:cs typeface="+mn-lt"/>
+              </a:rPr>
+              <a:t>import </a:t>
+            </a:r>
+            <a:r>
+              <a:rPr lang="en-US" err="1">
+                <a:latin typeface="Consolas"/>
+                <a:ea typeface="+mn-lt"/>
+                <a:cs typeface="+mn-lt"/>
+              </a:rPr>
+              <a:t>BaseTool</a:t>
+            </a:r>
+            <a:endParaRPr lang="en-US" err="1">
+              <a:latin typeface="Consolas"/>
+            </a:endParaRPr>
           </a:p>
           <a:p>
             <a:pPr marL="0" indent="0">
-              <a:lnSpc>
-                <a:spcPct val="100000"/>
-              </a:lnSpc>
               <a:buNone/>
             </a:pPr>
-            <a:r>
-              <a:rPr lang="en-US" sz="2800" dirty="0"/>
-              <a:t>Each Tool in Fair LLM has three key components</a:t>
-            </a:r>
-            <a:endParaRPr lang="en-US" dirty="0"/>
+            <a:endParaRPr lang="en-US" dirty="0">
+              <a:latin typeface="Consolas"/>
+              <a:ea typeface="+mn-lt"/>
+              <a:cs typeface="+mn-lt"/>
+            </a:endParaRPr>
           </a:p>
           <a:p>
             <a:pPr marL="0" indent="0">
-              <a:lnSpc>
-                <a:spcPct val="100000"/>
-              </a:lnSpc>
               <a:buNone/>
             </a:pPr>
-            <a:endParaRPr lang="en-US" sz="2800" dirty="0"/>
-          </a:p>
-          <a:p>
-            <a:pPr marL="571500" lvl="1" indent="-342900">
-              <a:lnSpc>
-                <a:spcPct val="100000"/>
-              </a:lnSpc>
-              <a:buAutoNum type="arabicPeriod"/>
+            <a:r>
+              <a:rPr lang="en-US" dirty="0">
+                <a:solidFill>
+                  <a:srgbClr val="7030A0"/>
+                </a:solidFill>
+                <a:latin typeface="Consolas"/>
+                <a:ea typeface="+mn-lt"/>
+                <a:cs typeface="+mn-lt"/>
+              </a:rPr>
+              <a:t>class </a:t>
+            </a:r>
+            <a:r>
+              <a:rPr lang="en-US" err="1">
+                <a:solidFill>
+                  <a:srgbClr val="FF8400"/>
+                </a:solidFill>
+                <a:latin typeface="Consolas"/>
+                <a:ea typeface="+mn-lt"/>
+                <a:cs typeface="+mn-lt"/>
+              </a:rPr>
+              <a:t>WeatherTool</a:t>
+            </a:r>
+            <a:r>
+              <a:rPr lang="en-US" dirty="0">
+                <a:latin typeface="Consolas"/>
+                <a:ea typeface="+mn-lt"/>
+                <a:cs typeface="+mn-lt"/>
+              </a:rPr>
+              <a:t>(</a:t>
+            </a:r>
+            <a:r>
+              <a:rPr lang="en-US" err="1">
+                <a:latin typeface="Consolas"/>
+                <a:ea typeface="+mn-lt"/>
+                <a:cs typeface="+mn-lt"/>
+              </a:rPr>
+              <a:t>BaseTool</a:t>
+            </a:r>
+            <a:r>
+              <a:rPr lang="en-US" dirty="0">
+                <a:latin typeface="Consolas"/>
+                <a:ea typeface="+mn-lt"/>
+                <a:cs typeface="+mn-lt"/>
+              </a:rPr>
+              <a:t>):</a:t>
+            </a:r>
+          </a:p>
+          <a:p>
+            <a:pPr marL="0" indent="0">
+              <a:buNone/>
             </a:pPr>
             <a:r>
-              <a:rPr lang="en-US" sz="2400" i="1" dirty="0"/>
-              <a:t>Name</a:t>
-            </a:r>
-            <a:r>
-              <a:rPr lang="en-US" sz="2400" dirty="0"/>
-              <a:t>: str</a:t>
-            </a:r>
-          </a:p>
-          <a:p>
-            <a:pPr marL="571500" lvl="1" indent="-342900">
-              <a:lnSpc>
-                <a:spcPct val="100000"/>
-              </a:lnSpc>
-              <a:buAutoNum type="arabicPeriod"/>
+              <a:rPr lang="en-US" dirty="0">
+                <a:latin typeface="Consolas"/>
+                <a:ea typeface="+mn-lt"/>
+                <a:cs typeface="+mn-lt"/>
+              </a:rPr>
+              <a:t>   name = </a:t>
+            </a:r>
+            <a:r>
+              <a:rPr lang="en-US" dirty="0">
+                <a:solidFill>
+                  <a:srgbClr val="00B050"/>
+                </a:solidFill>
+                <a:latin typeface="Consolas"/>
+                <a:ea typeface="+mn-lt"/>
+                <a:cs typeface="+mn-lt"/>
+              </a:rPr>
+              <a:t>"</a:t>
+            </a:r>
+            <a:r>
+              <a:rPr lang="en-US" err="1">
+                <a:solidFill>
+                  <a:srgbClr val="00B050"/>
+                </a:solidFill>
+                <a:latin typeface="Consolas"/>
+                <a:ea typeface="+mn-lt"/>
+                <a:cs typeface="+mn-lt"/>
+              </a:rPr>
+              <a:t>weather_checker</a:t>
+            </a:r>
+            <a:r>
+              <a:rPr lang="en-US" dirty="0">
+                <a:solidFill>
+                  <a:srgbClr val="00B050"/>
+                </a:solidFill>
+                <a:latin typeface="Consolas"/>
+                <a:ea typeface="+mn-lt"/>
+                <a:cs typeface="+mn-lt"/>
+              </a:rPr>
+              <a:t>"</a:t>
+            </a:r>
+            <a:endParaRPr lang="en-US">
+              <a:solidFill>
+                <a:srgbClr val="00B050"/>
+              </a:solidFill>
+              <a:latin typeface="Consolas"/>
+            </a:endParaRPr>
+          </a:p>
+          <a:p>
+            <a:pPr marL="0" indent="0">
+              <a:buNone/>
             </a:pPr>
             <a:r>
-              <a:rPr lang="en-US" sz="2400" i="1" dirty="0"/>
-              <a:t>Description</a:t>
-            </a:r>
-            <a:r>
-              <a:rPr lang="en-US" sz="2400" dirty="0"/>
-              <a:t>: str</a:t>
-            </a:r>
-          </a:p>
-          <a:p>
-            <a:pPr marL="571500" lvl="1" indent="-342900">
-              <a:lnSpc>
-                <a:spcPct val="100000"/>
-              </a:lnSpc>
-              <a:buAutoNum type="arabicPeriod"/>
+              <a:rPr lang="en-US" dirty="0">
+                <a:latin typeface="Consolas"/>
+                <a:ea typeface="+mn-lt"/>
+                <a:cs typeface="+mn-lt"/>
+              </a:rPr>
+              <a:t>   description = </a:t>
+            </a:r>
+            <a:r>
+              <a:rPr lang="en-US" dirty="0">
+                <a:solidFill>
+                  <a:srgbClr val="00B050"/>
+                </a:solidFill>
+                <a:latin typeface="Consolas"/>
+                <a:ea typeface="+mn-lt"/>
+                <a:cs typeface="+mn-lt"/>
+              </a:rPr>
+              <a:t>"Gets current weather for any city. Input: city name"</a:t>
+            </a:r>
+            <a:endParaRPr lang="en-US">
+              <a:solidFill>
+                <a:srgbClr val="00B050"/>
+              </a:solidFill>
+              <a:latin typeface="Consolas"/>
+            </a:endParaRPr>
+          </a:p>
+          <a:p>
+            <a:pPr marL="0" indent="0">
+              <a:buNone/>
             </a:pPr>
             <a:r>
-              <a:rPr lang="en-US" sz="2400" i="1" dirty="0"/>
-              <a:t>Use(</a:t>
-            </a:r>
-            <a:r>
-              <a:rPr lang="en-US" sz="2400" i="1" dirty="0" err="1"/>
+              <a:rPr lang="en-US" dirty="0">
+                <a:latin typeface="Consolas"/>
+                <a:ea typeface="+mn-lt"/>
+                <a:cs typeface="+mn-lt"/>
+              </a:rPr>
+              <a:t>  </a:t>
+            </a:r>
+            <a:endParaRPr lang="en-US" dirty="0">
+              <a:latin typeface="Consolas"/>
+            </a:endParaRPr>
+          </a:p>
+          <a:p>
+            <a:pPr marL="0" indent="0">
+              <a:buNone/>
+            </a:pPr>
+            <a:r>
+              <a:rPr lang="en-US" dirty="0">
+                <a:latin typeface="Consolas"/>
+                <a:ea typeface="+mn-lt"/>
+                <a:cs typeface="+mn-lt"/>
+              </a:rPr>
+              <a:t> </a:t>
+            </a:r>
+            <a:r>
+              <a:rPr lang="en-US" dirty="0">
+                <a:solidFill>
+                  <a:srgbClr val="7030A0"/>
+                </a:solidFill>
+                <a:latin typeface="Consolas"/>
+                <a:ea typeface="+mn-lt"/>
+                <a:cs typeface="+mn-lt"/>
+              </a:rPr>
+              <a:t>def </a:t>
+            </a:r>
+            <a:r>
+              <a:rPr lang="en-US" dirty="0">
+                <a:solidFill>
+                  <a:srgbClr val="00B0F0"/>
+                </a:solidFill>
+                <a:latin typeface="Consolas"/>
+                <a:ea typeface="+mn-lt"/>
+                <a:cs typeface="+mn-lt"/>
+              </a:rPr>
+              <a:t>execute</a:t>
+            </a:r>
+            <a:r>
+              <a:rPr lang="en-US" dirty="0">
+                <a:latin typeface="Consolas"/>
+                <a:ea typeface="+mn-lt"/>
+                <a:cs typeface="+mn-lt"/>
+              </a:rPr>
+              <a:t>(self, </a:t>
+            </a:r>
+            <a:r>
+              <a:rPr lang="en-US" dirty="0" err="1">
+                <a:latin typeface="Consolas"/>
+                <a:ea typeface="+mn-lt"/>
+                <a:cs typeface="+mn-lt"/>
+              </a:rPr>
               <a:t>tool_input</a:t>
             </a:r>
             <a:r>
-              <a:rPr lang="en-US" sz="2400" i="1" dirty="0"/>
-              <a:t>: str)</a:t>
-            </a:r>
-            <a:r>
-              <a:rPr lang="en-US" sz="2400" dirty="0"/>
-              <a:t> -&gt; str </a:t>
-            </a:r>
-            <a:br>
-              <a:rPr lang="en-US" dirty="0"/>
-            </a:br>
-            <a:endParaRPr lang="en-US" dirty="0"/>
+              <a:rPr lang="en-US" dirty="0">
+                <a:latin typeface="Consolas"/>
+                <a:ea typeface="+mn-lt"/>
+                <a:cs typeface="+mn-lt"/>
+              </a:rPr>
+              <a:t>: str):</a:t>
+            </a:r>
+            <a:endParaRPr lang="en-US" dirty="0">
+              <a:latin typeface="Consolas"/>
+            </a:endParaRPr>
+          </a:p>
+          <a:p>
+            <a:pPr marL="0" indent="0">
+              <a:buNone/>
+            </a:pPr>
+            <a:r>
+              <a:rPr lang="en-US" dirty="0">
+                <a:latin typeface="Consolas"/>
+                <a:ea typeface="+mn-lt"/>
+                <a:cs typeface="+mn-lt"/>
+              </a:rPr>
+              <a:t>    </a:t>
+            </a:r>
+            <a:r>
+              <a:rPr lang="en-US" dirty="0">
+                <a:solidFill>
+                  <a:schemeClr val="tx1">
+                    <a:lumMod val="95000"/>
+                    <a:lumOff val="5000"/>
+                  </a:schemeClr>
+                </a:solidFill>
+                <a:latin typeface="Consolas"/>
+                <a:ea typeface="+mn-lt"/>
+                <a:cs typeface="+mn-lt"/>
+              </a:rPr>
+              <a:t># Your API call here</a:t>
+            </a:r>
+          </a:p>
+          <a:p>
+            <a:pPr marL="0" indent="0">
+              <a:buNone/>
+            </a:pPr>
+            <a:r>
+              <a:rPr lang="en-US" dirty="0">
+                <a:latin typeface="Consolas"/>
+                <a:ea typeface="+mn-lt"/>
+                <a:cs typeface="+mn-lt"/>
+              </a:rPr>
+              <a:t>    </a:t>
+            </a:r>
+            <a:r>
+              <a:rPr lang="en-US" dirty="0" err="1">
+                <a:latin typeface="Consolas"/>
+                <a:ea typeface="+mn-lt"/>
+                <a:cs typeface="+mn-lt"/>
+              </a:rPr>
+              <a:t>weather_data</a:t>
+            </a:r>
+            <a:r>
+              <a:rPr lang="en-US" dirty="0">
+                <a:latin typeface="Consolas"/>
+                <a:ea typeface="+mn-lt"/>
+                <a:cs typeface="+mn-lt"/>
+              </a:rPr>
+              <a:t> = </a:t>
+            </a:r>
+            <a:r>
+              <a:rPr lang="en-US" dirty="0" err="1">
+                <a:latin typeface="Consolas"/>
+                <a:ea typeface="+mn-lt"/>
+                <a:cs typeface="+mn-lt"/>
+              </a:rPr>
+              <a:t>weather_api</a:t>
+            </a:r>
+            <a:r>
+              <a:rPr lang="en-US" dirty="0">
+                <a:latin typeface="Consolas"/>
+                <a:ea typeface="+mn-lt"/>
+                <a:cs typeface="+mn-lt"/>
+              </a:rPr>
+              <a:t>(</a:t>
+            </a:r>
+            <a:r>
+              <a:rPr lang="en-US" dirty="0" err="1">
+                <a:latin typeface="Consolas"/>
+                <a:ea typeface="+mn-lt"/>
+                <a:cs typeface="+mn-lt"/>
+              </a:rPr>
+              <a:t>tool_input</a:t>
+            </a:r>
+            <a:r>
+              <a:rPr lang="en-US" dirty="0">
+                <a:latin typeface="Consolas"/>
+                <a:ea typeface="+mn-lt"/>
+                <a:cs typeface="+mn-lt"/>
+              </a:rPr>
+              <a:t>)</a:t>
+            </a:r>
+            <a:endParaRPr lang="en-US" dirty="0">
+              <a:latin typeface="Consolas"/>
+            </a:endParaRPr>
+          </a:p>
+          <a:p>
+            <a:pPr marL="0" indent="0">
+              <a:buNone/>
+            </a:pPr>
+            <a:r>
+              <a:rPr lang="en-US" dirty="0">
+                <a:latin typeface="Consolas"/>
+                <a:ea typeface="+mn-lt"/>
+                <a:cs typeface="+mn-lt"/>
+              </a:rPr>
+              <a:t>    </a:t>
+            </a:r>
+            <a:r>
+              <a:rPr lang="en-US" dirty="0">
+                <a:solidFill>
+                  <a:srgbClr val="7030A0"/>
+                </a:solidFill>
+                <a:latin typeface="Consolas"/>
+                <a:ea typeface="+mn-lt"/>
+                <a:cs typeface="+mn-lt"/>
+              </a:rPr>
+              <a:t>return </a:t>
+            </a:r>
+            <a:r>
+              <a:rPr lang="en-US" err="1">
+                <a:latin typeface="Consolas"/>
+                <a:ea typeface="+mn-lt"/>
+                <a:cs typeface="+mn-lt"/>
+              </a:rPr>
+              <a:t>weather_data</a:t>
+            </a:r>
+            <a:endParaRPr lang="en-US" err="1">
+              <a:latin typeface="Consolas"/>
+            </a:endParaRPr>
           </a:p>
         </p:txBody>
       </p:sp>
     </p:spTree>
     <p:extLst>
       <p:ext uri="{BB962C8B-B14F-4D97-AF65-F5344CB8AC3E}">
-        <p14:creationId xmlns:p14="http://schemas.microsoft.com/office/powerpoint/2010/main" val="2580919989"/>
+        <p14:creationId xmlns:p14="http://schemas.microsoft.com/office/powerpoint/2010/main" val="990934069"/>
       </p:ext>
     </p:extLst>
   </p:cSld>
@@ -8533,7 +8985,7 @@
           <p:cNvPr id="2" name="Title 1">
             <a:extLst>
               <a:ext uri="{FF2B5EF4-FFF2-40B4-BE49-F238E27FC236}">
-                <a16:creationId xmlns:a16="http://schemas.microsoft.com/office/drawing/2014/main" id="{AD612D88-7B73-A91A-3D56-5DE6310E6C77}"/>
+                <a16:creationId xmlns:a16="http://schemas.microsoft.com/office/drawing/2014/main" id="{57D0746C-587D-1522-7033-B3A8C1E168EC}"/>
               </a:ext>
             </a:extLst>
           </p:cNvPr>
@@ -8554,7 +9006,7 @@
                 <a:latin typeface="Batang"/>
                 <a:ea typeface="Batang"/>
               </a:rPr>
-              <a:t>Defining a tool in Fair LLM</a:t>
+              <a:t>Agent Component 3 - Prompts</a:t>
             </a:r>
             <a:endParaRPr lang="en-US" dirty="0"/>
           </a:p>
@@ -8565,7 +9017,7 @@
           <p:cNvPr id="3" name="Content Placeholder 2">
             <a:extLst>
               <a:ext uri="{FF2B5EF4-FFF2-40B4-BE49-F238E27FC236}">
-                <a16:creationId xmlns:a16="http://schemas.microsoft.com/office/drawing/2014/main" id="{70808AED-5327-FC17-A848-167DF15EDD65}"/>
+                <a16:creationId xmlns:a16="http://schemas.microsoft.com/office/drawing/2014/main" id="{7C070212-2334-E223-3D03-D906831F68D6}"/>
               </a:ext>
             </a:extLst>
           </p:cNvPr>
@@ -8576,16 +9028,10 @@
             <p:ph idx="1"/>
           </p:nvPr>
         </p:nvSpPr>
-        <p:spPr>
-          <a:solidFill>
-            <a:schemeClr val="bg2">
-              <a:lumMod val="90000"/>
-            </a:schemeClr>
-          </a:solidFill>
-        </p:spPr>
+        <p:spPr/>
         <p:txBody>
           <a:bodyPr vert="horz" lIns="91440" tIns="45720" rIns="91440" bIns="45720" rtlCol="0" anchor="t">
-            <a:normAutofit fontScale="85000" lnSpcReduction="20000"/>
+            <a:normAutofit fontScale="92500" lnSpcReduction="10000"/>
           </a:bodyPr>
           <a:lstStyle/>
           <a:p>
@@ -8593,408 +9039,67 @@
               <a:buNone/>
             </a:pPr>
             <a:r>
-              <a:rPr lang="en-US" dirty="0">
-                <a:solidFill>
-                  <a:srgbClr val="7030A0"/>
-                </a:solidFill>
-                <a:latin typeface="Consolas"/>
+              <a:rPr lang="en-US" b="1" i="1" dirty="0">
                 <a:ea typeface="+mn-lt"/>
                 <a:cs typeface="+mn-lt"/>
               </a:rPr>
-              <a:t>from </a:t>
-            </a:r>
-            <a:r>
-              <a:rPr lang="en-US" err="1">
-                <a:latin typeface="Consolas"/>
-                <a:ea typeface="+mn-lt"/>
-                <a:cs typeface="+mn-lt"/>
-              </a:rPr>
-              <a:t>fairlib</a:t>
-            </a:r>
-            <a:r>
-              <a:rPr lang="en-US" dirty="0">
-                <a:latin typeface="Consolas"/>
-                <a:ea typeface="+mn-lt"/>
-                <a:cs typeface="+mn-lt"/>
-              </a:rPr>
-              <a:t> </a:t>
-            </a:r>
-            <a:r>
-              <a:rPr lang="en-US" dirty="0">
-                <a:solidFill>
-                  <a:srgbClr val="7030A0"/>
-                </a:solidFill>
-                <a:latin typeface="Consolas"/>
-                <a:ea typeface="+mn-lt"/>
-                <a:cs typeface="+mn-lt"/>
-              </a:rPr>
-              <a:t>import </a:t>
-            </a:r>
-            <a:r>
-              <a:rPr lang="en-US" err="1">
-                <a:latin typeface="Consolas"/>
-                <a:ea typeface="+mn-lt"/>
-                <a:cs typeface="+mn-lt"/>
-              </a:rPr>
-              <a:t>BaseTool</a:t>
-            </a:r>
-            <a:endParaRPr lang="en-US" err="1">
-              <a:latin typeface="Consolas"/>
-            </a:endParaRPr>
+              <a:t>Prompts are the complete set of instructions that define who the agent is, what it can do, and how it should behave</a:t>
+            </a:r>
           </a:p>
           <a:p>
             <a:pPr marL="0" indent="0">
               <a:buNone/>
             </a:pPr>
-            <a:endParaRPr lang="en-US" dirty="0">
-              <a:latin typeface="Consolas"/>
-              <a:ea typeface="+mn-lt"/>
-              <a:cs typeface="+mn-lt"/>
-            </a:endParaRPr>
+            <a:endParaRPr lang="en-US" b="1" i="1" dirty="0"/>
           </a:p>
           <a:p>
             <a:pPr marL="0" indent="0">
               <a:buNone/>
             </a:pPr>
             <a:r>
-              <a:rPr lang="en-US" dirty="0">
-                <a:solidFill>
-                  <a:srgbClr val="7030A0"/>
-                </a:solidFill>
-                <a:latin typeface="Consolas"/>
-                <a:ea typeface="+mn-lt"/>
-                <a:cs typeface="+mn-lt"/>
-              </a:rPr>
-              <a:t>class </a:t>
-            </a:r>
-            <a:r>
-              <a:rPr lang="en-US" err="1">
-                <a:solidFill>
-                  <a:srgbClr val="FF8400"/>
-                </a:solidFill>
-                <a:latin typeface="Consolas"/>
-                <a:ea typeface="+mn-lt"/>
-                <a:cs typeface="+mn-lt"/>
-              </a:rPr>
-              <a:t>WeatherTool</a:t>
-            </a:r>
-            <a:r>
-              <a:rPr lang="en-US" dirty="0">
-                <a:latin typeface="Consolas"/>
-                <a:ea typeface="+mn-lt"/>
-                <a:cs typeface="+mn-lt"/>
-              </a:rPr>
-              <a:t>(</a:t>
-            </a:r>
-            <a:r>
-              <a:rPr lang="en-US" err="1">
-                <a:latin typeface="Consolas"/>
-                <a:ea typeface="+mn-lt"/>
-                <a:cs typeface="+mn-lt"/>
-              </a:rPr>
-              <a:t>BaseTool</a:t>
-            </a:r>
-            <a:r>
-              <a:rPr lang="en-US" dirty="0">
-                <a:latin typeface="Consolas"/>
-                <a:ea typeface="+mn-lt"/>
-                <a:cs typeface="+mn-lt"/>
-              </a:rPr>
-              <a:t>):</a:t>
-            </a:r>
-          </a:p>
-          <a:p>
-            <a:pPr marL="0" indent="0">
-              <a:buNone/>
-            </a:pPr>
-            <a:r>
-              <a:rPr lang="en-US" dirty="0">
-                <a:latin typeface="Consolas"/>
-                <a:ea typeface="+mn-lt"/>
-                <a:cs typeface="+mn-lt"/>
-              </a:rPr>
-              <a:t>   name = </a:t>
-            </a:r>
-            <a:r>
-              <a:rPr lang="en-US" dirty="0">
-                <a:solidFill>
-                  <a:srgbClr val="00B050"/>
-                </a:solidFill>
-                <a:latin typeface="Consolas"/>
-                <a:ea typeface="+mn-lt"/>
-                <a:cs typeface="+mn-lt"/>
-              </a:rPr>
-              <a:t>"</a:t>
-            </a:r>
-            <a:r>
-              <a:rPr lang="en-US" err="1">
-                <a:solidFill>
-                  <a:srgbClr val="00B050"/>
-                </a:solidFill>
-                <a:latin typeface="Consolas"/>
-                <a:ea typeface="+mn-lt"/>
-                <a:cs typeface="+mn-lt"/>
-              </a:rPr>
-              <a:t>weather_checker</a:t>
-            </a:r>
-            <a:r>
-              <a:rPr lang="en-US" dirty="0">
-                <a:solidFill>
-                  <a:srgbClr val="00B050"/>
-                </a:solidFill>
-                <a:latin typeface="Consolas"/>
-                <a:ea typeface="+mn-lt"/>
-                <a:cs typeface="+mn-lt"/>
-              </a:rPr>
-              <a:t>"</a:t>
-            </a:r>
-            <a:endParaRPr lang="en-US">
-              <a:solidFill>
-                <a:srgbClr val="00B050"/>
-              </a:solidFill>
-              <a:latin typeface="Consolas"/>
-            </a:endParaRPr>
-          </a:p>
-          <a:p>
-            <a:pPr marL="0" indent="0">
-              <a:buNone/>
-            </a:pPr>
-            <a:r>
-              <a:rPr lang="en-US" dirty="0">
-                <a:latin typeface="Consolas"/>
-                <a:ea typeface="+mn-lt"/>
-                <a:cs typeface="+mn-lt"/>
-              </a:rPr>
-              <a:t>   description = </a:t>
-            </a:r>
-            <a:r>
-              <a:rPr lang="en-US" dirty="0">
-                <a:solidFill>
-                  <a:srgbClr val="00B050"/>
-                </a:solidFill>
-                <a:latin typeface="Consolas"/>
-                <a:ea typeface="+mn-lt"/>
-                <a:cs typeface="+mn-lt"/>
-              </a:rPr>
-              <a:t>"Gets current weather for any city. Input: city name"</a:t>
-            </a:r>
-            <a:endParaRPr lang="en-US">
-              <a:solidFill>
-                <a:srgbClr val="00B050"/>
-              </a:solidFill>
-              <a:latin typeface="Consolas"/>
-            </a:endParaRPr>
-          </a:p>
-          <a:p>
-            <a:pPr marL="0" indent="0">
-              <a:buNone/>
-            </a:pPr>
-            <a:r>
-              <a:rPr lang="en-US" dirty="0">
-                <a:latin typeface="Consolas"/>
-                <a:ea typeface="+mn-lt"/>
-                <a:cs typeface="+mn-lt"/>
-              </a:rPr>
-              <a:t>  </a:t>
-            </a:r>
-            <a:endParaRPr lang="en-US" dirty="0">
-              <a:latin typeface="Consolas"/>
-            </a:endParaRPr>
-          </a:p>
-          <a:p>
-            <a:pPr marL="0" indent="0">
-              <a:buNone/>
-            </a:pPr>
-            <a:r>
-              <a:rPr lang="en-US" dirty="0">
-                <a:latin typeface="Consolas"/>
-                <a:ea typeface="+mn-lt"/>
-                <a:cs typeface="+mn-lt"/>
-              </a:rPr>
-              <a:t> </a:t>
-            </a:r>
-            <a:r>
-              <a:rPr lang="en-US" dirty="0">
-                <a:solidFill>
-                  <a:srgbClr val="7030A0"/>
-                </a:solidFill>
-                <a:latin typeface="Consolas"/>
-                <a:ea typeface="+mn-lt"/>
-                <a:cs typeface="+mn-lt"/>
-              </a:rPr>
-              <a:t>def </a:t>
-            </a:r>
-            <a:r>
-              <a:rPr lang="en-US" dirty="0">
-                <a:solidFill>
-                  <a:srgbClr val="00B0F0"/>
-                </a:solidFill>
-                <a:latin typeface="Consolas"/>
-                <a:ea typeface="+mn-lt"/>
-                <a:cs typeface="+mn-lt"/>
-              </a:rPr>
-              <a:t>execute</a:t>
-            </a:r>
-            <a:r>
-              <a:rPr lang="en-US" dirty="0">
-                <a:latin typeface="Consolas"/>
-                <a:ea typeface="+mn-lt"/>
-                <a:cs typeface="+mn-lt"/>
-              </a:rPr>
-              <a:t>(self, </a:t>
-            </a:r>
-            <a:r>
-              <a:rPr lang="en-US" dirty="0" err="1">
-                <a:latin typeface="Consolas"/>
-                <a:ea typeface="+mn-lt"/>
-                <a:cs typeface="+mn-lt"/>
-              </a:rPr>
-              <a:t>tool_input</a:t>
-            </a:r>
-            <a:r>
-              <a:rPr lang="en-US" dirty="0">
-                <a:latin typeface="Consolas"/>
-                <a:ea typeface="+mn-lt"/>
-                <a:cs typeface="+mn-lt"/>
-              </a:rPr>
-              <a:t>: str):</a:t>
-            </a:r>
-            <a:endParaRPr lang="en-US" dirty="0">
-              <a:latin typeface="Consolas"/>
-            </a:endParaRPr>
-          </a:p>
-          <a:p>
-            <a:pPr marL="0" indent="0">
-              <a:buNone/>
-            </a:pPr>
-            <a:r>
-              <a:rPr lang="en-US" dirty="0">
-                <a:latin typeface="Consolas"/>
-                <a:ea typeface="+mn-lt"/>
-                <a:cs typeface="+mn-lt"/>
-              </a:rPr>
-              <a:t>    </a:t>
-            </a:r>
-            <a:r>
-              <a:rPr lang="en-US" dirty="0">
-                <a:solidFill>
-                  <a:schemeClr val="tx1">
-                    <a:lumMod val="95000"/>
-                    <a:lumOff val="5000"/>
-                  </a:schemeClr>
-                </a:solidFill>
-                <a:latin typeface="Consolas"/>
-                <a:ea typeface="+mn-lt"/>
-                <a:cs typeface="+mn-lt"/>
-              </a:rPr>
-              <a:t># Your API call here</a:t>
-            </a:r>
-          </a:p>
-          <a:p>
-            <a:pPr marL="0" indent="0">
-              <a:buNone/>
-            </a:pPr>
-            <a:r>
-              <a:rPr lang="en-US" dirty="0">
-                <a:latin typeface="Consolas"/>
-                <a:ea typeface="+mn-lt"/>
-                <a:cs typeface="+mn-lt"/>
-              </a:rPr>
-              <a:t>    </a:t>
-            </a:r>
-            <a:r>
-              <a:rPr lang="en-US" dirty="0" err="1">
-                <a:latin typeface="Consolas"/>
-                <a:ea typeface="+mn-lt"/>
-                <a:cs typeface="+mn-lt"/>
-              </a:rPr>
-              <a:t>weather_data</a:t>
-            </a:r>
-            <a:r>
-              <a:rPr lang="en-US" dirty="0">
-                <a:latin typeface="Consolas"/>
-                <a:ea typeface="+mn-lt"/>
-                <a:cs typeface="+mn-lt"/>
-              </a:rPr>
-              <a:t> = </a:t>
-            </a:r>
-            <a:r>
-              <a:rPr lang="en-US" dirty="0" err="1">
-                <a:latin typeface="Consolas"/>
-                <a:ea typeface="+mn-lt"/>
-                <a:cs typeface="+mn-lt"/>
-              </a:rPr>
-              <a:t>weather_api</a:t>
-            </a:r>
-            <a:r>
-              <a:rPr lang="en-US" dirty="0">
-                <a:latin typeface="Consolas"/>
-                <a:ea typeface="+mn-lt"/>
-                <a:cs typeface="+mn-lt"/>
-              </a:rPr>
-              <a:t>(</a:t>
-            </a:r>
-            <a:r>
-              <a:rPr lang="en-US" dirty="0" err="1">
-                <a:latin typeface="Consolas"/>
-                <a:ea typeface="+mn-lt"/>
-                <a:cs typeface="+mn-lt"/>
-              </a:rPr>
-              <a:t>tool_input</a:t>
-            </a:r>
-            <a:r>
-              <a:rPr lang="en-US" dirty="0">
-                <a:latin typeface="Consolas"/>
-                <a:ea typeface="+mn-lt"/>
-                <a:cs typeface="+mn-lt"/>
-              </a:rPr>
-              <a:t>)</a:t>
-            </a:r>
-            <a:endParaRPr lang="en-US" dirty="0">
-              <a:latin typeface="Consolas"/>
-            </a:endParaRPr>
-          </a:p>
-          <a:p>
-            <a:pPr marL="0" indent="0">
-              <a:buNone/>
-            </a:pPr>
-            <a:r>
-              <a:rPr lang="en-US" dirty="0">
-                <a:latin typeface="Consolas"/>
-                <a:ea typeface="+mn-lt"/>
-                <a:cs typeface="+mn-lt"/>
-              </a:rPr>
-              <a:t>    </a:t>
-            </a:r>
-            <a:r>
-              <a:rPr lang="en-US" dirty="0">
-                <a:solidFill>
-                  <a:srgbClr val="7030A0"/>
-                </a:solidFill>
-                <a:latin typeface="Consolas"/>
-                <a:ea typeface="+mn-lt"/>
-                <a:cs typeface="+mn-lt"/>
-              </a:rPr>
-              <a:t>return </a:t>
-            </a:r>
-            <a:r>
-              <a:rPr lang="en-US" err="1">
-                <a:latin typeface="Consolas"/>
-                <a:ea typeface="+mn-lt"/>
-                <a:cs typeface="+mn-lt"/>
-              </a:rPr>
-              <a:t>weather_data</a:t>
-            </a:r>
-            <a:endParaRPr lang="en-US" err="1">
-              <a:latin typeface="Consolas"/>
-            </a:endParaRPr>
+              <a:rPr lang="en-US" dirty="0"/>
+              <a:t>In agentic systems, prompts are NOT just the user's questions, they define:</a:t>
+            </a:r>
+          </a:p>
+          <a:p>
+            <a:r>
+              <a:rPr lang="en-US" dirty="0"/>
+              <a:t>The agent's identity and role</a:t>
+            </a:r>
+          </a:p>
+          <a:p>
+            <a:r>
+              <a:rPr lang="en-US" dirty="0"/>
+              <a:t>Its capabilities (tools, workers)</a:t>
+            </a:r>
+          </a:p>
+          <a:p>
+            <a:r>
+              <a:rPr lang="en-US" dirty="0"/>
+              <a:t>Behavioral guidelines</a:t>
+            </a:r>
+          </a:p>
+          <a:p>
+            <a:r>
+              <a:rPr lang="en-US" dirty="0"/>
+              <a:t>Examples of correct behavior</a:t>
+            </a:r>
+          </a:p>
+          <a:p>
+            <a:r>
+              <a:rPr lang="en-US" dirty="0"/>
+              <a:t>The conversation context</a:t>
+            </a:r>
+          </a:p>
+          <a:p>
+            <a:endParaRPr lang="en-US" dirty="0"/>
           </a:p>
         </p:txBody>
       </p:sp>
     </p:spTree>
     <p:extLst>
       <p:ext uri="{BB962C8B-B14F-4D97-AF65-F5344CB8AC3E}">
-        <p14:creationId xmlns:p14="http://schemas.microsoft.com/office/powerpoint/2010/main" val="990934069"/>
+        <p14:creationId xmlns:p14="http://schemas.microsoft.com/office/powerpoint/2010/main" val="3966964294"/>
       </p:ext>
     </p:extLst>
   </p:cSld>
@@ -9442,152 +9547,6 @@
 </file>
 
 <file path=ppt/slides/slide20.xml><?xml version="1.0" encoding="utf-8"?>
-<p:sld xmlns:a="http://schemas.openxmlformats.org/drawingml/2006/main" xmlns:r="http://schemas.openxmlformats.org/officeDocument/2006/relationships" xmlns:p="http://schemas.openxmlformats.org/presentationml/2006/main">
-  <p:cSld>
-    <p:spTree>
-      <p:nvGrpSpPr>
-        <p:cNvPr id="1" name=""/>
-        <p:cNvGrpSpPr/>
-        <p:nvPr/>
-      </p:nvGrpSpPr>
-      <p:grpSpPr>
-        <a:xfrm>
-          <a:off x="0" y="0"/>
-          <a:ext cx="0" cy="0"/>
-          <a:chOff x="0" y="0"/>
-          <a:chExt cx="0" cy="0"/>
-        </a:xfrm>
-      </p:grpSpPr>
-      <p:sp>
-        <p:nvSpPr>
-          <p:cNvPr id="2" name="Title 1">
-            <a:extLst>
-              <a:ext uri="{FF2B5EF4-FFF2-40B4-BE49-F238E27FC236}">
-                <a16:creationId xmlns:a16="http://schemas.microsoft.com/office/drawing/2014/main" id="{57D0746C-587D-1522-7033-B3A8C1E168EC}"/>
-              </a:ext>
-            </a:extLst>
-          </p:cNvPr>
-          <p:cNvSpPr>
-            <a:spLocks noGrp="1"/>
-          </p:cNvSpPr>
-          <p:nvPr>
-            <p:ph type="title"/>
-          </p:nvPr>
-        </p:nvSpPr>
-        <p:spPr/>
-        <p:txBody>
-          <a:bodyPr/>
-          <a:lstStyle/>
-          <a:p>
-            <a:r>
-              <a:rPr lang="en-US" dirty="0">
-                <a:latin typeface="Batang"/>
-                <a:ea typeface="Batang"/>
-              </a:rPr>
-              <a:t>Agent Component 3 - Prompts</a:t>
-            </a:r>
-            <a:endParaRPr lang="en-US" dirty="0"/>
-          </a:p>
-        </p:txBody>
-      </p:sp>
-      <p:sp>
-        <p:nvSpPr>
-          <p:cNvPr id="3" name="Content Placeholder 2">
-            <a:extLst>
-              <a:ext uri="{FF2B5EF4-FFF2-40B4-BE49-F238E27FC236}">
-                <a16:creationId xmlns:a16="http://schemas.microsoft.com/office/drawing/2014/main" id="{7C070212-2334-E223-3D03-D906831F68D6}"/>
-              </a:ext>
-            </a:extLst>
-          </p:cNvPr>
-          <p:cNvSpPr>
-            <a:spLocks noGrp="1"/>
-          </p:cNvSpPr>
-          <p:nvPr>
-            <p:ph idx="1"/>
-          </p:nvPr>
-        </p:nvSpPr>
-        <p:spPr/>
-        <p:txBody>
-          <a:bodyPr vert="horz" lIns="91440" tIns="45720" rIns="91440" bIns="45720" rtlCol="0" anchor="t">
-            <a:normAutofit fontScale="92500" lnSpcReduction="10000"/>
-          </a:bodyPr>
-          <a:lstStyle/>
-          <a:p>
-            <a:pPr marL="0" indent="0">
-              <a:buNone/>
-            </a:pPr>
-            <a:r>
-              <a:rPr lang="en-US" b="1" i="1" dirty="0">
-                <a:ea typeface="+mn-lt"/>
-                <a:cs typeface="+mn-lt"/>
-              </a:rPr>
-              <a:t>Prompts are the complete set of instructions that define who the agent is, what it can do, and how it should behave</a:t>
-            </a:r>
-          </a:p>
-          <a:p>
-            <a:pPr marL="0" indent="0">
-              <a:buNone/>
-            </a:pPr>
-            <a:endParaRPr lang="en-US" b="1" i="1" dirty="0"/>
-          </a:p>
-          <a:p>
-            <a:pPr marL="0" indent="0">
-              <a:buNone/>
-            </a:pPr>
-            <a:r>
-              <a:rPr lang="en-US" dirty="0"/>
-              <a:t>In agentic systems, prompts are NOT just the user's questions, they define:</a:t>
-            </a:r>
-          </a:p>
-          <a:p>
-            <a:r>
-              <a:rPr lang="en-US" dirty="0"/>
-              <a:t>The agent's identity and role</a:t>
-            </a:r>
-          </a:p>
-          <a:p>
-            <a:r>
-              <a:rPr lang="en-US" dirty="0"/>
-              <a:t>Its capabilities (tools, workers)</a:t>
-            </a:r>
-          </a:p>
-          <a:p>
-            <a:r>
-              <a:rPr lang="en-US" dirty="0"/>
-              <a:t>Behavioral guidelines</a:t>
-            </a:r>
-          </a:p>
-          <a:p>
-            <a:r>
-              <a:rPr lang="en-US" dirty="0"/>
-              <a:t>Examples of correct behavior</a:t>
-            </a:r>
-          </a:p>
-          <a:p>
-            <a:r>
-              <a:rPr lang="en-US" dirty="0"/>
-              <a:t>The conversation context</a:t>
-            </a:r>
-          </a:p>
-          <a:p>
-            <a:endParaRPr lang="en-US" dirty="0"/>
-          </a:p>
-        </p:txBody>
-      </p:sp>
-    </p:spTree>
-    <p:extLst>
-      <p:ext uri="{BB962C8B-B14F-4D97-AF65-F5344CB8AC3E}">
-        <p14:creationId xmlns:p14="http://schemas.microsoft.com/office/powerpoint/2010/main" val="3966964294"/>
-      </p:ext>
-    </p:extLst>
-  </p:cSld>
-  <p:clrMapOvr>
-    <a:masterClrMapping/>
-  </p:clrMapOvr>
-</p:sld>
-</file>
-
-<file path=ppt/slides/slide21.xml><?xml version="1.0" encoding="utf-8"?>
 <p:sld xmlns:a="http://schemas.openxmlformats.org/drawingml/2006/main" xmlns:r="http://schemas.openxmlformats.org/officeDocument/2006/relationships" xmlns:p="http://schemas.openxmlformats.org/presentationml/2006/main">
   <p:cSld>
     <p:bg>
@@ -9628,7 +9587,7 @@
 </p:sld>
 </file>
 
-<file path=ppt/slides/slide22.xml><?xml version="1.0" encoding="utf-8"?>
+<file path=ppt/slides/slide21.xml><?xml version="1.0" encoding="utf-8"?>
 <p:sld xmlns:a="http://schemas.openxmlformats.org/drawingml/2006/main" xmlns:r="http://schemas.openxmlformats.org/officeDocument/2006/relationships" xmlns:p="http://schemas.openxmlformats.org/presentationml/2006/main">
   <p:cSld>
     <p:bg>
@@ -9951,7 +9910,7 @@
 </p:sld>
 </file>
 
-<file path=ppt/slides/slide23.xml><?xml version="1.0" encoding="utf-8"?>
+<file path=ppt/slides/slide22.xml><?xml version="1.0" encoding="utf-8"?>
 <p:sld xmlns:a="http://schemas.openxmlformats.org/drawingml/2006/main" xmlns:r="http://schemas.openxmlformats.org/officeDocument/2006/relationships" xmlns:p="http://schemas.openxmlformats.org/presentationml/2006/main">
   <p:cSld>
     <p:spTree>
@@ -10168,7 +10127,7 @@
 </p:sld>
 </file>
 
-<file path=ppt/slides/slide24.xml><?xml version="1.0" encoding="utf-8"?>
+<file path=ppt/slides/slide23.xml><?xml version="1.0" encoding="utf-8"?>
 <p:sld xmlns:a="http://schemas.openxmlformats.org/drawingml/2006/main" xmlns:r="http://schemas.openxmlformats.org/officeDocument/2006/relationships" xmlns:p="http://schemas.openxmlformats.org/presentationml/2006/main">
   <p:cSld>
     <p:bg>
@@ -10645,7 +10604,7 @@
 </p:sld>
 </file>
 
-<file path=ppt/slides/slide25.xml><?xml version="1.0" encoding="utf-8"?>
+<file path=ppt/slides/slide24.xml><?xml version="1.0" encoding="utf-8"?>
 <p:sld xmlns:a="http://schemas.openxmlformats.org/drawingml/2006/main" xmlns:r="http://schemas.openxmlformats.org/officeDocument/2006/relationships" xmlns:p="http://schemas.openxmlformats.org/presentationml/2006/main">
   <p:cSld>
     <p:spTree>
@@ -10942,7 +10901,7 @@
 </p:sld>
 </file>
 
-<file path=ppt/slides/slide26.xml><?xml version="1.0" encoding="utf-8"?>
+<file path=ppt/slides/slide25.xml><?xml version="1.0" encoding="utf-8"?>
 <p:sld xmlns:a="http://schemas.openxmlformats.org/drawingml/2006/main" xmlns:r="http://schemas.openxmlformats.org/officeDocument/2006/relationships" xmlns:p="http://schemas.openxmlformats.org/presentationml/2006/main">
   <p:cSld>
     <p:bg>
@@ -11394,7 +11353,7 @@
 </p:sld>
 </file>
 
-<file path=ppt/slides/slide27.xml><?xml version="1.0" encoding="utf-8"?>
+<file path=ppt/slides/slide26.xml><?xml version="1.0" encoding="utf-8"?>
 <p:sld xmlns:a="http://schemas.openxmlformats.org/drawingml/2006/main" xmlns:r="http://schemas.openxmlformats.org/officeDocument/2006/relationships" xmlns:p="http://schemas.openxmlformats.org/presentationml/2006/main">
   <p:cSld>
     <p:spTree>
@@ -11627,168 +11586,6 @@
 <file path=ppt/slides/slide4.xml><?xml version="1.0" encoding="utf-8"?>
 <p:sld xmlns:a="http://schemas.openxmlformats.org/drawingml/2006/main" xmlns:r="http://schemas.openxmlformats.org/officeDocument/2006/relationships" xmlns:p="http://schemas.openxmlformats.org/presentationml/2006/main">
   <p:cSld>
-    <p:spTree>
-      <p:nvGrpSpPr>
-        <p:cNvPr id="1" name=""/>
-        <p:cNvGrpSpPr/>
-        <p:nvPr/>
-      </p:nvGrpSpPr>
-      <p:grpSpPr>
-        <a:xfrm>
-          <a:off x="0" y="0"/>
-          <a:ext cx="0" cy="0"/>
-          <a:chOff x="0" y="0"/>
-          <a:chExt cx="0" cy="0"/>
-        </a:xfrm>
-      </p:grpSpPr>
-      <p:sp>
-        <p:nvSpPr>
-          <p:cNvPr id="2" name="Title 1">
-            <a:extLst>
-              <a:ext uri="{FF2B5EF4-FFF2-40B4-BE49-F238E27FC236}">
-                <a16:creationId xmlns:a16="http://schemas.microsoft.com/office/drawing/2014/main" id="{7FC7CEEC-FA5D-8838-5D23-0E8A9B8B6E59}"/>
-              </a:ext>
-            </a:extLst>
-          </p:cNvPr>
-          <p:cNvSpPr>
-            <a:spLocks noGrp="1"/>
-          </p:cNvSpPr>
-          <p:nvPr>
-            <p:ph type="title"/>
-          </p:nvPr>
-        </p:nvSpPr>
-        <p:spPr/>
-        <p:txBody>
-          <a:bodyPr/>
-          <a:lstStyle/>
-          <a:p>
-            <a:r>
-              <a:rPr lang="en-US" dirty="0">
-                <a:latin typeface="Batang"/>
-                <a:ea typeface="Batang"/>
-              </a:rPr>
-              <a:t>Environment Setup!</a:t>
-            </a:r>
-            <a:endParaRPr lang="en-US" dirty="0"/>
-          </a:p>
-        </p:txBody>
-      </p:sp>
-      <p:sp>
-        <p:nvSpPr>
-          <p:cNvPr id="3" name="Content Placeholder 2">
-            <a:extLst>
-              <a:ext uri="{FF2B5EF4-FFF2-40B4-BE49-F238E27FC236}">
-                <a16:creationId xmlns:a16="http://schemas.microsoft.com/office/drawing/2014/main" id="{C9FFCBA5-33EE-9216-B5A2-D43CDE7A1815}"/>
-              </a:ext>
-            </a:extLst>
-          </p:cNvPr>
-          <p:cNvSpPr>
-            <a:spLocks noGrp="1"/>
-          </p:cNvSpPr>
-          <p:nvPr>
-            <p:ph idx="1"/>
-          </p:nvPr>
-        </p:nvSpPr>
-        <p:spPr/>
-        <p:txBody>
-          <a:bodyPr vert="horz" lIns="91440" tIns="45720" rIns="91440" bIns="45720" rtlCol="0" anchor="t">
-            <a:normAutofit/>
-          </a:bodyPr>
-          <a:lstStyle/>
-          <a:p>
-            <a:r>
-              <a:rPr lang="en-US" dirty="0"/>
-              <a:t>Navigate to the "</a:t>
-            </a:r>
-            <a:r>
-              <a:rPr lang="en-US" dirty="0" err="1"/>
-              <a:t>teaching_fair_llm</a:t>
-            </a:r>
-            <a:r>
-              <a:rPr lang="en-US" dirty="0"/>
-              <a:t>" GitHub repository</a:t>
-            </a:r>
-          </a:p>
-          <a:p>
-            <a:pPr lvl="1">
-              <a:buFont typeface="Courier New" panose="020B0604020202020204" pitchFamily="34" charset="0"/>
-              <a:buChar char="o"/>
-            </a:pPr>
-            <a:r>
-              <a:rPr lang="en-US" dirty="0">
-                <a:ea typeface="+mn-lt"/>
-                <a:cs typeface="+mn-lt"/>
-                <a:hlinkClick r:id="rId2"/>
-              </a:rPr>
-              <a:t>https://github.com/USAFA-AI-Center/teaching_fair_llm</a:t>
-            </a:r>
-            <a:endParaRPr lang="en-US" dirty="0"/>
-          </a:p>
-          <a:p>
-            <a:endParaRPr lang="en-US" dirty="0">
-              <a:ea typeface="+mn-lt"/>
-              <a:cs typeface="+mn-lt"/>
-            </a:endParaRPr>
-          </a:p>
-          <a:p>
-            <a:r>
-              <a:rPr lang="en-US" dirty="0">
-                <a:ea typeface="+mn-lt"/>
-                <a:cs typeface="+mn-lt"/>
-              </a:rPr>
-              <a:t>Follow the README instructions until you run the following command:</a:t>
-            </a:r>
-          </a:p>
-          <a:p>
-            <a:pPr lvl="1">
-              <a:buFont typeface="Courier New" panose="020B0604020202020204" pitchFamily="34" charset="0"/>
-              <a:buChar char="o"/>
-            </a:pPr>
-            <a:r>
-              <a:rPr lang="en-US" dirty="0">
-                <a:ea typeface="+mn-lt"/>
-                <a:cs typeface="+mn-lt"/>
-              </a:rPr>
-              <a:t>"pip install –r requirements.txt"</a:t>
-            </a:r>
-          </a:p>
-          <a:p>
-            <a:pPr lvl="1">
-              <a:buFont typeface="Courier New" panose="020B0604020202020204" pitchFamily="34" charset="0"/>
-              <a:buChar char="o"/>
-            </a:pPr>
-            <a:endParaRPr lang="en-US" dirty="0">
-              <a:ea typeface="+mn-lt"/>
-              <a:cs typeface="+mn-lt"/>
-            </a:endParaRPr>
-          </a:p>
-          <a:p>
-            <a:r>
-              <a:rPr lang="en-US" dirty="0">
-                <a:ea typeface="+mn-lt"/>
-                <a:cs typeface="+mn-lt"/>
-              </a:rPr>
-              <a:t>REMEMBER: run the above install command from an active python virtual environment</a:t>
-            </a:r>
-          </a:p>
-        </p:txBody>
-      </p:sp>
-    </p:spTree>
-    <p:extLst>
-      <p:ext uri="{BB962C8B-B14F-4D97-AF65-F5344CB8AC3E}">
-        <p14:creationId xmlns:p14="http://schemas.microsoft.com/office/powerpoint/2010/main" val="412886610"/>
-      </p:ext>
-    </p:extLst>
-  </p:cSld>
-  <p:clrMapOvr>
-    <a:masterClrMapping/>
-  </p:clrMapOvr>
-</p:sld>
-</file>
-
-<file path=ppt/slides/slide5.xml><?xml version="1.0" encoding="utf-8"?>
-<p:sld xmlns:a="http://schemas.openxmlformats.org/drawingml/2006/main" xmlns:r="http://schemas.openxmlformats.org/officeDocument/2006/relationships" xmlns:p="http://schemas.openxmlformats.org/presentationml/2006/main">
-  <p:cSld>
     <p:bg>
       <p:bgPr>
         <a:blipFill>
@@ -11894,6 +11691,546 @@
     <p:extLst>
       <p:ext uri="{BB962C8B-B14F-4D97-AF65-F5344CB8AC3E}">
         <p14:creationId xmlns:p14="http://schemas.microsoft.com/office/powerpoint/2010/main" val="3494411425"/>
+      </p:ext>
+    </p:extLst>
+  </p:cSld>
+  <p:clrMapOvr>
+    <a:masterClrMapping/>
+  </p:clrMapOvr>
+</p:sld>
+</file>
+
+<file path=ppt/slides/slide5.xml><?xml version="1.0" encoding="utf-8"?>
+<p:sld xmlns:a="http://schemas.openxmlformats.org/drawingml/2006/main" xmlns:r="http://schemas.openxmlformats.org/officeDocument/2006/relationships" xmlns:p="http://schemas.openxmlformats.org/presentationml/2006/main">
+  <p:cSld>
+    <p:bg>
+      <p:bgPr>
+        <a:solidFill>
+          <a:schemeClr val="bg2"/>
+        </a:solidFill>
+        <a:effectLst/>
+      </p:bgPr>
+    </p:bg>
+    <p:spTree>
+      <p:nvGrpSpPr>
+        <p:cNvPr id="1" name=""/>
+        <p:cNvGrpSpPr/>
+        <p:nvPr/>
+      </p:nvGrpSpPr>
+      <p:grpSpPr>
+        <a:xfrm>
+          <a:off x="0" y="0"/>
+          <a:ext cx="0" cy="0"/>
+          <a:chOff x="0" y="0"/>
+          <a:chExt cx="0" cy="0"/>
+        </a:xfrm>
+      </p:grpSpPr>
+      <p:cxnSp>
+        <p:nvCxnSpPr>
+          <p:cNvPr id="26" name="Straight Connector 25">
+            <a:extLst>
+              <a:ext uri="{FF2B5EF4-FFF2-40B4-BE49-F238E27FC236}">
+                <a16:creationId xmlns:a16="http://schemas.microsoft.com/office/drawing/2014/main" id="{A240FCEE-B6E2-46D0-9BB0-F45F79545E9D}"/>
+              </a:ext>
+              <a:ext uri="{C183D7F6-B498-43B3-948B-1728B52AA6E4}">
+                <adec:decorative xmlns:adec="http://schemas.microsoft.com/office/drawing/2017/decorative" val="1"/>
+              </a:ext>
+            </a:extLst>
+          </p:cNvPr>
+          <p:cNvCxnSpPr>
+            <a:cxnSpLocks noGrp="1" noRot="1" noChangeAspect="1" noMove="1" noResize="1" noEditPoints="1" noAdjustHandles="1" noChangeArrowheads="1" noChangeShapeType="1"/>
+          </p:cNvCxnSpPr>
+          <p:nvPr>
+            <p:extLst>
+              <p:ext uri="{386F3935-93C4-4BCD-93E2-E3B085C9AB24}">
+                <p16:designElem xmlns:p16="http://schemas.microsoft.com/office/powerpoint/2015/main" val="1"/>
+              </p:ext>
+            </p:extLst>
+          </p:nvPr>
+        </p:nvCxnSpPr>
+        <p:spPr>
+          <a:xfrm flipH="1">
+            <a:off x="571501" y="571500"/>
+            <a:ext cx="11059811" cy="0"/>
+          </a:xfrm>
+          <a:prstGeom prst="line">
+            <a:avLst/>
+          </a:prstGeom>
+          <a:ln>
+            <a:solidFill>
+              <a:schemeClr val="tx1"/>
+            </a:solidFill>
+          </a:ln>
+        </p:spPr>
+        <p:style>
+          <a:lnRef idx="1">
+            <a:schemeClr val="accent1"/>
+          </a:lnRef>
+          <a:fillRef idx="0">
+            <a:schemeClr val="accent1"/>
+          </a:fillRef>
+          <a:effectRef idx="0">
+            <a:schemeClr val="accent1"/>
+          </a:effectRef>
+          <a:fontRef idx="minor">
+            <a:schemeClr val="tx1"/>
+          </a:fontRef>
+        </p:style>
+      </p:cxnSp>
+      <p:cxnSp>
+        <p:nvCxnSpPr>
+          <p:cNvPr id="28" name="Straight Connector 27">
+            <a:extLst>
+              <a:ext uri="{FF2B5EF4-FFF2-40B4-BE49-F238E27FC236}">
+                <a16:creationId xmlns:a16="http://schemas.microsoft.com/office/drawing/2014/main" id="{3BD2FB83-3783-4477-80B5-DA5BF10BAF57}"/>
+              </a:ext>
+              <a:ext uri="{C183D7F6-B498-43B3-948B-1728B52AA6E4}">
+                <adec:decorative xmlns:adec="http://schemas.microsoft.com/office/drawing/2017/decorative" val="1"/>
+              </a:ext>
+            </a:extLst>
+          </p:cNvPr>
+          <p:cNvCxnSpPr>
+            <a:cxnSpLocks noGrp="1" noRot="1" noChangeAspect="1" noMove="1" noResize="1" noEditPoints="1" noAdjustHandles="1" noChangeArrowheads="1" noChangeShapeType="1"/>
+          </p:cNvCxnSpPr>
+          <p:nvPr>
+            <p:extLst>
+              <p:ext uri="{386F3935-93C4-4BCD-93E2-E3B085C9AB24}">
+                <p16:designElem xmlns:p16="http://schemas.microsoft.com/office/powerpoint/2015/main" val="1"/>
+              </p:ext>
+            </p:extLst>
+          </p:nvPr>
+        </p:nvCxnSpPr>
+        <p:spPr>
+          <a:xfrm>
+            <a:off x="7742482" y="571500"/>
+            <a:ext cx="0" cy="5715000"/>
+          </a:xfrm>
+          <a:prstGeom prst="line">
+            <a:avLst/>
+          </a:prstGeom>
+          <a:ln>
+            <a:solidFill>
+              <a:schemeClr val="tx1"/>
+            </a:solidFill>
+          </a:ln>
+        </p:spPr>
+        <p:style>
+          <a:lnRef idx="1">
+            <a:schemeClr val="accent1"/>
+          </a:lnRef>
+          <a:fillRef idx="0">
+            <a:schemeClr val="accent1"/>
+          </a:fillRef>
+          <a:effectRef idx="0">
+            <a:schemeClr val="accent1"/>
+          </a:effectRef>
+          <a:fontRef idx="minor">
+            <a:schemeClr val="tx1"/>
+          </a:fontRef>
+        </p:style>
+      </p:cxnSp>
+      <p:cxnSp>
+        <p:nvCxnSpPr>
+          <p:cNvPr id="30" name="Straight Connector 29">
+            <a:extLst>
+              <a:ext uri="{FF2B5EF4-FFF2-40B4-BE49-F238E27FC236}">
+                <a16:creationId xmlns:a16="http://schemas.microsoft.com/office/drawing/2014/main" id="{E83EA203-71D5-49C0-9626-FFA8E46787B0}"/>
+              </a:ext>
+              <a:ext uri="{C183D7F6-B498-43B3-948B-1728B52AA6E4}">
+                <adec:decorative xmlns:adec="http://schemas.microsoft.com/office/drawing/2017/decorative" val="1"/>
+              </a:ext>
+            </a:extLst>
+          </p:cNvPr>
+          <p:cNvCxnSpPr>
+            <a:cxnSpLocks noGrp="1" noRot="1" noChangeAspect="1" noMove="1" noResize="1" noEditPoints="1" noAdjustHandles="1" noChangeArrowheads="1" noChangeShapeType="1"/>
+          </p:cNvCxnSpPr>
+          <p:nvPr>
+            <p:extLst>
+              <p:ext uri="{386F3935-93C4-4BCD-93E2-E3B085C9AB24}">
+                <p16:designElem xmlns:p16="http://schemas.microsoft.com/office/powerpoint/2015/main" val="1"/>
+              </p:ext>
+            </p:extLst>
+          </p:nvPr>
+        </p:nvCxnSpPr>
+        <p:spPr>
+          <a:xfrm flipH="1">
+            <a:off x="577485" y="6283518"/>
+            <a:ext cx="11059811" cy="0"/>
+          </a:xfrm>
+          <a:prstGeom prst="line">
+            <a:avLst/>
+          </a:prstGeom>
+          <a:ln>
+            <a:solidFill>
+              <a:schemeClr val="tx1"/>
+            </a:solidFill>
+          </a:ln>
+        </p:spPr>
+        <p:style>
+          <a:lnRef idx="1">
+            <a:schemeClr val="accent1"/>
+          </a:lnRef>
+          <a:fillRef idx="0">
+            <a:schemeClr val="accent1"/>
+          </a:fillRef>
+          <a:effectRef idx="0">
+            <a:schemeClr val="accent1"/>
+          </a:effectRef>
+          <a:fontRef idx="minor">
+            <a:schemeClr val="tx1"/>
+          </a:fontRef>
+        </p:style>
+      </p:cxnSp>
+      <p:sp useBgFill="1">
+        <p:nvSpPr>
+          <p:cNvPr id="32" name="Rectangle 31">
+            <a:extLst>
+              <a:ext uri="{FF2B5EF4-FFF2-40B4-BE49-F238E27FC236}">
+                <a16:creationId xmlns:a16="http://schemas.microsoft.com/office/drawing/2014/main" id="{A12C80F7-1B5F-4C69-A452-EBF086969CF1}"/>
+              </a:ext>
+              <a:ext uri="{C183D7F6-B498-43B3-948B-1728B52AA6E4}">
+                <adec:decorative xmlns:adec="http://schemas.microsoft.com/office/drawing/2017/decorative" val="1"/>
+              </a:ext>
+            </a:extLst>
+          </p:cNvPr>
+          <p:cNvSpPr>
+            <a:spLocks noGrp="1" noRot="1" noChangeAspect="1" noMove="1" noResize="1" noEditPoints="1" noAdjustHandles="1" noChangeArrowheads="1" noChangeShapeType="1" noTextEdit="1"/>
+          </p:cNvSpPr>
+          <p:nvPr>
+            <p:extLst>
+              <p:ext uri="{386F3935-93C4-4BCD-93E2-E3B085C9AB24}">
+                <p16:designElem xmlns:p16="http://schemas.microsoft.com/office/powerpoint/2015/main" val="1"/>
+              </p:ext>
+            </p:extLst>
+          </p:nvPr>
+        </p:nvSpPr>
+        <p:spPr>
+          <a:xfrm>
+            <a:off x="0" y="0"/>
+            <a:ext cx="12192000" cy="6858000"/>
+          </a:xfrm>
+          <a:prstGeom prst="rect">
+            <a:avLst/>
+          </a:prstGeom>
+          <a:ln w="12700" cap="flat" cmpd="sng" algn="ctr">
+            <a:noFill/>
+            <a:prstDash val="solid"/>
+            <a:miter lim="800000"/>
+          </a:ln>
+          <a:effectLst/>
+          <a:extLst>
+            <a:ext uri="{91240B29-F687-4F45-9708-019B960494DF}">
+              <a14:hiddenLine xmlns:a14="http://schemas.microsoft.com/office/drawing/2010/main" w="12700" cap="flat" cmpd="sng" algn="ctr">
+                <a:solidFill>
+                  <a:schemeClr val="accent1">
+                    <a:shade val="50000"/>
+                  </a:schemeClr>
+                </a:solidFill>
+                <a:prstDash val="solid"/>
+                <a:miter lim="800000"/>
+              </a14:hiddenLine>
+            </a:ext>
+          </a:extLst>
+        </p:spPr>
+        <p:style>
+          <a:lnRef idx="2">
+            <a:schemeClr val="accent1">
+              <a:shade val="50000"/>
+            </a:schemeClr>
+          </a:lnRef>
+          <a:fillRef idx="1">
+            <a:schemeClr val="accent1"/>
+          </a:fillRef>
+          <a:effectRef idx="0">
+            <a:schemeClr val="accent1"/>
+          </a:effectRef>
+          <a:fontRef idx="minor">
+            <a:schemeClr val="lt1"/>
+          </a:fontRef>
+        </p:style>
+        <p:txBody>
+          <a:bodyPr rtlCol="0" anchor="ctr"/>
+          <a:lstStyle/>
+          <a:p>
+            <a:pPr algn="ctr"/>
+            <a:endParaRPr lang="en-US"/>
+          </a:p>
+        </p:txBody>
+      </p:sp>
+      <p:pic>
+        <p:nvPicPr>
+          <p:cNvPr id="4" name="Content Placeholder 3" descr="A screen shot of a graph&#10;&#10;AI-generated content may be incorrect.">
+            <a:extLst>
+              <a:ext uri="{FF2B5EF4-FFF2-40B4-BE49-F238E27FC236}">
+                <a16:creationId xmlns:a16="http://schemas.microsoft.com/office/drawing/2014/main" id="{F89DB2F7-EA41-0AF3-58AC-6809ADF919C9}"/>
+              </a:ext>
+            </a:extLst>
+          </p:cNvPr>
+          <p:cNvPicPr>
+            <a:picLocks noGrp="1" noChangeAspect="1"/>
+          </p:cNvPicPr>
+          <p:nvPr>
+            <p:ph idx="1"/>
+          </p:nvPr>
+        </p:nvPicPr>
+        <p:blipFill>
+          <a:blip r:embed="rId3"/>
+          <a:srcRect r="1" b="46"/>
+          <a:stretch>
+            <a:fillRect/>
+          </a:stretch>
+        </p:blipFill>
+        <p:spPr>
+          <a:xfrm>
+            <a:off x="-5460" y="1"/>
+            <a:ext cx="12197459" cy="6857998"/>
+          </a:xfrm>
+          <a:prstGeom prst="rect">
+            <a:avLst/>
+          </a:prstGeom>
+        </p:spPr>
+      </p:pic>
+      <p:sp>
+        <p:nvSpPr>
+          <p:cNvPr id="34" name="Rectangle 33">
+            <a:extLst>
+              <a:ext uri="{FF2B5EF4-FFF2-40B4-BE49-F238E27FC236}">
+                <a16:creationId xmlns:a16="http://schemas.microsoft.com/office/drawing/2014/main" id="{ADC13725-D5F5-497E-A96F-CB5C23423FAF}"/>
+              </a:ext>
+              <a:ext uri="{C183D7F6-B498-43B3-948B-1728B52AA6E4}">
+                <adec:decorative xmlns:adec="http://schemas.microsoft.com/office/drawing/2017/decorative" val="1"/>
+              </a:ext>
+            </a:extLst>
+          </p:cNvPr>
+          <p:cNvSpPr>
+            <a:spLocks noGrp="1" noRot="1" noChangeAspect="1" noMove="1" noResize="1" noEditPoints="1" noAdjustHandles="1" noChangeArrowheads="1" noChangeShapeType="1" noTextEdit="1"/>
+          </p:cNvSpPr>
+          <p:nvPr>
+            <p:extLst>
+              <p:ext uri="{386F3935-93C4-4BCD-93E2-E3B085C9AB24}">
+                <p16:designElem xmlns:p16="http://schemas.microsoft.com/office/powerpoint/2015/main" val="1"/>
+              </p:ext>
+            </p:extLst>
+          </p:nvPr>
+        </p:nvSpPr>
+        <p:spPr>
+          <a:xfrm>
+            <a:off x="-2" y="1934308"/>
+            <a:ext cx="12191999" cy="4923691"/>
+          </a:xfrm>
+          <a:prstGeom prst="rect">
+            <a:avLst/>
+          </a:prstGeom>
+          <a:gradFill flip="none" rotWithShape="1">
+            <a:gsLst>
+              <a:gs pos="0">
+                <a:srgbClr val="000000">
+                  <a:alpha val="0"/>
+                </a:srgbClr>
+              </a:gs>
+              <a:gs pos="49000">
+                <a:srgbClr val="000000">
+                  <a:alpha val="23000"/>
+                </a:srgbClr>
+              </a:gs>
+              <a:gs pos="100000">
+                <a:srgbClr val="000000">
+                  <a:alpha val="49000"/>
+                </a:srgbClr>
+              </a:gs>
+            </a:gsLst>
+            <a:lin ang="5400000" scaled="1"/>
+            <a:tileRect/>
+          </a:gradFill>
+          <a:ln>
+            <a:noFill/>
+          </a:ln>
+        </p:spPr>
+        <p:style>
+          <a:lnRef idx="2">
+            <a:schemeClr val="accent1">
+              <a:shade val="50000"/>
+            </a:schemeClr>
+          </a:lnRef>
+          <a:fillRef idx="1">
+            <a:schemeClr val="accent1"/>
+          </a:fillRef>
+          <a:effectRef idx="0">
+            <a:schemeClr val="accent1"/>
+          </a:effectRef>
+          <a:fontRef idx="minor">
+            <a:schemeClr val="lt1"/>
+          </a:fontRef>
+        </p:style>
+        <p:txBody>
+          <a:bodyPr rtlCol="0" anchor="ctr"/>
+          <a:lstStyle/>
+          <a:p>
+            <a:pPr algn="ctr"/>
+            <a:endParaRPr lang="en-US"/>
+          </a:p>
+        </p:txBody>
+      </p:sp>
+      <p:cxnSp>
+        <p:nvCxnSpPr>
+          <p:cNvPr id="36" name="Straight Connector 35">
+            <a:extLst>
+              <a:ext uri="{FF2B5EF4-FFF2-40B4-BE49-F238E27FC236}">
+                <a16:creationId xmlns:a16="http://schemas.microsoft.com/office/drawing/2014/main" id="{F1981B13-F880-47D1-BA19-C2C84FC75451}"/>
+              </a:ext>
+              <a:ext uri="{C183D7F6-B498-43B3-948B-1728B52AA6E4}">
+                <adec:decorative xmlns:adec="http://schemas.microsoft.com/office/drawing/2017/decorative" val="1"/>
+              </a:ext>
+            </a:extLst>
+          </p:cNvPr>
+          <p:cNvCxnSpPr>
+            <a:cxnSpLocks noGrp="1" noRot="1" noChangeAspect="1" noMove="1" noResize="1" noEditPoints="1" noAdjustHandles="1" noChangeArrowheads="1" noChangeShapeType="1"/>
+          </p:cNvCxnSpPr>
+          <p:nvPr>
+            <p:extLst>
+              <p:ext uri="{386F3935-93C4-4BCD-93E2-E3B085C9AB24}">
+                <p16:designElem xmlns:p16="http://schemas.microsoft.com/office/powerpoint/2015/main" val="1"/>
+              </p:ext>
+            </p:extLst>
+          </p:nvPr>
+        </p:nvCxnSpPr>
+        <p:spPr>
+          <a:xfrm flipH="1">
+            <a:off x="565869" y="4610607"/>
+            <a:ext cx="11054799" cy="0"/>
+          </a:xfrm>
+          <a:prstGeom prst="line">
+            <a:avLst/>
+          </a:prstGeom>
+          <a:ln>
+            <a:solidFill>
+              <a:srgbClr val="FFFFFF"/>
+            </a:solidFill>
+          </a:ln>
+        </p:spPr>
+        <p:style>
+          <a:lnRef idx="1">
+            <a:schemeClr val="accent1"/>
+          </a:lnRef>
+          <a:fillRef idx="0">
+            <a:schemeClr val="accent1"/>
+          </a:fillRef>
+          <a:effectRef idx="0">
+            <a:schemeClr val="accent1"/>
+          </a:effectRef>
+          <a:fontRef idx="minor">
+            <a:schemeClr val="tx1"/>
+          </a:fontRef>
+        </p:style>
+      </p:cxnSp>
+      <p:cxnSp>
+        <p:nvCxnSpPr>
+          <p:cNvPr id="38" name="Straight Connector 37">
+            <a:extLst>
+              <a:ext uri="{FF2B5EF4-FFF2-40B4-BE49-F238E27FC236}">
+                <a16:creationId xmlns:a16="http://schemas.microsoft.com/office/drawing/2014/main" id="{D9889C86-81F5-4E2B-A1BF-3DC57716B53F}"/>
+              </a:ext>
+              <a:ext uri="{C183D7F6-B498-43B3-948B-1728B52AA6E4}">
+                <adec:decorative xmlns:adec="http://schemas.microsoft.com/office/drawing/2017/decorative" val="1"/>
+              </a:ext>
+            </a:extLst>
+          </p:cNvPr>
+          <p:cNvCxnSpPr>
+            <a:cxnSpLocks noGrp="1" noRot="1" noChangeAspect="1" noMove="1" noResize="1" noEditPoints="1" noAdjustHandles="1" noChangeArrowheads="1" noChangeShapeType="1"/>
+          </p:cNvCxnSpPr>
+          <p:nvPr>
+            <p:extLst>
+              <p:ext uri="{386F3935-93C4-4BCD-93E2-E3B085C9AB24}">
+                <p16:designElem xmlns:p16="http://schemas.microsoft.com/office/powerpoint/2015/main" val="1"/>
+              </p:ext>
+            </p:extLst>
+          </p:nvPr>
+        </p:nvCxnSpPr>
+        <p:spPr>
+          <a:xfrm>
+            <a:off x="7734300" y="4614653"/>
+            <a:ext cx="0" cy="1674861"/>
+          </a:xfrm>
+          <a:prstGeom prst="line">
+            <a:avLst/>
+          </a:prstGeom>
+          <a:ln>
+            <a:solidFill>
+              <a:srgbClr val="FFFFFF"/>
+            </a:solidFill>
+          </a:ln>
+        </p:spPr>
+        <p:style>
+          <a:lnRef idx="1">
+            <a:schemeClr val="accent1"/>
+          </a:lnRef>
+          <a:fillRef idx="0">
+            <a:schemeClr val="accent1"/>
+          </a:fillRef>
+          <a:effectRef idx="0">
+            <a:schemeClr val="accent1"/>
+          </a:effectRef>
+          <a:fontRef idx="minor">
+            <a:schemeClr val="tx1"/>
+          </a:fontRef>
+        </p:style>
+      </p:cxnSp>
+      <p:cxnSp>
+        <p:nvCxnSpPr>
+          <p:cNvPr id="40" name="Straight Connector 39">
+            <a:extLst>
+              <a:ext uri="{FF2B5EF4-FFF2-40B4-BE49-F238E27FC236}">
+                <a16:creationId xmlns:a16="http://schemas.microsoft.com/office/drawing/2014/main" id="{0D1651B2-663F-4ED2-A7D2-9D74A5DFD19E}"/>
+              </a:ext>
+              <a:ext uri="{C183D7F6-B498-43B3-948B-1728B52AA6E4}">
+                <adec:decorative xmlns:adec="http://schemas.microsoft.com/office/drawing/2017/decorative" val="1"/>
+              </a:ext>
+            </a:extLst>
+          </p:cNvPr>
+          <p:cNvCxnSpPr>
+            <a:cxnSpLocks noGrp="1" noRot="1" noChangeAspect="1" noMove="1" noResize="1" noEditPoints="1" noAdjustHandles="1" noChangeArrowheads="1" noChangeShapeType="1"/>
+          </p:cNvCxnSpPr>
+          <p:nvPr>
+            <p:extLst>
+              <p:ext uri="{386F3935-93C4-4BCD-93E2-E3B085C9AB24}">
+                <p16:designElem xmlns:p16="http://schemas.microsoft.com/office/powerpoint/2015/main" val="1"/>
+              </p:ext>
+            </p:extLst>
+          </p:nvPr>
+        </p:nvCxnSpPr>
+        <p:spPr>
+          <a:xfrm flipH="1">
+            <a:off x="561819" y="6289514"/>
+            <a:ext cx="11054799" cy="0"/>
+          </a:xfrm>
+          <a:prstGeom prst="line">
+            <a:avLst/>
+          </a:prstGeom>
+          <a:ln>
+            <a:solidFill>
+              <a:srgbClr val="FFFFFF"/>
+            </a:solidFill>
+          </a:ln>
+        </p:spPr>
+        <p:style>
+          <a:lnRef idx="1">
+            <a:schemeClr val="accent1"/>
+          </a:lnRef>
+          <a:fillRef idx="0">
+            <a:schemeClr val="accent1"/>
+          </a:fillRef>
+          <a:effectRef idx="0">
+            <a:schemeClr val="accent1"/>
+          </a:effectRef>
+          <a:fontRef idx="minor">
+            <a:schemeClr val="tx1"/>
+          </a:fontRef>
+        </p:style>
+      </p:cxnSp>
+    </p:spTree>
+    <p:extLst>
+      <p:ext uri="{BB962C8B-B14F-4D97-AF65-F5344CB8AC3E}">
+        <p14:creationId xmlns:p14="http://schemas.microsoft.com/office/powerpoint/2010/main" val="3395183905"/>
       </p:ext>
     </p:extLst>
   </p:cSld>
@@ -11928,21 +12265,21 @@
           <a:chExt cx="0" cy="0"/>
         </a:xfrm>
       </p:grpSpPr>
-      <p:cxnSp>
-        <p:nvCxnSpPr>
-          <p:cNvPr id="26" name="Straight Connector 25">
-            <a:extLst>
-              <a:ext uri="{FF2B5EF4-FFF2-40B4-BE49-F238E27FC236}">
-                <a16:creationId xmlns:a16="http://schemas.microsoft.com/office/drawing/2014/main" id="{A240FCEE-B6E2-46D0-9BB0-F45F79545E9D}"/>
+      <p:sp useBgFill="1">
+        <p:nvSpPr>
+          <p:cNvPr id="11" name="Rectangle 10">
+            <a:extLst>
+              <a:ext uri="{FF2B5EF4-FFF2-40B4-BE49-F238E27FC236}">
+                <a16:creationId xmlns:a16="http://schemas.microsoft.com/office/drawing/2014/main" id="{EBAF395E-7D52-496C-ACDD-468AEC1ADF0A}"/>
               </a:ext>
               <a:ext uri="{C183D7F6-B498-43B3-948B-1728B52AA6E4}">
                 <adec:decorative xmlns:adec="http://schemas.microsoft.com/office/drawing/2017/decorative" val="1"/>
               </a:ext>
             </a:extLst>
           </p:cNvPr>
-          <p:cNvCxnSpPr>
-            <a:cxnSpLocks noGrp="1" noRot="1" noChangeAspect="1" noMove="1" noResize="1" noEditPoints="1" noAdjustHandles="1" noChangeArrowheads="1" noChangeShapeType="1"/>
-          </p:cNvCxnSpPr>
+          <p:cNvSpPr>
+            <a:spLocks noGrp="1" noRot="1" noChangeAspect="1" noMove="1" noResize="1" noEditPoints="1" noAdjustHandles="1" noChangeArrowheads="1" noChangeShapeType="1" noTextEdit="1"/>
+          </p:cNvSpPr>
           <p:nvPr>
             <p:extLst>
               <p:ext uri="{386F3935-93C4-4BCD-93E2-E3B085C9AB24}">
@@ -11950,11 +12287,110 @@
               </p:ext>
             </p:extLst>
           </p:nvPr>
+        </p:nvSpPr>
+        <p:spPr>
+          <a:xfrm>
+            <a:off x="1" y="0"/>
+            <a:ext cx="12192000" cy="6858000"/>
+          </a:xfrm>
+          <a:prstGeom prst="rect">
+            <a:avLst/>
+          </a:prstGeom>
+          <a:ln>
+            <a:noFill/>
+          </a:ln>
+        </p:spPr>
+        <p:style>
+          <a:lnRef idx="2">
+            <a:schemeClr val="accent1">
+              <a:shade val="50000"/>
+            </a:schemeClr>
+          </a:lnRef>
+          <a:fillRef idx="1">
+            <a:schemeClr val="accent1"/>
+          </a:fillRef>
+          <a:effectRef idx="0">
+            <a:schemeClr val="accent1"/>
+          </a:effectRef>
+          <a:fontRef idx="minor">
+            <a:schemeClr val="lt1"/>
+          </a:fontRef>
+        </p:style>
+        <p:txBody>
+          <a:bodyPr rtlCol="0" anchor="ctr"/>
+          <a:lstStyle/>
+          <a:p>
+            <a:pPr algn="ctr"/>
+            <a:endParaRPr lang="en-US"/>
+          </a:p>
+        </p:txBody>
+      </p:sp>
+      <p:sp>
+        <p:nvSpPr>
+          <p:cNvPr id="2" name="Title 1">
+            <a:extLst>
+              <a:ext uri="{FF2B5EF4-FFF2-40B4-BE49-F238E27FC236}">
+                <a16:creationId xmlns:a16="http://schemas.microsoft.com/office/drawing/2014/main" id="{BD412A29-72AE-ED02-2916-5916F460AF8D}"/>
+              </a:ext>
+            </a:extLst>
+          </p:cNvPr>
+          <p:cNvSpPr>
+            <a:spLocks noGrp="1"/>
+          </p:cNvSpPr>
+          <p:nvPr>
+            <p:ph type="title"/>
+          </p:nvPr>
+        </p:nvSpPr>
+        <p:spPr>
+          <a:xfrm>
+            <a:off x="521208" y="786384"/>
+            <a:ext cx="3509192" cy="2008193"/>
+          </a:xfrm>
+        </p:spPr>
+        <p:txBody>
+          <a:bodyPr anchor="t">
+            <a:normAutofit/>
+          </a:bodyPr>
+          <a:lstStyle/>
+          <a:p>
+            <a:r>
+              <a:rPr lang="en-US" dirty="0">
+                <a:latin typeface="Batang"/>
+                <a:ea typeface="Batang"/>
+              </a:rPr>
+              <a:t>How LLMs Really Work</a:t>
+            </a:r>
+            <a:endParaRPr lang="en-US" dirty="0"/>
+          </a:p>
+        </p:txBody>
+      </p:sp>
+      <p:cxnSp>
+        <p:nvCxnSpPr>
+          <p:cNvPr id="13" name="Straight Connector 12">
+            <a:extLst>
+              <a:ext uri="{FF2B5EF4-FFF2-40B4-BE49-F238E27FC236}">
+                <a16:creationId xmlns:a16="http://schemas.microsoft.com/office/drawing/2014/main" id="{56BAADB1-054E-4A82-8D07-643BD1F433EF}"/>
+              </a:ext>
+              <a:ext uri="{C183D7F6-B498-43B3-948B-1728B52AA6E4}">
+                <adec:decorative xmlns:adec="http://schemas.microsoft.com/office/drawing/2017/decorative" val="1"/>
+              </a:ext>
+            </a:extLst>
+          </p:cNvPr>
+          <p:cNvCxnSpPr>
+            <a:cxnSpLocks noGrp="1" noRot="1" noChangeAspect="1" noMove="1" noResize="1" noEditPoints="1" noAdjustHandles="1" noChangeArrowheads="1" noChangeShapeType="1"/>
+          </p:cNvCxnSpPr>
+          <p:nvPr>
+            <p:extLst>
+              <p:ext uri="{386F3935-93C4-4BCD-93E2-E3B085C9AB24}">
+                <p16:designElem xmlns:p16="http://schemas.microsoft.com/office/powerpoint/2015/main" val="1"/>
+              </p:ext>
+            </p:extLst>
+          </p:nvPr>
         </p:nvCxnSpPr>
         <p:spPr>
           <a:xfrm flipH="1">
-            <a:off x="571501" y="571500"/>
-            <a:ext cx="11059811" cy="0"/>
+            <a:off x="568602" y="576201"/>
+            <a:ext cx="11054799" cy="0"/>
           </a:xfrm>
           <a:prstGeom prst="line">
             <a:avLst/>
@@ -11980,12 +12416,44 @@
           </a:fontRef>
         </p:style>
       </p:cxnSp>
+      <p:sp>
+        <p:nvSpPr>
+          <p:cNvPr id="8" name="Content Placeholder 7">
+            <a:extLst>
+              <a:ext uri="{FF2B5EF4-FFF2-40B4-BE49-F238E27FC236}">
+                <a16:creationId xmlns:a16="http://schemas.microsoft.com/office/drawing/2014/main" id="{AF8512A1-4AA9-296A-AC51-4C87E526E1A1}"/>
+              </a:ext>
+            </a:extLst>
+          </p:cNvPr>
+          <p:cNvSpPr>
+            <a:spLocks noGrp="1"/>
+          </p:cNvSpPr>
+          <p:nvPr>
+            <p:ph idx="1"/>
+          </p:nvPr>
+        </p:nvSpPr>
+        <p:spPr>
+          <a:xfrm>
+            <a:off x="571502" y="3066892"/>
+            <a:ext cx="3276598" cy="2856476"/>
+          </a:xfrm>
+        </p:spPr>
+        <p:txBody>
+          <a:bodyPr anchor="b">
+            <a:normAutofit/>
+          </a:bodyPr>
+          <a:lstStyle/>
+          <a:p>
+            <a:endParaRPr lang="en-US" sz="1800"/>
+          </a:p>
+        </p:txBody>
+      </p:sp>
       <p:cxnSp>
         <p:nvCxnSpPr>
-          <p:cNvPr id="28" name="Straight Connector 27">
-            <a:extLst>
-              <a:ext uri="{FF2B5EF4-FFF2-40B4-BE49-F238E27FC236}">
-                <a16:creationId xmlns:a16="http://schemas.microsoft.com/office/drawing/2014/main" id="{3BD2FB83-3783-4477-80B5-DA5BF10BAF57}"/>
+          <p:cNvPr id="15" name="Straight Connector 14">
+            <a:extLst>
+              <a:ext uri="{FF2B5EF4-FFF2-40B4-BE49-F238E27FC236}">
+                <a16:creationId xmlns:a16="http://schemas.microsoft.com/office/drawing/2014/main" id="{B3121654-FB13-441C-AB60-76710D9170C9}"/>
               </a:ext>
               <a:ext uri="{C183D7F6-B498-43B3-948B-1728B52AA6E4}">
                 <adec:decorative xmlns:adec="http://schemas.microsoft.com/office/drawing/2017/decorative" val="1"/>
@@ -12005,8 +12473,8 @@
         </p:nvCxnSpPr>
         <p:spPr>
           <a:xfrm>
-            <a:off x="7742482" y="571500"/>
-            <a:ext cx="0" cy="5715000"/>
+            <a:off x="4419600" y="588336"/>
+            <a:ext cx="0" cy="5698164"/>
           </a:xfrm>
           <a:prstGeom prst="line">
             <a:avLst/>
@@ -12032,12 +12500,42 @@
           </a:fontRef>
         </p:style>
       </p:cxnSp>
+      <p:pic>
+        <p:nvPicPr>
+          <p:cNvPr id="4" name="Content Placeholder 3" descr="A black cube with white text&#10;&#10;AI-generated content may be incorrect.">
+            <a:extLst>
+              <a:ext uri="{FF2B5EF4-FFF2-40B4-BE49-F238E27FC236}">
+                <a16:creationId xmlns:a16="http://schemas.microsoft.com/office/drawing/2014/main" id="{4A0FE86D-D2B6-E935-7D3B-2B5724AE32E9}"/>
+              </a:ext>
+            </a:extLst>
+          </p:cNvPr>
+          <p:cNvPicPr>
+            <a:picLocks noChangeAspect="1"/>
+          </p:cNvPicPr>
+          <p:nvPr/>
+        </p:nvPicPr>
+        <p:blipFill>
+          <a:blip r:embed="rId3"/>
+          <a:stretch>
+            <a:fillRect/>
+          </a:stretch>
+        </p:blipFill>
+        <p:spPr>
+          <a:xfrm>
+            <a:off x="-73" y="2957"/>
+            <a:ext cx="12192059" cy="6850349"/>
+          </a:xfrm>
+          <a:prstGeom prst="rect">
+            <a:avLst/>
+          </a:prstGeom>
+        </p:spPr>
+      </p:pic>
       <p:cxnSp>
         <p:nvCxnSpPr>
-          <p:cNvPr id="30" name="Straight Connector 29">
-            <a:extLst>
-              <a:ext uri="{FF2B5EF4-FFF2-40B4-BE49-F238E27FC236}">
-                <a16:creationId xmlns:a16="http://schemas.microsoft.com/office/drawing/2014/main" id="{E83EA203-71D5-49C0-9626-FFA8E46787B0}"/>
+          <p:cNvPr id="17" name="Straight Connector 16">
+            <a:extLst>
+              <a:ext uri="{FF2B5EF4-FFF2-40B4-BE49-F238E27FC236}">
+                <a16:creationId xmlns:a16="http://schemas.microsoft.com/office/drawing/2014/main" id="{C58D2D3E-B980-4D6F-BBFB-DF7A3A947292}"/>
               </a:ext>
               <a:ext uri="{C183D7F6-B498-43B3-948B-1728B52AA6E4}">
                 <adec:decorative xmlns:adec="http://schemas.microsoft.com/office/drawing/2017/decorative" val="1"/>
@@ -12057,8 +12555,8 @@
         </p:nvCxnSpPr>
         <p:spPr>
           <a:xfrm flipH="1">
-            <a:off x="577485" y="6283518"/>
-            <a:ext cx="11059811" cy="0"/>
+            <a:off x="571500" y="6286500"/>
+            <a:ext cx="11054799" cy="0"/>
           </a:xfrm>
           <a:prstGeom prst="line">
             <a:avLst/>
@@ -12066,352 +12564,6 @@
           <a:ln>
             <a:solidFill>
               <a:schemeClr val="tx1"/>
-            </a:solidFill>
-          </a:ln>
-        </p:spPr>
-        <p:style>
-          <a:lnRef idx="1">
-            <a:schemeClr val="accent1"/>
-          </a:lnRef>
-          <a:fillRef idx="0">
-            <a:schemeClr val="accent1"/>
-          </a:fillRef>
-          <a:effectRef idx="0">
-            <a:schemeClr val="accent1"/>
-          </a:effectRef>
-          <a:fontRef idx="minor">
-            <a:schemeClr val="tx1"/>
-          </a:fontRef>
-        </p:style>
-      </p:cxnSp>
-      <p:sp useBgFill="1">
-        <p:nvSpPr>
-          <p:cNvPr id="32" name="Rectangle 31">
-            <a:extLst>
-              <a:ext uri="{FF2B5EF4-FFF2-40B4-BE49-F238E27FC236}">
-                <a16:creationId xmlns:a16="http://schemas.microsoft.com/office/drawing/2014/main" id="{A12C80F7-1B5F-4C69-A452-EBF086969CF1}"/>
-              </a:ext>
-              <a:ext uri="{C183D7F6-B498-43B3-948B-1728B52AA6E4}">
-                <adec:decorative xmlns:adec="http://schemas.microsoft.com/office/drawing/2017/decorative" val="1"/>
-              </a:ext>
-            </a:extLst>
-          </p:cNvPr>
-          <p:cNvSpPr>
-            <a:spLocks noGrp="1" noRot="1" noChangeAspect="1" noMove="1" noResize="1" noEditPoints="1" noAdjustHandles="1" noChangeArrowheads="1" noChangeShapeType="1" noTextEdit="1"/>
-          </p:cNvSpPr>
-          <p:nvPr>
-            <p:extLst>
-              <p:ext uri="{386F3935-93C4-4BCD-93E2-E3B085C9AB24}">
-                <p16:designElem xmlns:p16="http://schemas.microsoft.com/office/powerpoint/2015/main" val="1"/>
-              </p:ext>
-            </p:extLst>
-          </p:nvPr>
-        </p:nvSpPr>
-        <p:spPr>
-          <a:xfrm>
-            <a:off x="0" y="0"/>
-            <a:ext cx="12192000" cy="6858000"/>
-          </a:xfrm>
-          <a:prstGeom prst="rect">
-            <a:avLst/>
-          </a:prstGeom>
-          <a:ln w="12700" cap="flat" cmpd="sng" algn="ctr">
-            <a:noFill/>
-            <a:prstDash val="solid"/>
-            <a:miter lim="800000"/>
-          </a:ln>
-          <a:effectLst/>
-          <a:extLst>
-            <a:ext uri="{91240B29-F687-4F45-9708-019B960494DF}">
-              <a14:hiddenLine xmlns:a14="http://schemas.microsoft.com/office/drawing/2010/main" w="12700" cap="flat" cmpd="sng" algn="ctr">
-                <a:solidFill>
-                  <a:schemeClr val="accent1">
-                    <a:shade val="50000"/>
-                  </a:schemeClr>
-                </a:solidFill>
-                <a:prstDash val="solid"/>
-                <a:miter lim="800000"/>
-              </a14:hiddenLine>
-            </a:ext>
-          </a:extLst>
-        </p:spPr>
-        <p:style>
-          <a:lnRef idx="2">
-            <a:schemeClr val="accent1">
-              <a:shade val="50000"/>
-            </a:schemeClr>
-          </a:lnRef>
-          <a:fillRef idx="1">
-            <a:schemeClr val="accent1"/>
-          </a:fillRef>
-          <a:effectRef idx="0">
-            <a:schemeClr val="accent1"/>
-          </a:effectRef>
-          <a:fontRef idx="minor">
-            <a:schemeClr val="lt1"/>
-          </a:fontRef>
-        </p:style>
-        <p:txBody>
-          <a:bodyPr rtlCol="0" anchor="ctr"/>
-          <a:lstStyle/>
-          <a:p>
-            <a:pPr algn="ctr"/>
-            <a:endParaRPr lang="en-US"/>
-          </a:p>
-        </p:txBody>
-      </p:sp>
-      <p:pic>
-        <p:nvPicPr>
-          <p:cNvPr id="4" name="Content Placeholder 3" descr="A screen shot of a graph&#10;&#10;AI-generated content may be incorrect.">
-            <a:extLst>
-              <a:ext uri="{FF2B5EF4-FFF2-40B4-BE49-F238E27FC236}">
-                <a16:creationId xmlns:a16="http://schemas.microsoft.com/office/drawing/2014/main" id="{F89DB2F7-EA41-0AF3-58AC-6809ADF919C9}"/>
-              </a:ext>
-            </a:extLst>
-          </p:cNvPr>
-          <p:cNvPicPr>
-            <a:picLocks noGrp="1" noChangeAspect="1"/>
-          </p:cNvPicPr>
-          <p:nvPr>
-            <p:ph idx="1"/>
-          </p:nvPr>
-        </p:nvPicPr>
-        <p:blipFill>
-          <a:blip r:embed="rId3"/>
-          <a:srcRect r="1" b="46"/>
-          <a:stretch>
-            <a:fillRect/>
-          </a:stretch>
-        </p:blipFill>
-        <p:spPr>
-          <a:xfrm>
-            <a:off x="-5460" y="1"/>
-            <a:ext cx="12197459" cy="6857998"/>
-          </a:xfrm>
-          <a:prstGeom prst="rect">
-            <a:avLst/>
-          </a:prstGeom>
-        </p:spPr>
-      </p:pic>
-      <p:sp>
-        <p:nvSpPr>
-          <p:cNvPr id="34" name="Rectangle 33">
-            <a:extLst>
-              <a:ext uri="{FF2B5EF4-FFF2-40B4-BE49-F238E27FC236}">
-                <a16:creationId xmlns:a16="http://schemas.microsoft.com/office/drawing/2014/main" id="{ADC13725-D5F5-497E-A96F-CB5C23423FAF}"/>
-              </a:ext>
-              <a:ext uri="{C183D7F6-B498-43B3-948B-1728B52AA6E4}">
-                <adec:decorative xmlns:adec="http://schemas.microsoft.com/office/drawing/2017/decorative" val="1"/>
-              </a:ext>
-            </a:extLst>
-          </p:cNvPr>
-          <p:cNvSpPr>
-            <a:spLocks noGrp="1" noRot="1" noChangeAspect="1" noMove="1" noResize="1" noEditPoints="1" noAdjustHandles="1" noChangeArrowheads="1" noChangeShapeType="1" noTextEdit="1"/>
-          </p:cNvSpPr>
-          <p:nvPr>
-            <p:extLst>
-              <p:ext uri="{386F3935-93C4-4BCD-93E2-E3B085C9AB24}">
-                <p16:designElem xmlns:p16="http://schemas.microsoft.com/office/powerpoint/2015/main" val="1"/>
-              </p:ext>
-            </p:extLst>
-          </p:nvPr>
-        </p:nvSpPr>
-        <p:spPr>
-          <a:xfrm>
-            <a:off x="-2" y="1934308"/>
-            <a:ext cx="12191999" cy="4923691"/>
-          </a:xfrm>
-          <a:prstGeom prst="rect">
-            <a:avLst/>
-          </a:prstGeom>
-          <a:gradFill flip="none" rotWithShape="1">
-            <a:gsLst>
-              <a:gs pos="0">
-                <a:srgbClr val="000000">
-                  <a:alpha val="0"/>
-                </a:srgbClr>
-              </a:gs>
-              <a:gs pos="49000">
-                <a:srgbClr val="000000">
-                  <a:alpha val="23000"/>
-                </a:srgbClr>
-              </a:gs>
-              <a:gs pos="100000">
-                <a:srgbClr val="000000">
-                  <a:alpha val="49000"/>
-                </a:srgbClr>
-              </a:gs>
-            </a:gsLst>
-            <a:lin ang="5400000" scaled="1"/>
-            <a:tileRect/>
-          </a:gradFill>
-          <a:ln>
-            <a:noFill/>
-          </a:ln>
-        </p:spPr>
-        <p:style>
-          <a:lnRef idx="2">
-            <a:schemeClr val="accent1">
-              <a:shade val="50000"/>
-            </a:schemeClr>
-          </a:lnRef>
-          <a:fillRef idx="1">
-            <a:schemeClr val="accent1"/>
-          </a:fillRef>
-          <a:effectRef idx="0">
-            <a:schemeClr val="accent1"/>
-          </a:effectRef>
-          <a:fontRef idx="minor">
-            <a:schemeClr val="lt1"/>
-          </a:fontRef>
-        </p:style>
-        <p:txBody>
-          <a:bodyPr rtlCol="0" anchor="ctr"/>
-          <a:lstStyle/>
-          <a:p>
-            <a:pPr algn="ctr"/>
-            <a:endParaRPr lang="en-US"/>
-          </a:p>
-        </p:txBody>
-      </p:sp>
-      <p:cxnSp>
-        <p:nvCxnSpPr>
-          <p:cNvPr id="36" name="Straight Connector 35">
-            <a:extLst>
-              <a:ext uri="{FF2B5EF4-FFF2-40B4-BE49-F238E27FC236}">
-                <a16:creationId xmlns:a16="http://schemas.microsoft.com/office/drawing/2014/main" id="{F1981B13-F880-47D1-BA19-C2C84FC75451}"/>
-              </a:ext>
-              <a:ext uri="{C183D7F6-B498-43B3-948B-1728B52AA6E4}">
-                <adec:decorative xmlns:adec="http://schemas.microsoft.com/office/drawing/2017/decorative" val="1"/>
-              </a:ext>
-            </a:extLst>
-          </p:cNvPr>
-          <p:cNvCxnSpPr>
-            <a:cxnSpLocks noGrp="1" noRot="1" noChangeAspect="1" noMove="1" noResize="1" noEditPoints="1" noAdjustHandles="1" noChangeArrowheads="1" noChangeShapeType="1"/>
-          </p:cNvCxnSpPr>
-          <p:nvPr>
-            <p:extLst>
-              <p:ext uri="{386F3935-93C4-4BCD-93E2-E3B085C9AB24}">
-                <p16:designElem xmlns:p16="http://schemas.microsoft.com/office/powerpoint/2015/main" val="1"/>
-              </p:ext>
-            </p:extLst>
-          </p:nvPr>
-        </p:nvCxnSpPr>
-        <p:spPr>
-          <a:xfrm flipH="1">
-            <a:off x="565869" y="4610607"/>
-            <a:ext cx="11054799" cy="0"/>
-          </a:xfrm>
-          <a:prstGeom prst="line">
-            <a:avLst/>
-          </a:prstGeom>
-          <a:ln>
-            <a:solidFill>
-              <a:srgbClr val="FFFFFF"/>
-            </a:solidFill>
-          </a:ln>
-        </p:spPr>
-        <p:style>
-          <a:lnRef idx="1">
-            <a:schemeClr val="accent1"/>
-          </a:lnRef>
-          <a:fillRef idx="0">
-            <a:schemeClr val="accent1"/>
-          </a:fillRef>
-          <a:effectRef idx="0">
-            <a:schemeClr val="accent1"/>
-          </a:effectRef>
-          <a:fontRef idx="minor">
-            <a:schemeClr val="tx1"/>
-          </a:fontRef>
-        </p:style>
-      </p:cxnSp>
-      <p:cxnSp>
-        <p:nvCxnSpPr>
-          <p:cNvPr id="38" name="Straight Connector 37">
-            <a:extLst>
-              <a:ext uri="{FF2B5EF4-FFF2-40B4-BE49-F238E27FC236}">
-                <a16:creationId xmlns:a16="http://schemas.microsoft.com/office/drawing/2014/main" id="{D9889C86-81F5-4E2B-A1BF-3DC57716B53F}"/>
-              </a:ext>
-              <a:ext uri="{C183D7F6-B498-43B3-948B-1728B52AA6E4}">
-                <adec:decorative xmlns:adec="http://schemas.microsoft.com/office/drawing/2017/decorative" val="1"/>
-              </a:ext>
-            </a:extLst>
-          </p:cNvPr>
-          <p:cNvCxnSpPr>
-            <a:cxnSpLocks noGrp="1" noRot="1" noChangeAspect="1" noMove="1" noResize="1" noEditPoints="1" noAdjustHandles="1" noChangeArrowheads="1" noChangeShapeType="1"/>
-          </p:cNvCxnSpPr>
-          <p:nvPr>
-            <p:extLst>
-              <p:ext uri="{386F3935-93C4-4BCD-93E2-E3B085C9AB24}">
-                <p16:designElem xmlns:p16="http://schemas.microsoft.com/office/powerpoint/2015/main" val="1"/>
-              </p:ext>
-            </p:extLst>
-          </p:nvPr>
-        </p:nvCxnSpPr>
-        <p:spPr>
-          <a:xfrm>
-            <a:off x="7734300" y="4614653"/>
-            <a:ext cx="0" cy="1674861"/>
-          </a:xfrm>
-          <a:prstGeom prst="line">
-            <a:avLst/>
-          </a:prstGeom>
-          <a:ln>
-            <a:solidFill>
-              <a:srgbClr val="FFFFFF"/>
-            </a:solidFill>
-          </a:ln>
-        </p:spPr>
-        <p:style>
-          <a:lnRef idx="1">
-            <a:schemeClr val="accent1"/>
-          </a:lnRef>
-          <a:fillRef idx="0">
-            <a:schemeClr val="accent1"/>
-          </a:fillRef>
-          <a:effectRef idx="0">
-            <a:schemeClr val="accent1"/>
-          </a:effectRef>
-          <a:fontRef idx="minor">
-            <a:schemeClr val="tx1"/>
-          </a:fontRef>
-        </p:style>
-      </p:cxnSp>
-      <p:cxnSp>
-        <p:nvCxnSpPr>
-          <p:cNvPr id="40" name="Straight Connector 39">
-            <a:extLst>
-              <a:ext uri="{FF2B5EF4-FFF2-40B4-BE49-F238E27FC236}">
-                <a16:creationId xmlns:a16="http://schemas.microsoft.com/office/drawing/2014/main" id="{0D1651B2-663F-4ED2-A7D2-9D74A5DFD19E}"/>
-              </a:ext>
-              <a:ext uri="{C183D7F6-B498-43B3-948B-1728B52AA6E4}">
-                <adec:decorative xmlns:adec="http://schemas.microsoft.com/office/drawing/2017/decorative" val="1"/>
-              </a:ext>
-            </a:extLst>
-          </p:cNvPr>
-          <p:cNvCxnSpPr>
-            <a:cxnSpLocks noGrp="1" noRot="1" noChangeAspect="1" noMove="1" noResize="1" noEditPoints="1" noAdjustHandles="1" noChangeArrowheads="1" noChangeShapeType="1"/>
-          </p:cNvCxnSpPr>
-          <p:nvPr>
-            <p:extLst>
-              <p:ext uri="{386F3935-93C4-4BCD-93E2-E3B085C9AB24}">
-                <p16:designElem xmlns:p16="http://schemas.microsoft.com/office/powerpoint/2015/main" val="1"/>
-              </p:ext>
-            </p:extLst>
-          </p:nvPr>
-        </p:nvCxnSpPr>
-        <p:spPr>
-          <a:xfrm flipH="1">
-            <a:off x="561819" y="6289514"/>
-            <a:ext cx="11054799" cy="0"/>
-          </a:xfrm>
-          <a:prstGeom prst="line">
-            <a:avLst/>
-          </a:prstGeom>
-          <a:ln>
-            <a:solidFill>
-              <a:srgbClr val="FFFFFF"/>
             </a:solidFill>
           </a:ln>
         </p:spPr>
@@ -12433,7 +12585,7 @@
     </p:spTree>
     <p:extLst>
       <p:ext uri="{BB962C8B-B14F-4D97-AF65-F5344CB8AC3E}">
-        <p14:creationId xmlns:p14="http://schemas.microsoft.com/office/powerpoint/2010/main" val="3395183905"/>
+        <p14:creationId xmlns:p14="http://schemas.microsoft.com/office/powerpoint/2010/main" val="378661014"/>
       </p:ext>
     </p:extLst>
   </p:cSld>
@@ -12446,14 +12598,6 @@
 <file path=ppt/slides/slide7.xml><?xml version="1.0" encoding="utf-8"?>
 <p:sld xmlns:a="http://schemas.openxmlformats.org/drawingml/2006/main" xmlns:r="http://schemas.openxmlformats.org/officeDocument/2006/relationships" xmlns:p="http://schemas.openxmlformats.org/presentationml/2006/main">
   <p:cSld>
-    <p:bg>
-      <p:bgPr>
-        <a:solidFill>
-          <a:schemeClr val="bg2"/>
-        </a:solidFill>
-        <a:effectLst/>
-      </p:bgPr>
-    </p:bg>
     <p:spTree>
       <p:nvGrpSpPr>
         <p:cNvPr id="1" name=""/>
@@ -12468,72 +12612,12 @@
           <a:chExt cx="0" cy="0"/>
         </a:xfrm>
       </p:grpSpPr>
-      <p:sp useBgFill="1">
-        <p:nvSpPr>
-          <p:cNvPr id="11" name="Rectangle 10">
-            <a:extLst>
-              <a:ext uri="{FF2B5EF4-FFF2-40B4-BE49-F238E27FC236}">
-                <a16:creationId xmlns:a16="http://schemas.microsoft.com/office/drawing/2014/main" id="{EBAF395E-7D52-496C-ACDD-468AEC1ADF0A}"/>
-              </a:ext>
-              <a:ext uri="{C183D7F6-B498-43B3-948B-1728B52AA6E4}">
-                <adec:decorative xmlns:adec="http://schemas.microsoft.com/office/drawing/2017/decorative" val="1"/>
-              </a:ext>
-            </a:extLst>
-          </p:cNvPr>
-          <p:cNvSpPr>
-            <a:spLocks noGrp="1" noRot="1" noChangeAspect="1" noMove="1" noResize="1" noEditPoints="1" noAdjustHandles="1" noChangeArrowheads="1" noChangeShapeType="1" noTextEdit="1"/>
-          </p:cNvSpPr>
-          <p:nvPr>
-            <p:extLst>
-              <p:ext uri="{386F3935-93C4-4BCD-93E2-E3B085C9AB24}">
-                <p16:designElem xmlns:p16="http://schemas.microsoft.com/office/powerpoint/2015/main" val="1"/>
-              </p:ext>
-            </p:extLst>
-          </p:nvPr>
-        </p:nvSpPr>
-        <p:spPr>
-          <a:xfrm>
-            <a:off x="1" y="0"/>
-            <a:ext cx="12192000" cy="6858000"/>
-          </a:xfrm>
-          <a:prstGeom prst="rect">
-            <a:avLst/>
-          </a:prstGeom>
-          <a:ln>
-            <a:noFill/>
-          </a:ln>
-        </p:spPr>
-        <p:style>
-          <a:lnRef idx="2">
-            <a:schemeClr val="accent1">
-              <a:shade val="50000"/>
-            </a:schemeClr>
-          </a:lnRef>
-          <a:fillRef idx="1">
-            <a:schemeClr val="accent1"/>
-          </a:fillRef>
-          <a:effectRef idx="0">
-            <a:schemeClr val="accent1"/>
-          </a:effectRef>
-          <a:fontRef idx="minor">
-            <a:schemeClr val="lt1"/>
-          </a:fontRef>
-        </p:style>
-        <p:txBody>
-          <a:bodyPr rtlCol="0" anchor="ctr"/>
-          <a:lstStyle/>
-          <a:p>
-            <a:pPr algn="ctr"/>
-            <a:endParaRPr lang="en-US"/>
-          </a:p>
-        </p:txBody>
-      </p:sp>
       <p:sp>
         <p:nvSpPr>
           <p:cNvPr id="2" name="Title 1">
             <a:extLst>
               <a:ext uri="{FF2B5EF4-FFF2-40B4-BE49-F238E27FC236}">
-                <a16:creationId xmlns:a16="http://schemas.microsoft.com/office/drawing/2014/main" id="{BD412A29-72AE-ED02-2916-5916F460AF8D}"/>
+                <a16:creationId xmlns:a16="http://schemas.microsoft.com/office/drawing/2014/main" id="{AF9BF3F4-51D4-2DD8-0FD8-7C7789454FD7}"/>
               </a:ext>
             </a:extLst>
           </p:cNvPr>
@@ -12544,16 +12628,9 @@
             <p:ph type="title"/>
           </p:nvPr>
         </p:nvSpPr>
-        <p:spPr>
-          <a:xfrm>
-            <a:off x="521208" y="786384"/>
-            <a:ext cx="3509192" cy="2008193"/>
-          </a:xfrm>
-        </p:spPr>
-        <p:txBody>
-          <a:bodyPr anchor="t">
-            <a:normAutofit/>
-          </a:bodyPr>
+        <p:spPr/>
+        <p:txBody>
+          <a:bodyPr/>
           <a:lstStyle/>
           <a:p>
             <a:r>
@@ -12561,70 +12638,17 @@
                 <a:latin typeface="Batang"/>
                 <a:ea typeface="Batang"/>
               </a:rPr>
-              <a:t>How LLMs Really Work</a:t>
-            </a:r>
-            <a:endParaRPr lang="en-US" dirty="0"/>
-          </a:p>
-        </p:txBody>
-      </p:sp>
-      <p:cxnSp>
-        <p:nvCxnSpPr>
-          <p:cNvPr id="13" name="Straight Connector 12">
-            <a:extLst>
-              <a:ext uri="{FF2B5EF4-FFF2-40B4-BE49-F238E27FC236}">
-                <a16:creationId xmlns:a16="http://schemas.microsoft.com/office/drawing/2014/main" id="{56BAADB1-054E-4A82-8D07-643BD1F433EF}"/>
-              </a:ext>
-              <a:ext uri="{C183D7F6-B498-43B3-948B-1728B52AA6E4}">
-                <adec:decorative xmlns:adec="http://schemas.microsoft.com/office/drawing/2017/decorative" val="1"/>
-              </a:ext>
-            </a:extLst>
-          </p:cNvPr>
-          <p:cNvCxnSpPr>
-            <a:cxnSpLocks noGrp="1" noRot="1" noChangeAspect="1" noMove="1" noResize="1" noEditPoints="1" noAdjustHandles="1" noChangeArrowheads="1" noChangeShapeType="1"/>
-          </p:cNvCxnSpPr>
-          <p:nvPr>
-            <p:extLst>
-              <p:ext uri="{386F3935-93C4-4BCD-93E2-E3B085C9AB24}">
-                <p16:designElem xmlns:p16="http://schemas.microsoft.com/office/powerpoint/2015/main" val="1"/>
-              </p:ext>
-            </p:extLst>
-          </p:nvPr>
-        </p:nvCxnSpPr>
-        <p:spPr>
-          <a:xfrm flipH="1">
-            <a:off x="568602" y="576201"/>
-            <a:ext cx="11054799" cy="0"/>
-          </a:xfrm>
-          <a:prstGeom prst="line">
-            <a:avLst/>
-          </a:prstGeom>
-          <a:ln>
-            <a:solidFill>
-              <a:schemeClr val="tx1"/>
-            </a:solidFill>
-          </a:ln>
-        </p:spPr>
-        <p:style>
-          <a:lnRef idx="1">
-            <a:schemeClr val="accent1"/>
-          </a:lnRef>
-          <a:fillRef idx="0">
-            <a:schemeClr val="accent1"/>
-          </a:fillRef>
-          <a:effectRef idx="0">
-            <a:schemeClr val="accent1"/>
-          </a:effectRef>
-          <a:fontRef idx="minor">
-            <a:schemeClr val="tx1"/>
-          </a:fontRef>
-        </p:style>
-      </p:cxnSp>
-      <p:sp>
-        <p:nvSpPr>
-          <p:cNvPr id="8" name="Content Placeholder 7">
-            <a:extLst>
-              <a:ext uri="{FF2B5EF4-FFF2-40B4-BE49-F238E27FC236}">
-                <a16:creationId xmlns:a16="http://schemas.microsoft.com/office/drawing/2014/main" id="{AF8512A1-4AA9-296A-AC51-4C87E526E1A1}"/>
+              <a:t>What LLMs Can Do</a:t>
+            </a:r>
+          </a:p>
+        </p:txBody>
+      </p:sp>
+      <p:sp>
+        <p:nvSpPr>
+          <p:cNvPr id="3" name="Content Placeholder 2">
+            <a:extLst>
+              <a:ext uri="{FF2B5EF4-FFF2-40B4-BE49-F238E27FC236}">
+                <a16:creationId xmlns:a16="http://schemas.microsoft.com/office/drawing/2014/main" id="{62F48C8A-7003-FC76-1599-885910D44DB8}"/>
               </a:ext>
             </a:extLst>
           </p:cNvPr>
@@ -12632,163 +12656,121 @@
             <a:spLocks noGrp="1"/>
           </p:cNvSpPr>
           <p:nvPr>
-            <p:ph idx="1"/>
-          </p:nvPr>
-        </p:nvSpPr>
-        <p:spPr>
-          <a:xfrm>
-            <a:off x="571502" y="3066892"/>
-            <a:ext cx="3276598" cy="2856476"/>
-          </a:xfrm>
-        </p:spPr>
-        <p:txBody>
-          <a:bodyPr anchor="b">
+            <p:ph sz="half" idx="1"/>
+          </p:nvPr>
+        </p:nvSpPr>
+        <p:spPr/>
+        <p:txBody>
+          <a:bodyPr vert="horz" lIns="91440" tIns="45720" rIns="91440" bIns="45720" rtlCol="0" anchor="t">
             <a:normAutofit/>
           </a:bodyPr>
           <a:lstStyle/>
           <a:p>
-            <a:endParaRPr lang="en-US" sz="1800"/>
-          </a:p>
-        </p:txBody>
-      </p:sp>
-      <p:cxnSp>
-        <p:nvCxnSpPr>
-          <p:cNvPr id="15" name="Straight Connector 14">
-            <a:extLst>
-              <a:ext uri="{FF2B5EF4-FFF2-40B4-BE49-F238E27FC236}">
-                <a16:creationId xmlns:a16="http://schemas.microsoft.com/office/drawing/2014/main" id="{B3121654-FB13-441C-AB60-76710D9170C9}"/>
-              </a:ext>
-              <a:ext uri="{C183D7F6-B498-43B3-948B-1728B52AA6E4}">
-                <adec:decorative xmlns:adec="http://schemas.microsoft.com/office/drawing/2017/decorative" val="1"/>
-              </a:ext>
-            </a:extLst>
-          </p:cNvPr>
-          <p:cNvCxnSpPr>
-            <a:cxnSpLocks noGrp="1" noRot="1" noChangeAspect="1" noMove="1" noResize="1" noEditPoints="1" noAdjustHandles="1" noChangeArrowheads="1" noChangeShapeType="1"/>
-          </p:cNvCxnSpPr>
-          <p:nvPr>
-            <p:extLst>
-              <p:ext uri="{386F3935-93C4-4BCD-93E2-E3B085C9AB24}">
-                <p16:designElem xmlns:p16="http://schemas.microsoft.com/office/powerpoint/2015/main" val="1"/>
-              </p:ext>
-            </p:extLst>
-          </p:nvPr>
-        </p:nvCxnSpPr>
-        <p:spPr>
-          <a:xfrm>
-            <a:off x="4419600" y="588336"/>
-            <a:ext cx="0" cy="5698164"/>
-          </a:xfrm>
-          <a:prstGeom prst="line">
-            <a:avLst/>
-          </a:prstGeom>
-          <a:ln>
-            <a:solidFill>
-              <a:schemeClr val="tx1"/>
-            </a:solidFill>
-          </a:ln>
-        </p:spPr>
-        <p:style>
-          <a:lnRef idx="1">
-            <a:schemeClr val="accent1"/>
-          </a:lnRef>
-          <a:fillRef idx="0">
-            <a:schemeClr val="accent1"/>
-          </a:fillRef>
-          <a:effectRef idx="0">
-            <a:schemeClr val="accent1"/>
-          </a:effectRef>
-          <a:fontRef idx="minor">
-            <a:schemeClr val="tx1"/>
-          </a:fontRef>
-        </p:style>
-      </p:cxnSp>
-      <p:pic>
-        <p:nvPicPr>
-          <p:cNvPr id="4" name="Content Placeholder 3" descr="A black cube with white text&#10;&#10;AI-generated content may be incorrect.">
-            <a:extLst>
-              <a:ext uri="{FF2B5EF4-FFF2-40B4-BE49-F238E27FC236}">
-                <a16:creationId xmlns:a16="http://schemas.microsoft.com/office/drawing/2014/main" id="{4A0FE86D-D2B6-E935-7D3B-2B5724AE32E9}"/>
-              </a:ext>
-            </a:extLst>
-          </p:cNvPr>
-          <p:cNvPicPr>
-            <a:picLocks noChangeAspect="1"/>
-          </p:cNvPicPr>
-          <p:nvPr/>
-        </p:nvPicPr>
-        <p:blipFill>
-          <a:blip r:embed="rId3"/>
-          <a:stretch>
-            <a:fillRect/>
-          </a:stretch>
-        </p:blipFill>
-        <p:spPr>
-          <a:xfrm>
-            <a:off x="-73" y="2957"/>
-            <a:ext cx="12192059" cy="6850349"/>
-          </a:xfrm>
-          <a:prstGeom prst="rect">
-            <a:avLst/>
-          </a:prstGeom>
-        </p:spPr>
-      </p:pic>
-      <p:cxnSp>
-        <p:nvCxnSpPr>
-          <p:cNvPr id="17" name="Straight Connector 16">
-            <a:extLst>
-              <a:ext uri="{FF2B5EF4-FFF2-40B4-BE49-F238E27FC236}">
-                <a16:creationId xmlns:a16="http://schemas.microsoft.com/office/drawing/2014/main" id="{C58D2D3E-B980-4D6F-BBFB-DF7A3A947292}"/>
-              </a:ext>
-              <a:ext uri="{C183D7F6-B498-43B3-948B-1728B52AA6E4}">
-                <adec:decorative xmlns:adec="http://schemas.microsoft.com/office/drawing/2017/decorative" val="1"/>
-              </a:ext>
-            </a:extLst>
-          </p:cNvPr>
-          <p:cNvCxnSpPr>
-            <a:cxnSpLocks noGrp="1" noRot="1" noChangeAspect="1" noMove="1" noResize="1" noEditPoints="1" noAdjustHandles="1" noChangeArrowheads="1" noChangeShapeType="1"/>
-          </p:cNvCxnSpPr>
-          <p:nvPr>
-            <p:extLst>
-              <p:ext uri="{386F3935-93C4-4BCD-93E2-E3B085C9AB24}">
-                <p16:designElem xmlns:p16="http://schemas.microsoft.com/office/powerpoint/2015/main" val="1"/>
-              </p:ext>
-            </p:extLst>
-          </p:nvPr>
-        </p:nvCxnSpPr>
-        <p:spPr>
-          <a:xfrm flipH="1">
-            <a:off x="571500" y="6286500"/>
-            <a:ext cx="11054799" cy="0"/>
-          </a:xfrm>
-          <a:prstGeom prst="line">
-            <a:avLst/>
-          </a:prstGeom>
-          <a:ln>
-            <a:solidFill>
-              <a:schemeClr val="tx1"/>
-            </a:solidFill>
-          </a:ln>
-        </p:spPr>
-        <p:style>
-          <a:lnRef idx="1">
-            <a:schemeClr val="accent1"/>
-          </a:lnRef>
-          <a:fillRef idx="0">
-            <a:schemeClr val="accent1"/>
-          </a:fillRef>
-          <a:effectRef idx="0">
-            <a:schemeClr val="accent1"/>
-          </a:effectRef>
-          <a:fontRef idx="minor">
-            <a:schemeClr val="tx1"/>
-          </a:fontRef>
-        </p:style>
-      </p:cxnSp>
+            <a:pPr marL="0" indent="0">
+              <a:buNone/>
+            </a:pPr>
+            <a:r>
+              <a:rPr lang="en-US" b="1" dirty="0"/>
+              <a:t>Language understanding &amp; generation</a:t>
+            </a:r>
+          </a:p>
+          <a:p>
+            <a:r>
+              <a:rPr lang="en-US"/>
+              <a:t>Understand and generate human-like text</a:t>
+            </a:r>
+          </a:p>
+          <a:p>
+            <a:r>
+              <a:rPr lang="en-US"/>
+              <a:t>Translate languages</a:t>
+            </a:r>
+          </a:p>
+          <a:p>
+            <a:r>
+              <a:rPr lang="en-US" dirty="0"/>
+              <a:t>Summarize long documents</a:t>
+            </a:r>
+          </a:p>
+          <a:p>
+            <a:r>
+              <a:rPr lang="en-US" dirty="0"/>
+              <a:t>Answer questions based on training data</a:t>
+            </a:r>
+          </a:p>
+          <a:p>
+            <a:endParaRPr lang="en-US" dirty="0"/>
+          </a:p>
+        </p:txBody>
+      </p:sp>
+      <p:sp>
+        <p:nvSpPr>
+          <p:cNvPr id="4" name="Content Placeholder 3">
+            <a:extLst>
+              <a:ext uri="{FF2B5EF4-FFF2-40B4-BE49-F238E27FC236}">
+                <a16:creationId xmlns:a16="http://schemas.microsoft.com/office/drawing/2014/main" id="{DBFE522C-0653-A2F0-4A85-3476687E809E}"/>
+              </a:ext>
+            </a:extLst>
+          </p:cNvPr>
+          <p:cNvSpPr>
+            <a:spLocks noGrp="1"/>
+          </p:cNvSpPr>
+          <p:nvPr>
+            <p:ph sz="half" idx="2"/>
+          </p:nvPr>
+        </p:nvSpPr>
+        <p:spPr/>
+        <p:txBody>
+          <a:bodyPr vert="horz" lIns="91440" tIns="45720" rIns="91440" bIns="45720" rtlCol="0" anchor="t">
+            <a:normAutofit/>
+          </a:bodyPr>
+          <a:lstStyle/>
+          <a:p>
+            <a:pPr marL="0" indent="0">
+              <a:buNone/>
+            </a:pPr>
+            <a:r>
+              <a:rPr lang="en-US" b="1" dirty="0"/>
+              <a:t>Reasoning and Analysis</a:t>
+            </a:r>
+            <a:endParaRPr lang="en-US" dirty="0"/>
+          </a:p>
+          <a:p>
+            <a:r>
+              <a:rPr lang="en-US" dirty="0"/>
+              <a:t>Break down complex problems into steps</a:t>
+            </a:r>
+          </a:p>
+          <a:p>
+            <a:r>
+              <a:rPr lang="en-US" dirty="0"/>
+              <a:t>Explain concepts in multiple ways</a:t>
+            </a:r>
+          </a:p>
+          <a:p>
+            <a:r>
+              <a:rPr lang="en-US" dirty="0"/>
+              <a:t>Identify patterns in text</a:t>
+            </a:r>
+          </a:p>
+          <a:p>
+            <a:r>
+              <a:rPr lang="en-US" dirty="0"/>
+              <a:t>Make logical inferences from given information</a:t>
+            </a:r>
+          </a:p>
+          <a:p>
+            <a:r>
+              <a:rPr lang="en-US" dirty="0"/>
+              <a:t>Code generation and debugging</a:t>
+            </a:r>
+          </a:p>
+        </p:txBody>
+      </p:sp>
     </p:spTree>
     <p:extLst>
       <p:ext uri="{BB962C8B-B14F-4D97-AF65-F5344CB8AC3E}">
-        <p14:creationId xmlns:p14="http://schemas.microsoft.com/office/powerpoint/2010/main" val="378661014"/>
+        <p14:creationId xmlns:p14="http://schemas.microsoft.com/office/powerpoint/2010/main" val="3268925614"/>
       </p:ext>
     </p:extLst>
   </p:cSld>
@@ -12820,7 +12802,7 @@
           <p:cNvPr id="2" name="Title 1">
             <a:extLst>
               <a:ext uri="{FF2B5EF4-FFF2-40B4-BE49-F238E27FC236}">
-                <a16:creationId xmlns:a16="http://schemas.microsoft.com/office/drawing/2014/main" id="{AF9BF3F4-51D4-2DD8-0FD8-7C7789454FD7}"/>
+                <a16:creationId xmlns:a16="http://schemas.microsoft.com/office/drawing/2014/main" id="{4ECEE955-BE82-DE5A-DA49-A634230FD7B7}"/>
               </a:ext>
             </a:extLst>
           </p:cNvPr>
@@ -12841,8 +12823,9 @@
                 <a:latin typeface="Batang"/>
                 <a:ea typeface="Batang"/>
               </a:rPr>
-              <a:t>What LLMs Can Do</a:t>
-            </a:r>
+              <a:t>What LLMs Can't Do</a:t>
+            </a:r>
+            <a:endParaRPr lang="en-US" dirty="0"/>
           </a:p>
         </p:txBody>
       </p:sp>
@@ -12851,7 +12834,7 @@
           <p:cNvPr id="3" name="Content Placeholder 2">
             <a:extLst>
               <a:ext uri="{FF2B5EF4-FFF2-40B4-BE49-F238E27FC236}">
-                <a16:creationId xmlns:a16="http://schemas.microsoft.com/office/drawing/2014/main" id="{62F48C8A-7003-FC76-1599-885910D44DB8}"/>
+                <a16:creationId xmlns:a16="http://schemas.microsoft.com/office/drawing/2014/main" id="{F78E1CAA-D99F-06DF-9CC9-9866919DA434}"/>
               </a:ext>
             </a:extLst>
           </p:cNvPr>
@@ -12874,35 +12857,32 @@
             </a:pPr>
             <a:r>
               <a:rPr lang="en-US" b="1" dirty="0"/>
-              <a:t>Language understanding &amp; generation</a:t>
-            </a:r>
-          </a:p>
-          <a:p>
-            <a:r>
-              <a:rPr lang="en-US"/>
-              <a:t>Understand and generate human-like text</a:t>
-            </a:r>
-          </a:p>
-          <a:p>
-            <a:r>
-              <a:rPr lang="en-US"/>
-              <a:t>Translate languages</a:t>
+              <a:t>No Real-Time Information</a:t>
             </a:r>
           </a:p>
           <a:p>
             <a:r>
               <a:rPr lang="en-US" dirty="0"/>
-              <a:t>Summarize long documents</a:t>
+              <a:t>Can't access the internet</a:t>
             </a:r>
           </a:p>
           <a:p>
             <a:r>
               <a:rPr lang="en-US" dirty="0"/>
-              <a:t>Answer questions based on training data</a:t>
-            </a:r>
-          </a:p>
-          <a:p>
-            <a:endParaRPr lang="en-US" dirty="0"/>
+              <a:t>Don’t know current prices, events, weather</a:t>
+            </a:r>
+          </a:p>
+          <a:p>
+            <a:r>
+              <a:rPr lang="en-US" dirty="0"/>
+              <a:t>Can't check against current information for factual analysis</a:t>
+            </a:r>
+          </a:p>
+          <a:p>
+            <a:r>
+              <a:rPr lang="en-US" dirty="0"/>
+              <a:t>Knowledge cutoff = outdated information</a:t>
+            </a:r>
           </a:p>
         </p:txBody>
       </p:sp>
@@ -12911,7 +12891,7 @@
           <p:cNvPr id="4" name="Content Placeholder 3">
             <a:extLst>
               <a:ext uri="{FF2B5EF4-FFF2-40B4-BE49-F238E27FC236}">
-                <a16:creationId xmlns:a16="http://schemas.microsoft.com/office/drawing/2014/main" id="{DBFE522C-0653-A2F0-4A85-3476687E809E}"/>
+                <a16:creationId xmlns:a16="http://schemas.microsoft.com/office/drawing/2014/main" id="{8342E8DA-F372-D783-F601-57F3B3F6F3AA}"/>
               </a:ext>
             </a:extLst>
           </p:cNvPr>
@@ -12934,38 +12914,31 @@
             </a:pPr>
             <a:r>
               <a:rPr lang="en-US" b="1" dirty="0"/>
-              <a:t>Reasoning and Analysis</a:t>
-            </a:r>
-            <a:endParaRPr lang="en-US" dirty="0"/>
+              <a:t>No Actions in the Real World</a:t>
+            </a:r>
           </a:p>
           <a:p>
             <a:r>
               <a:rPr lang="en-US" dirty="0"/>
-              <a:t>Break down complex problems into steps</a:t>
+              <a:t>Can't send emails, make purchases, book appointments</a:t>
             </a:r>
           </a:p>
           <a:p>
             <a:r>
               <a:rPr lang="en-US" dirty="0"/>
-              <a:t>Explain concepts in multiple ways</a:t>
+              <a:t>Can't click buttons or navigate websites</a:t>
             </a:r>
           </a:p>
           <a:p>
             <a:r>
               <a:rPr lang="en-US" dirty="0"/>
-              <a:t>Identify patterns in text</a:t>
+              <a:t>Can’t run code or access files</a:t>
             </a:r>
           </a:p>
           <a:p>
             <a:r>
               <a:rPr lang="en-US" dirty="0"/>
-              <a:t>Make logical inferences from given information</a:t>
-            </a:r>
-          </a:p>
-          <a:p>
-            <a:r>
-              <a:rPr lang="en-US" dirty="0"/>
-              <a:t>Code generation and debugging</a:t>
+              <a:t>Cant' control physical devices</a:t>
             </a:r>
           </a:p>
         </p:txBody>
@@ -12973,7 +12946,7 @@
     </p:spTree>
     <p:extLst>
       <p:ext uri="{BB962C8B-B14F-4D97-AF65-F5344CB8AC3E}">
-        <p14:creationId xmlns:p14="http://schemas.microsoft.com/office/powerpoint/2010/main" val="3268925614"/>
+        <p14:creationId xmlns:p14="http://schemas.microsoft.com/office/powerpoint/2010/main" val="2286007442"/>
       </p:ext>
     </p:extLst>
   </p:cSld>
@@ -12986,6 +12959,17 @@
 <file path=ppt/slides/slide9.xml><?xml version="1.0" encoding="utf-8"?>
 <p:sld xmlns:a="http://schemas.openxmlformats.org/drawingml/2006/main" xmlns:r="http://schemas.openxmlformats.org/officeDocument/2006/relationships" xmlns:p="http://schemas.openxmlformats.org/presentationml/2006/main">
   <p:cSld>
+    <p:bg>
+      <p:bgPr>
+        <a:blipFill>
+          <a:blip r:embed="rId3"/>
+          <a:stretch>
+            <a:fillRect/>
+          </a:stretch>
+        </a:blipFill>
+        <a:effectLst/>
+      </p:bgPr>
+    </p:bg>
     <p:spTree>
       <p:nvGrpSpPr>
         <p:cNvPr id="1" name=""/>
@@ -13000,156 +12984,10 @@
           <a:chExt cx="0" cy="0"/>
         </a:xfrm>
       </p:grpSpPr>
-      <p:sp>
-        <p:nvSpPr>
-          <p:cNvPr id="2" name="Title 1">
-            <a:extLst>
-              <a:ext uri="{FF2B5EF4-FFF2-40B4-BE49-F238E27FC236}">
-                <a16:creationId xmlns:a16="http://schemas.microsoft.com/office/drawing/2014/main" id="{4ECEE955-BE82-DE5A-DA49-A634230FD7B7}"/>
-              </a:ext>
-            </a:extLst>
-          </p:cNvPr>
-          <p:cNvSpPr>
-            <a:spLocks noGrp="1"/>
-          </p:cNvSpPr>
-          <p:nvPr>
-            <p:ph type="title"/>
-          </p:nvPr>
-        </p:nvSpPr>
-        <p:spPr/>
-        <p:txBody>
-          <a:bodyPr/>
-          <a:lstStyle/>
-          <a:p>
-            <a:r>
-              <a:rPr lang="en-US" dirty="0">
-                <a:latin typeface="Batang"/>
-                <a:ea typeface="Batang"/>
-              </a:rPr>
-              <a:t>What LLMs Can't Do</a:t>
-            </a:r>
-            <a:endParaRPr lang="en-US" dirty="0"/>
-          </a:p>
-        </p:txBody>
-      </p:sp>
-      <p:sp>
-        <p:nvSpPr>
-          <p:cNvPr id="3" name="Content Placeholder 2">
-            <a:extLst>
-              <a:ext uri="{FF2B5EF4-FFF2-40B4-BE49-F238E27FC236}">
-                <a16:creationId xmlns:a16="http://schemas.microsoft.com/office/drawing/2014/main" id="{F78E1CAA-D99F-06DF-9CC9-9866919DA434}"/>
-              </a:ext>
-            </a:extLst>
-          </p:cNvPr>
-          <p:cNvSpPr>
-            <a:spLocks noGrp="1"/>
-          </p:cNvSpPr>
-          <p:nvPr>
-            <p:ph sz="half" idx="1"/>
-          </p:nvPr>
-        </p:nvSpPr>
-        <p:spPr/>
-        <p:txBody>
-          <a:bodyPr vert="horz" lIns="91440" tIns="45720" rIns="91440" bIns="45720" rtlCol="0" anchor="t">
-            <a:normAutofit/>
-          </a:bodyPr>
-          <a:lstStyle/>
-          <a:p>
-            <a:pPr marL="0" indent="0">
-              <a:buNone/>
-            </a:pPr>
-            <a:r>
-              <a:rPr lang="en-US" b="1" dirty="0"/>
-              <a:t>No Real-Time Information</a:t>
-            </a:r>
-          </a:p>
-          <a:p>
-            <a:r>
-              <a:rPr lang="en-US" dirty="0"/>
-              <a:t>Can't access the internet</a:t>
-            </a:r>
-          </a:p>
-          <a:p>
-            <a:r>
-              <a:rPr lang="en-US" dirty="0"/>
-              <a:t>Don’t know current prices, events, weather</a:t>
-            </a:r>
-          </a:p>
-          <a:p>
-            <a:r>
-              <a:rPr lang="en-US" dirty="0"/>
-              <a:t>Can't check against current information for factual analysis</a:t>
-            </a:r>
-          </a:p>
-          <a:p>
-            <a:r>
-              <a:rPr lang="en-US" dirty="0"/>
-              <a:t>Knowledge cutoff = outdated information</a:t>
-            </a:r>
-          </a:p>
-        </p:txBody>
-      </p:sp>
-      <p:sp>
-        <p:nvSpPr>
-          <p:cNvPr id="4" name="Content Placeholder 3">
-            <a:extLst>
-              <a:ext uri="{FF2B5EF4-FFF2-40B4-BE49-F238E27FC236}">
-                <a16:creationId xmlns:a16="http://schemas.microsoft.com/office/drawing/2014/main" id="{8342E8DA-F372-D783-F601-57F3B3F6F3AA}"/>
-              </a:ext>
-            </a:extLst>
-          </p:cNvPr>
-          <p:cNvSpPr>
-            <a:spLocks noGrp="1"/>
-          </p:cNvSpPr>
-          <p:nvPr>
-            <p:ph sz="half" idx="2"/>
-          </p:nvPr>
-        </p:nvSpPr>
-        <p:spPr/>
-        <p:txBody>
-          <a:bodyPr vert="horz" lIns="91440" tIns="45720" rIns="91440" bIns="45720" rtlCol="0" anchor="t">
-            <a:normAutofit/>
-          </a:bodyPr>
-          <a:lstStyle/>
-          <a:p>
-            <a:pPr marL="0" indent="0">
-              <a:buNone/>
-            </a:pPr>
-            <a:r>
-              <a:rPr lang="en-US" b="1" dirty="0"/>
-              <a:t>No Actions in the Real World</a:t>
-            </a:r>
-          </a:p>
-          <a:p>
-            <a:r>
-              <a:rPr lang="en-US" dirty="0"/>
-              <a:t>Can't send emails, make purchases, book appointments</a:t>
-            </a:r>
-          </a:p>
-          <a:p>
-            <a:r>
-              <a:rPr lang="en-US" dirty="0"/>
-              <a:t>Can't click buttons or navigate websites</a:t>
-            </a:r>
-          </a:p>
-          <a:p>
-            <a:r>
-              <a:rPr lang="en-US" dirty="0"/>
-              <a:t>Can’t run code or access files</a:t>
-            </a:r>
-          </a:p>
-          <a:p>
-            <a:r>
-              <a:rPr lang="en-US" dirty="0"/>
-              <a:t>Cant' control physical devices</a:t>
-            </a:r>
-          </a:p>
-        </p:txBody>
-      </p:sp>
     </p:spTree>
     <p:extLst>
       <p:ext uri="{BB962C8B-B14F-4D97-AF65-F5344CB8AC3E}">
-        <p14:creationId xmlns:p14="http://schemas.microsoft.com/office/powerpoint/2010/main" val="2286007442"/>
+        <p14:creationId xmlns:p14="http://schemas.microsoft.com/office/powerpoint/2010/main" val="343241706"/>
       </p:ext>
     </p:extLst>
   </p:cSld>
